--- a/5kurs/pereverzev/article/Темников презентация секция 4 Информационное обеспечение.pptx
+++ b/5kurs/pereverzev/article/Темников презентация секция 4 Информационное обеспечение.pptx
@@ -2,10 +2,10 @@
 <file path=ppt/presentation.xml><?xml version="1.0" encoding="utf-8"?>
 <p:presentation xmlns:a="http://schemas.openxmlformats.org/drawingml/2006/main" xmlns:r="http://schemas.openxmlformats.org/officeDocument/2006/relationships" xmlns:p="http://schemas.openxmlformats.org/presentationml/2006/main" saveSubsetFonts="1">
   <p:sldMasterIdLst>
-    <p:sldMasterId id="2147483768" r:id="rId1"/>
+    <p:sldMasterId id="2147483828" r:id="rId1"/>
   </p:sldMasterIdLst>
   <p:notesMasterIdLst>
-    <p:notesMasterId r:id="rId13"/>
+    <p:notesMasterId r:id="rId12"/>
   </p:notesMasterIdLst>
   <p:sldIdLst>
     <p:sldId id="256" r:id="rId2"/>
@@ -13,12 +13,11 @@
     <p:sldId id="258" r:id="rId4"/>
     <p:sldId id="259" r:id="rId5"/>
     <p:sldId id="260" r:id="rId6"/>
-    <p:sldId id="261" r:id="rId7"/>
-    <p:sldId id="262" r:id="rId8"/>
-    <p:sldId id="263" r:id="rId9"/>
-    <p:sldId id="264" r:id="rId10"/>
-    <p:sldId id="265" r:id="rId11"/>
-    <p:sldId id="266" r:id="rId12"/>
+    <p:sldId id="262" r:id="rId7"/>
+    <p:sldId id="263" r:id="rId8"/>
+    <p:sldId id="264" r:id="rId9"/>
+    <p:sldId id="265" r:id="rId10"/>
+    <p:sldId id="266" r:id="rId11"/>
   </p:sldIdLst>
   <p:sldSz cx="9144000" cy="6858000" type="screen4x3"/>
   <p:notesSz cx="6858000" cy="9144000"/>
@@ -1622,17 +1621,17 @@
       <dgm:spPr/>
     </dgm:pt>
     <dgm:pt modelId="{D8D83173-D390-4DCB-9C7A-4707ABE88E3E}">
-      <dgm:prSet phldrT="[Текст]"/>
+      <dgm:prSet phldrT="[Текст]" custT="1"/>
       <dgm:spPr/>
       <dgm:t>
         <a:bodyPr/>
         <a:lstStyle/>
         <a:p>
           <a:r>
-            <a:rPr lang="ru-RU" dirty="0" smtClean="0"/>
+            <a:rPr lang="ru-RU" sz="2000" dirty="0" smtClean="0"/>
             <a:t>Источник данных</a:t>
           </a:r>
-          <a:endParaRPr lang="ru-RU" dirty="0"/>
+          <a:endParaRPr lang="ru-RU" sz="2000" dirty="0"/>
         </a:p>
       </dgm:t>
     </dgm:pt>
@@ -1659,17 +1658,17 @@
       </dgm:t>
     </dgm:pt>
     <dgm:pt modelId="{DB9E0135-4CA6-438F-9689-A532D6BC4F03}">
-      <dgm:prSet phldrT="[Текст]"/>
+      <dgm:prSet phldrT="[Текст]" custT="1"/>
       <dgm:spPr/>
       <dgm:t>
         <a:bodyPr/>
         <a:lstStyle/>
         <a:p>
           <a:r>
-            <a:rPr lang="ru-RU" dirty="0" smtClean="0"/>
+            <a:rPr lang="ru-RU" sz="2000" dirty="0" smtClean="0"/>
             <a:t>Информационное обеспечение</a:t>
           </a:r>
-          <a:endParaRPr lang="ru-RU" dirty="0"/>
+          <a:endParaRPr lang="ru-RU" sz="2000" dirty="0"/>
         </a:p>
       </dgm:t>
     </dgm:pt>
@@ -1696,17 +1695,17 @@
       </dgm:t>
     </dgm:pt>
     <dgm:pt modelId="{2E143423-D846-4FC3-B092-A5E5A8AD58D8}">
-      <dgm:prSet phldrT="[Текст]"/>
+      <dgm:prSet phldrT="[Текст]" custT="1"/>
       <dgm:spPr/>
       <dgm:t>
         <a:bodyPr/>
         <a:lstStyle/>
         <a:p>
           <a:r>
-            <a:rPr lang="ru-RU" dirty="0" smtClean="0"/>
+            <a:rPr lang="ru-RU" sz="2000" dirty="0" smtClean="0"/>
             <a:t>Информационная система</a:t>
           </a:r>
-          <a:endParaRPr lang="ru-RU" dirty="0"/>
+          <a:endParaRPr lang="ru-RU" sz="2000" dirty="0"/>
         </a:p>
       </dgm:t>
     </dgm:pt>
@@ -1733,17 +1732,17 @@
       </dgm:t>
     </dgm:pt>
     <dgm:pt modelId="{44A115B1-7E92-4D36-82CD-D78B477DD944}">
-      <dgm:prSet phldrT="[Текст]"/>
+      <dgm:prSet phldrT="[Текст]" custT="1"/>
       <dgm:spPr/>
       <dgm:t>
         <a:bodyPr/>
         <a:lstStyle/>
         <a:p>
           <a:r>
-            <a:rPr lang="ru-RU" dirty="0" smtClean="0"/>
+            <a:rPr lang="ru-RU" sz="2000" dirty="0" smtClean="0"/>
             <a:t>Информационное обеспечение</a:t>
           </a:r>
-          <a:endParaRPr lang="ru-RU" dirty="0"/>
+          <a:endParaRPr lang="ru-RU" sz="2000" dirty="0"/>
         </a:p>
       </dgm:t>
     </dgm:pt>
@@ -1770,17 +1769,17 @@
       </dgm:t>
     </dgm:pt>
     <dgm:pt modelId="{FFDC4EE2-A19D-4573-894A-912F7F979952}">
-      <dgm:prSet phldrT="[Текст]"/>
+      <dgm:prSet phldrT="[Текст]" custT="1"/>
       <dgm:spPr/>
       <dgm:t>
         <a:bodyPr/>
         <a:lstStyle/>
         <a:p>
           <a:r>
-            <a:rPr lang="ru-RU" dirty="0" smtClean="0"/>
+            <a:rPr lang="ru-RU" sz="2000" dirty="0" smtClean="0"/>
             <a:t>Потребитель</a:t>
           </a:r>
-          <a:endParaRPr lang="ru-RU" dirty="0"/>
+          <a:endParaRPr lang="ru-RU" sz="2000" dirty="0"/>
         </a:p>
       </dgm:t>
     </dgm:pt>
@@ -1832,10 +1831,24 @@
     <dgm:pt modelId="{B7814B84-C840-4CB8-B840-53E7A5F47A56}" type="pres">
       <dgm:prSet presAssocID="{4C68C74E-8D09-4EBF-B5C1-D6C4BA5076FA}" presName="sibTrans" presStyleLbl="sibTrans2D1" presStyleIdx="0" presStyleCnt="4"/>
       <dgm:spPr/>
+      <dgm:t>
+        <a:bodyPr/>
+        <a:lstStyle/>
+        <a:p>
+          <a:endParaRPr lang="ru-RU"/>
+        </a:p>
+      </dgm:t>
     </dgm:pt>
     <dgm:pt modelId="{5FF483EC-41CB-43D7-BEA5-773F7A488FF3}" type="pres">
       <dgm:prSet presAssocID="{4C68C74E-8D09-4EBF-B5C1-D6C4BA5076FA}" presName="connectorText" presStyleLbl="sibTrans2D1" presStyleIdx="0" presStyleCnt="4"/>
       <dgm:spPr/>
+      <dgm:t>
+        <a:bodyPr/>
+        <a:lstStyle/>
+        <a:p>
+          <a:endParaRPr lang="ru-RU"/>
+        </a:p>
+      </dgm:t>
     </dgm:pt>
     <dgm:pt modelId="{4368DC4C-2B20-405B-B020-FD8CE3BADAE5}" type="pres">
       <dgm:prSet presAssocID="{DB9E0135-4CA6-438F-9689-A532D6BC4F03}" presName="node" presStyleLbl="node1" presStyleIdx="1" presStyleCnt="5">
@@ -1855,10 +1868,24 @@
     <dgm:pt modelId="{CB60C0B9-D263-4AE2-957D-39BD98BBDE75}" type="pres">
       <dgm:prSet presAssocID="{A332F93A-F5F1-4CE8-A9D6-AF4377FFD1C4}" presName="sibTrans" presStyleLbl="sibTrans2D1" presStyleIdx="1" presStyleCnt="4"/>
       <dgm:spPr/>
+      <dgm:t>
+        <a:bodyPr/>
+        <a:lstStyle/>
+        <a:p>
+          <a:endParaRPr lang="ru-RU"/>
+        </a:p>
+      </dgm:t>
     </dgm:pt>
     <dgm:pt modelId="{05A6DDF8-2555-4B34-8235-18E03D303814}" type="pres">
       <dgm:prSet presAssocID="{A332F93A-F5F1-4CE8-A9D6-AF4377FFD1C4}" presName="connectorText" presStyleLbl="sibTrans2D1" presStyleIdx="1" presStyleCnt="4"/>
       <dgm:spPr/>
+      <dgm:t>
+        <a:bodyPr/>
+        <a:lstStyle/>
+        <a:p>
+          <a:endParaRPr lang="ru-RU"/>
+        </a:p>
+      </dgm:t>
     </dgm:pt>
     <dgm:pt modelId="{D70F2819-3677-4A0F-83DA-A4C2BAF9B175}" type="pres">
       <dgm:prSet presAssocID="{2E143423-D846-4FC3-B092-A5E5A8AD58D8}" presName="node" presStyleLbl="node1" presStyleIdx="2" presStyleCnt="5">
@@ -1878,10 +1905,24 @@
     <dgm:pt modelId="{B7994AA3-1769-489F-80D9-DFD47A786B8B}" type="pres">
       <dgm:prSet presAssocID="{EA213773-A95A-468A-B388-2C764C76314E}" presName="sibTrans" presStyleLbl="sibTrans2D1" presStyleIdx="2" presStyleCnt="4"/>
       <dgm:spPr/>
+      <dgm:t>
+        <a:bodyPr/>
+        <a:lstStyle/>
+        <a:p>
+          <a:endParaRPr lang="ru-RU"/>
+        </a:p>
+      </dgm:t>
     </dgm:pt>
     <dgm:pt modelId="{05F33685-B05A-491F-BD1D-4505CFD8BD5E}" type="pres">
       <dgm:prSet presAssocID="{EA213773-A95A-468A-B388-2C764C76314E}" presName="connectorText" presStyleLbl="sibTrans2D1" presStyleIdx="2" presStyleCnt="4"/>
       <dgm:spPr/>
+      <dgm:t>
+        <a:bodyPr/>
+        <a:lstStyle/>
+        <a:p>
+          <a:endParaRPr lang="ru-RU"/>
+        </a:p>
+      </dgm:t>
     </dgm:pt>
     <dgm:pt modelId="{4C5365E0-9431-4A5A-AF12-AF1C1ADC926F}" type="pres">
       <dgm:prSet presAssocID="{44A115B1-7E92-4D36-82CD-D78B477DD944}" presName="node" presStyleLbl="node1" presStyleIdx="3" presStyleCnt="5">
@@ -1890,14 +1931,35 @@
         </dgm:presLayoutVars>
       </dgm:prSet>
       <dgm:spPr/>
+      <dgm:t>
+        <a:bodyPr/>
+        <a:lstStyle/>
+        <a:p>
+          <a:endParaRPr lang="ru-RU"/>
+        </a:p>
+      </dgm:t>
     </dgm:pt>
     <dgm:pt modelId="{E70D027E-0031-46C3-815D-2D7282544530}" type="pres">
       <dgm:prSet presAssocID="{B3449E95-8B80-4D3B-88B1-7E8C8089BFE4}" presName="sibTrans" presStyleLbl="sibTrans2D1" presStyleIdx="3" presStyleCnt="4"/>
       <dgm:spPr/>
+      <dgm:t>
+        <a:bodyPr/>
+        <a:lstStyle/>
+        <a:p>
+          <a:endParaRPr lang="ru-RU"/>
+        </a:p>
+      </dgm:t>
     </dgm:pt>
     <dgm:pt modelId="{450A17E4-98BC-4FE5-A57B-EFE300CEDD60}" type="pres">
       <dgm:prSet presAssocID="{B3449E95-8B80-4D3B-88B1-7E8C8089BFE4}" presName="connectorText" presStyleLbl="sibTrans2D1" presStyleIdx="3" presStyleCnt="4"/>
       <dgm:spPr/>
+      <dgm:t>
+        <a:bodyPr/>
+        <a:lstStyle/>
+        <a:p>
+          <a:endParaRPr lang="ru-RU"/>
+        </a:p>
+      </dgm:t>
     </dgm:pt>
     <dgm:pt modelId="{E2A8A1ED-0DF9-44D3-81C0-D751A923E2ED}" type="pres">
       <dgm:prSet presAssocID="{FFDC4EE2-A19D-4573-894A-912F7F979952}" presName="node" presStyleLbl="node1" presStyleIdx="4" presStyleCnt="5">
@@ -1906,6 +1968,13 @@
         </dgm:presLayoutVars>
       </dgm:prSet>
       <dgm:spPr/>
+      <dgm:t>
+        <a:bodyPr/>
+        <a:lstStyle/>
+        <a:p>
+          <a:endParaRPr lang="ru-RU"/>
+        </a:p>
+      </dgm:t>
     </dgm:pt>
   </dgm:ptLst>
   <dgm:cxnLst>
@@ -1924,8 +1993,8 @@
     <dgm:cxn modelId="{982F7C90-0E5F-47D3-A24C-544B23E063BD}" type="presOf" srcId="{EA213773-A95A-468A-B388-2C764C76314E}" destId="{05F33685-B05A-491F-BD1D-4505CFD8BD5E}" srcOrd="1" destOrd="0" presId="urn:microsoft.com/office/officeart/2005/8/layout/process2"/>
     <dgm:cxn modelId="{D463D5BB-1422-4FB1-A459-C047D6CA4054}" srcId="{6E4351CD-DDEE-4C94-BB34-847B0B8C60E7}" destId="{D8D83173-D390-4DCB-9C7A-4707ABE88E3E}" srcOrd="0" destOrd="0" parTransId="{1CE6144B-2EEE-46B7-80EB-12DFF5CDB262}" sibTransId="{4C68C74E-8D09-4EBF-B5C1-D6C4BA5076FA}"/>
     <dgm:cxn modelId="{2DD042C3-6DCB-4E8B-9B9C-3230FE62CDC1}" type="presOf" srcId="{A332F93A-F5F1-4CE8-A9D6-AF4377FFD1C4}" destId="{05A6DDF8-2555-4B34-8235-18E03D303814}" srcOrd="1" destOrd="0" presId="urn:microsoft.com/office/officeart/2005/8/layout/process2"/>
+    <dgm:cxn modelId="{1AC53C6A-0001-48E2-AB0F-83675B7E1DFA}" type="presOf" srcId="{B3449E95-8B80-4D3B-88B1-7E8C8089BFE4}" destId="{E70D027E-0031-46C3-815D-2D7282544530}" srcOrd="0" destOrd="0" presId="urn:microsoft.com/office/officeart/2005/8/layout/process2"/>
     <dgm:cxn modelId="{BB382B4A-4C8F-4901-8D67-D3BFFCCCB147}" type="presOf" srcId="{4C68C74E-8D09-4EBF-B5C1-D6C4BA5076FA}" destId="{B7814B84-C840-4CB8-B840-53E7A5F47A56}" srcOrd="0" destOrd="0" presId="urn:microsoft.com/office/officeart/2005/8/layout/process2"/>
-    <dgm:cxn modelId="{1AC53C6A-0001-48E2-AB0F-83675B7E1DFA}" type="presOf" srcId="{B3449E95-8B80-4D3B-88B1-7E8C8089BFE4}" destId="{E70D027E-0031-46C3-815D-2D7282544530}" srcOrd="0" destOrd="0" presId="urn:microsoft.com/office/officeart/2005/8/layout/process2"/>
     <dgm:cxn modelId="{3C492D66-789F-407B-882A-70B00D908533}" type="presOf" srcId="{EA213773-A95A-468A-B388-2C764C76314E}" destId="{B7994AA3-1769-489F-80D9-DFD47A786B8B}" srcOrd="0" destOrd="0" presId="urn:microsoft.com/office/officeart/2005/8/layout/process2"/>
     <dgm:cxn modelId="{1AB0A74A-3E55-4500-A19A-8B9097AD0D62}" type="presOf" srcId="{D8D83173-D390-4DCB-9C7A-4707ABE88E3E}" destId="{D8D8CB3C-ADA6-460A-9B0F-FBA7C668EE2E}" srcOrd="0" destOrd="0" presId="urn:microsoft.com/office/officeart/2005/8/layout/process2"/>
     <dgm:cxn modelId="{A2502235-20CA-40BF-A975-C0D34885E524}" type="presParOf" srcId="{1F0E8ECC-1DD3-42F1-AF87-AA9B7B2C32E4}" destId="{D8D8CB3C-ADA6-460A-9B0F-FBA7C668EE2E}" srcOrd="0" destOrd="0" presId="urn:microsoft.com/office/officeart/2005/8/layout/process2"/>
@@ -2049,13 +2118,20 @@
         </dgm:presLayoutVars>
       </dgm:prSet>
       <dgm:spPr/>
+      <dgm:t>
+        <a:bodyPr/>
+        <a:lstStyle/>
+        <a:p>
+          <a:endParaRPr lang="ru-RU"/>
+        </a:p>
+      </dgm:t>
     </dgm:pt>
     <dgm:pt modelId="{876C6CCE-A501-451E-87DE-5CB5301C7807}" type="pres">
-      <dgm:prSet presAssocID="{E052A160-2489-4872-8ED8-F5F709ED04E2}" presName="ribbon" presStyleLbl="node1" presStyleIdx="0" presStyleCnt="1"/>
+      <dgm:prSet presAssocID="{E052A160-2489-4872-8ED8-F5F709ED04E2}" presName="ribbon" presStyleLbl="node1" presStyleIdx="0" presStyleCnt="1" custScaleY="76971" custLinFactNeighborX="126" custLinFactNeighborY="8750"/>
       <dgm:spPr/>
     </dgm:pt>
     <dgm:pt modelId="{E584B4E2-8448-4099-B46A-48A99B3FF6B3}" type="pres">
-      <dgm:prSet presAssocID="{E052A160-2489-4872-8ED8-F5F709ED04E2}" presName="leftArrowText" presStyleLbl="node1" presStyleIdx="0" presStyleCnt="1">
+      <dgm:prSet presAssocID="{E052A160-2489-4872-8ED8-F5F709ED04E2}" presName="leftArrowText" presStyleLbl="node1" presStyleIdx="0" presStyleCnt="1" custLinFactNeighborX="-1514" custLinFactNeighborY="19035">
         <dgm:presLayoutVars>
           <dgm:chMax val="0"/>
           <dgm:bulletEnabled val="1"/>
@@ -2071,13 +2147,20 @@
       </dgm:t>
     </dgm:pt>
     <dgm:pt modelId="{48613C62-E596-4771-B806-90A5B79D5C3C}" type="pres">
-      <dgm:prSet presAssocID="{E052A160-2489-4872-8ED8-F5F709ED04E2}" presName="rightArrowText" presStyleLbl="node1" presStyleIdx="0" presStyleCnt="1">
+      <dgm:prSet presAssocID="{E052A160-2489-4872-8ED8-F5F709ED04E2}" presName="rightArrowText" presStyleLbl="node1" presStyleIdx="0" presStyleCnt="1" custLinFactNeighborX="-2244" custLinFactNeighborY="13167">
         <dgm:presLayoutVars>
           <dgm:chMax val="0"/>
           <dgm:bulletEnabled val="1"/>
         </dgm:presLayoutVars>
       </dgm:prSet>
       <dgm:spPr/>
+      <dgm:t>
+        <a:bodyPr/>
+        <a:lstStyle/>
+        <a:p>
+          <a:endParaRPr lang="ru-RU"/>
+        </a:p>
+      </dgm:t>
     </dgm:pt>
   </dgm:ptLst>
   <dgm:cxnLst>
@@ -2115,8 +2198,8 @@
       </dsp:nvSpPr>
       <dsp:spPr>
         <a:xfrm>
-          <a:off x="2235565" y="602"/>
-          <a:ext cx="1947925" cy="705131"/>
+          <a:off x="1800642" y="3012"/>
+          <a:ext cx="2817771" cy="704442"/>
         </a:xfrm>
         <a:prstGeom prst="roundRect">
           <a:avLst>
@@ -2131,7 +2214,7 @@
             <a:alphaOff val="0"/>
           </a:schemeClr>
         </a:solidFill>
-        <a:ln w="19050" cap="flat" cmpd="sng" algn="ctr">
+        <a:ln w="25400" cap="flat" cmpd="sng" algn="ctr">
           <a:solidFill>
             <a:schemeClr val="lt1">
               <a:hueOff val="0"/>
@@ -2159,12 +2242,12 @@
         </a:fontRef>
       </dsp:style>
       <dsp:txBody>
-        <a:bodyPr spcFirstLastPara="0" vert="horz" wrap="square" lIns="68580" tIns="68580" rIns="68580" bIns="68580" numCol="1" spcCol="1270" anchor="ctr" anchorCtr="0">
+        <a:bodyPr spcFirstLastPara="0" vert="horz" wrap="square" lIns="76200" tIns="76200" rIns="76200" bIns="76200" numCol="1" spcCol="1270" anchor="ctr" anchorCtr="0">
           <a:noAutofit/>
         </a:bodyPr>
         <a:lstStyle/>
         <a:p>
-          <a:pPr lvl="0" algn="ctr" defTabSz="800100">
+          <a:pPr lvl="0" algn="ctr" defTabSz="889000">
             <a:lnSpc>
               <a:spcPct val="90000"/>
             </a:lnSpc>
@@ -2176,15 +2259,15 @@
             </a:spcAft>
           </a:pPr>
           <a:r>
-            <a:rPr lang="ru-RU" sz="1800" kern="1200" dirty="0" smtClean="0"/>
+            <a:rPr lang="ru-RU" sz="2000" kern="1200" dirty="0" smtClean="0"/>
             <a:t>Источник данных</a:t>
           </a:r>
-          <a:endParaRPr lang="ru-RU" sz="1800" kern="1200" dirty="0"/>
+          <a:endParaRPr lang="ru-RU" sz="2000" kern="1200" dirty="0"/>
         </a:p>
       </dsp:txBody>
       <dsp:txXfrm>
-        <a:off x="2235565" y="602"/>
-        <a:ext cx="1947925" cy="705131"/>
+        <a:off x="1800642" y="3012"/>
+        <a:ext cx="2817771" cy="704442"/>
       </dsp:txXfrm>
     </dsp:sp>
     <dsp:sp modelId="{B7814B84-C840-4CB8-B840-53E7A5F47A56}">
@@ -2194,8 +2277,8 @@
       </dsp:nvSpPr>
       <dsp:spPr>
         <a:xfrm rot="5400000">
-          <a:off x="3077315" y="723362"/>
-          <a:ext cx="264424" cy="317309"/>
+          <a:off x="3077444" y="725066"/>
+          <a:ext cx="264166" cy="316999"/>
         </a:xfrm>
         <a:prstGeom prst="rightArrow">
           <a:avLst>
@@ -2252,8 +2335,8 @@
         </a:p>
       </dsp:txBody>
       <dsp:txXfrm rot="5400000">
-        <a:off x="3077315" y="723362"/>
-        <a:ext cx="264424" cy="317309"/>
+        <a:off x="3077444" y="725066"/>
+        <a:ext cx="264166" cy="316999"/>
       </dsp:txXfrm>
     </dsp:sp>
     <dsp:sp modelId="{4368DC4C-2B20-405B-B020-FD8CE3BADAE5}">
@@ -2263,8 +2346,8 @@
       </dsp:nvSpPr>
       <dsp:spPr>
         <a:xfrm>
-          <a:off x="2235565" y="1058299"/>
-          <a:ext cx="1947925" cy="705131"/>
+          <a:off x="1800642" y="1059676"/>
+          <a:ext cx="2817771" cy="704442"/>
         </a:xfrm>
         <a:prstGeom prst="roundRect">
           <a:avLst>
@@ -2279,7 +2362,7 @@
             <a:alphaOff val="0"/>
           </a:schemeClr>
         </a:solidFill>
-        <a:ln w="19050" cap="flat" cmpd="sng" algn="ctr">
+        <a:ln w="25400" cap="flat" cmpd="sng" algn="ctr">
           <a:solidFill>
             <a:schemeClr val="lt1">
               <a:hueOff val="0"/>
@@ -2307,12 +2390,12 @@
         </a:fontRef>
       </dsp:style>
       <dsp:txBody>
-        <a:bodyPr spcFirstLastPara="0" vert="horz" wrap="square" lIns="68580" tIns="68580" rIns="68580" bIns="68580" numCol="1" spcCol="1270" anchor="ctr" anchorCtr="0">
+        <a:bodyPr spcFirstLastPara="0" vert="horz" wrap="square" lIns="76200" tIns="76200" rIns="76200" bIns="76200" numCol="1" spcCol="1270" anchor="ctr" anchorCtr="0">
           <a:noAutofit/>
         </a:bodyPr>
         <a:lstStyle/>
         <a:p>
-          <a:pPr lvl="0" algn="ctr" defTabSz="800100">
+          <a:pPr lvl="0" algn="ctr" defTabSz="889000">
             <a:lnSpc>
               <a:spcPct val="90000"/>
             </a:lnSpc>
@@ -2324,15 +2407,15 @@
             </a:spcAft>
           </a:pPr>
           <a:r>
-            <a:rPr lang="ru-RU" sz="1800" kern="1200" dirty="0" smtClean="0"/>
+            <a:rPr lang="ru-RU" sz="2000" kern="1200" dirty="0" smtClean="0"/>
             <a:t>Информационное обеспечение</a:t>
           </a:r>
-          <a:endParaRPr lang="ru-RU" sz="1800" kern="1200" dirty="0"/>
+          <a:endParaRPr lang="ru-RU" sz="2000" kern="1200" dirty="0"/>
         </a:p>
       </dsp:txBody>
       <dsp:txXfrm>
-        <a:off x="2235565" y="1058299"/>
-        <a:ext cx="1947925" cy="705131"/>
+        <a:off x="1800642" y="1059676"/>
+        <a:ext cx="2817771" cy="704442"/>
       </dsp:txXfrm>
     </dsp:sp>
     <dsp:sp modelId="{CB60C0B9-D263-4AE2-957D-39BD98BBDE75}">
@@ -2342,8 +2425,8 @@
       </dsp:nvSpPr>
       <dsp:spPr>
         <a:xfrm rot="5400000">
-          <a:off x="3077315" y="1781059"/>
-          <a:ext cx="264424" cy="317309"/>
+          <a:off x="3077444" y="1781730"/>
+          <a:ext cx="264166" cy="316999"/>
         </a:xfrm>
         <a:prstGeom prst="rightArrow">
           <a:avLst>
@@ -2400,8 +2483,8 @@
         </a:p>
       </dsp:txBody>
       <dsp:txXfrm rot="5400000">
-        <a:off x="3077315" y="1781059"/>
-        <a:ext cx="264424" cy="317309"/>
+        <a:off x="3077444" y="1781730"/>
+        <a:ext cx="264166" cy="316999"/>
       </dsp:txXfrm>
     </dsp:sp>
     <dsp:sp modelId="{D70F2819-3677-4A0F-83DA-A4C2BAF9B175}">
@@ -2411,8 +2494,8 @@
       </dsp:nvSpPr>
       <dsp:spPr>
         <a:xfrm>
-          <a:off x="2235565" y="2115996"/>
-          <a:ext cx="1947925" cy="705131"/>
+          <a:off x="1800642" y="2116341"/>
+          <a:ext cx="2817771" cy="704442"/>
         </a:xfrm>
         <a:prstGeom prst="roundRect">
           <a:avLst>
@@ -2427,7 +2510,7 @@
             <a:alphaOff val="0"/>
           </a:schemeClr>
         </a:solidFill>
-        <a:ln w="19050" cap="flat" cmpd="sng" algn="ctr">
+        <a:ln w="25400" cap="flat" cmpd="sng" algn="ctr">
           <a:solidFill>
             <a:schemeClr val="lt1">
               <a:hueOff val="0"/>
@@ -2455,12 +2538,12 @@
         </a:fontRef>
       </dsp:style>
       <dsp:txBody>
-        <a:bodyPr spcFirstLastPara="0" vert="horz" wrap="square" lIns="68580" tIns="68580" rIns="68580" bIns="68580" numCol="1" spcCol="1270" anchor="ctr" anchorCtr="0">
+        <a:bodyPr spcFirstLastPara="0" vert="horz" wrap="square" lIns="76200" tIns="76200" rIns="76200" bIns="76200" numCol="1" spcCol="1270" anchor="ctr" anchorCtr="0">
           <a:noAutofit/>
         </a:bodyPr>
         <a:lstStyle/>
         <a:p>
-          <a:pPr lvl="0" algn="ctr" defTabSz="800100">
+          <a:pPr lvl="0" algn="ctr" defTabSz="889000">
             <a:lnSpc>
               <a:spcPct val="90000"/>
             </a:lnSpc>
@@ -2472,15 +2555,15 @@
             </a:spcAft>
           </a:pPr>
           <a:r>
-            <a:rPr lang="ru-RU" sz="1800" kern="1200" dirty="0" smtClean="0"/>
+            <a:rPr lang="ru-RU" sz="2000" kern="1200" dirty="0" smtClean="0"/>
             <a:t>Информационная система</a:t>
           </a:r>
-          <a:endParaRPr lang="ru-RU" sz="1800" kern="1200" dirty="0"/>
+          <a:endParaRPr lang="ru-RU" sz="2000" kern="1200" dirty="0"/>
         </a:p>
       </dsp:txBody>
       <dsp:txXfrm>
-        <a:off x="2235565" y="2115996"/>
-        <a:ext cx="1947925" cy="705131"/>
+        <a:off x="1800642" y="2116341"/>
+        <a:ext cx="2817771" cy="704442"/>
       </dsp:txXfrm>
     </dsp:sp>
     <dsp:sp modelId="{B7994AA3-1769-489F-80D9-DFD47A786B8B}">
@@ -2490,8 +2573,8 @@
       </dsp:nvSpPr>
       <dsp:spPr>
         <a:xfrm rot="5400000">
-          <a:off x="3077315" y="2838756"/>
-          <a:ext cx="264424" cy="317309"/>
+          <a:off x="3077444" y="2838394"/>
+          <a:ext cx="264166" cy="316999"/>
         </a:xfrm>
         <a:prstGeom prst="rightArrow">
           <a:avLst>
@@ -2548,8 +2631,8 @@
         </a:p>
       </dsp:txBody>
       <dsp:txXfrm rot="5400000">
-        <a:off x="3077315" y="2838756"/>
-        <a:ext cx="264424" cy="317309"/>
+        <a:off x="3077444" y="2838394"/>
+        <a:ext cx="264166" cy="316999"/>
       </dsp:txXfrm>
     </dsp:sp>
     <dsp:sp modelId="{4C5365E0-9431-4A5A-AF12-AF1C1ADC926F}">
@@ -2559,8 +2642,8 @@
       </dsp:nvSpPr>
       <dsp:spPr>
         <a:xfrm>
-          <a:off x="2235565" y="3173693"/>
-          <a:ext cx="1947925" cy="705131"/>
+          <a:off x="1800642" y="3173005"/>
+          <a:ext cx="2817771" cy="704442"/>
         </a:xfrm>
         <a:prstGeom prst="roundRect">
           <a:avLst>
@@ -2575,7 +2658,7 @@
             <a:alphaOff val="0"/>
           </a:schemeClr>
         </a:solidFill>
-        <a:ln w="19050" cap="flat" cmpd="sng" algn="ctr">
+        <a:ln w="25400" cap="flat" cmpd="sng" algn="ctr">
           <a:solidFill>
             <a:schemeClr val="lt1">
               <a:hueOff val="0"/>
@@ -2603,12 +2686,12 @@
         </a:fontRef>
       </dsp:style>
       <dsp:txBody>
-        <a:bodyPr spcFirstLastPara="0" vert="horz" wrap="square" lIns="68580" tIns="68580" rIns="68580" bIns="68580" numCol="1" spcCol="1270" anchor="ctr" anchorCtr="0">
+        <a:bodyPr spcFirstLastPara="0" vert="horz" wrap="square" lIns="76200" tIns="76200" rIns="76200" bIns="76200" numCol="1" spcCol="1270" anchor="ctr" anchorCtr="0">
           <a:noAutofit/>
         </a:bodyPr>
         <a:lstStyle/>
         <a:p>
-          <a:pPr lvl="0" algn="ctr" defTabSz="800100">
+          <a:pPr lvl="0" algn="ctr" defTabSz="889000">
             <a:lnSpc>
               <a:spcPct val="90000"/>
             </a:lnSpc>
@@ -2620,15 +2703,15 @@
             </a:spcAft>
           </a:pPr>
           <a:r>
-            <a:rPr lang="ru-RU" sz="1800" kern="1200" dirty="0" smtClean="0"/>
+            <a:rPr lang="ru-RU" sz="2000" kern="1200" dirty="0" smtClean="0"/>
             <a:t>Информационное обеспечение</a:t>
           </a:r>
-          <a:endParaRPr lang="ru-RU" sz="1800" kern="1200" dirty="0"/>
+          <a:endParaRPr lang="ru-RU" sz="2000" kern="1200" dirty="0"/>
         </a:p>
       </dsp:txBody>
       <dsp:txXfrm>
-        <a:off x="2235565" y="3173693"/>
-        <a:ext cx="1947925" cy="705131"/>
+        <a:off x="1800642" y="3173005"/>
+        <a:ext cx="2817771" cy="704442"/>
       </dsp:txXfrm>
     </dsp:sp>
     <dsp:sp modelId="{E70D027E-0031-46C3-815D-2D7282544530}">
@@ -2638,8 +2721,8 @@
       </dsp:nvSpPr>
       <dsp:spPr>
         <a:xfrm rot="5400000">
-          <a:off x="3077315" y="3896453"/>
-          <a:ext cx="264424" cy="317309"/>
+          <a:off x="3077444" y="3895059"/>
+          <a:ext cx="264166" cy="316999"/>
         </a:xfrm>
         <a:prstGeom prst="rightArrow">
           <a:avLst>
@@ -2696,8 +2779,8 @@
         </a:p>
       </dsp:txBody>
       <dsp:txXfrm rot="5400000">
-        <a:off x="3077315" y="3896453"/>
-        <a:ext cx="264424" cy="317309"/>
+        <a:off x="3077444" y="3895059"/>
+        <a:ext cx="264166" cy="316999"/>
       </dsp:txXfrm>
     </dsp:sp>
     <dsp:sp modelId="{E2A8A1ED-0DF9-44D3-81C0-D751A923E2ED}">
@@ -2707,8 +2790,8 @@
       </dsp:nvSpPr>
       <dsp:spPr>
         <a:xfrm>
-          <a:off x="2235565" y="4231390"/>
-          <a:ext cx="1947925" cy="705131"/>
+          <a:off x="1800642" y="4229669"/>
+          <a:ext cx="2817771" cy="704442"/>
         </a:xfrm>
         <a:prstGeom prst="roundRect">
           <a:avLst>
@@ -2723,7 +2806,7 @@
             <a:alphaOff val="0"/>
           </a:schemeClr>
         </a:solidFill>
-        <a:ln w="19050" cap="flat" cmpd="sng" algn="ctr">
+        <a:ln w="25400" cap="flat" cmpd="sng" algn="ctr">
           <a:solidFill>
             <a:schemeClr val="lt1">
               <a:hueOff val="0"/>
@@ -2751,12 +2834,12 @@
         </a:fontRef>
       </dsp:style>
       <dsp:txBody>
-        <a:bodyPr spcFirstLastPara="0" vert="horz" wrap="square" lIns="68580" tIns="68580" rIns="68580" bIns="68580" numCol="1" spcCol="1270" anchor="ctr" anchorCtr="0">
+        <a:bodyPr spcFirstLastPara="0" vert="horz" wrap="square" lIns="76200" tIns="76200" rIns="76200" bIns="76200" numCol="1" spcCol="1270" anchor="ctr" anchorCtr="0">
           <a:noAutofit/>
         </a:bodyPr>
         <a:lstStyle/>
         <a:p>
-          <a:pPr lvl="0" algn="ctr" defTabSz="800100">
+          <a:pPr lvl="0" algn="ctr" defTabSz="889000">
             <a:lnSpc>
               <a:spcPct val="90000"/>
             </a:lnSpc>
@@ -2768,15 +2851,15 @@
             </a:spcAft>
           </a:pPr>
           <a:r>
-            <a:rPr lang="ru-RU" sz="1800" kern="1200" dirty="0" smtClean="0"/>
+            <a:rPr lang="ru-RU" sz="2000" kern="1200" dirty="0" smtClean="0"/>
             <a:t>Потребитель</a:t>
           </a:r>
-          <a:endParaRPr lang="ru-RU" sz="1800" kern="1200" dirty="0"/>
+          <a:endParaRPr lang="ru-RU" sz="2000" kern="1200" dirty="0"/>
         </a:p>
       </dsp:txBody>
       <dsp:txXfrm>
-        <a:off x="2235565" y="4231390"/>
-        <a:ext cx="1947925" cy="705131"/>
+        <a:off x="1800642" y="4229669"/>
+        <a:ext cx="2817771" cy="704442"/>
       </dsp:txXfrm>
     </dsp:sp>
   </dsp:spTree>
@@ -2798,8 +2881,8 @@
       </dsp:nvSpPr>
       <dsp:spPr>
         <a:xfrm>
-          <a:off x="0" y="822642"/>
-          <a:ext cx="8229600" cy="3291840"/>
+          <a:off x="0" y="1508312"/>
+          <a:ext cx="7499350" cy="2308929"/>
         </a:xfrm>
         <a:prstGeom prst="leftRightRibbon">
           <a:avLst/>
@@ -2812,7 +2895,7 @@
             <a:alphaOff val="0"/>
           </a:schemeClr>
         </a:solidFill>
-        <a:ln w="19050" cap="flat" cmpd="sng" algn="ctr">
+        <a:ln w="25400" cap="flat" cmpd="sng" algn="ctr">
           <a:solidFill>
             <a:schemeClr val="lt1">
               <a:hueOff val="0"/>
@@ -2847,14 +2930,14 @@
       </dsp:nvSpPr>
       <dsp:spPr>
         <a:xfrm>
-          <a:off x="987552" y="1398714"/>
-          <a:ext cx="2715768" cy="1613001"/>
+          <a:off x="862453" y="1705174"/>
+          <a:ext cx="2474785" cy="1469872"/>
         </a:xfrm>
         <a:prstGeom prst="rect">
           <a:avLst/>
         </a:prstGeom>
         <a:noFill/>
-        <a:ln w="19050" cap="flat" cmpd="sng" algn="ctr">
+        <a:ln w="25400" cap="flat" cmpd="sng" algn="ctr">
           <a:noFill/>
           <a:prstDash val="solid"/>
         </a:ln>
@@ -2876,12 +2959,12 @@
         </a:fontRef>
       </dsp:style>
       <dsp:txBody>
-        <a:bodyPr spcFirstLastPara="0" vert="horz" wrap="square" lIns="0" tIns="117348" rIns="0" bIns="125730" numCol="1" spcCol="1270" anchor="ctr" anchorCtr="0">
+        <a:bodyPr spcFirstLastPara="0" vert="horz" wrap="square" lIns="0" tIns="103124" rIns="0" bIns="110490" numCol="1" spcCol="1270" anchor="ctr" anchorCtr="0">
           <a:noAutofit/>
         </a:bodyPr>
         <a:lstStyle/>
         <a:p>
-          <a:pPr lvl="0" algn="ctr" defTabSz="1466850">
+          <a:pPr lvl="0" algn="ctr" defTabSz="1289050">
             <a:lnSpc>
               <a:spcPct val="90000"/>
             </a:lnSpc>
@@ -2893,15 +2976,15 @@
             </a:spcAft>
           </a:pPr>
           <a:r>
-            <a:rPr lang="ru-RU" sz="3300" kern="1200" dirty="0" smtClean="0"/>
+            <a:rPr lang="ru-RU" sz="2900" kern="1200" dirty="0" smtClean="0"/>
             <a:t>Широта охвата потребителей</a:t>
           </a:r>
-          <a:endParaRPr lang="ru-RU" sz="3300" kern="1200" dirty="0"/>
+          <a:endParaRPr lang="ru-RU" sz="2900" kern="1200" dirty="0"/>
         </a:p>
       </dsp:txBody>
       <dsp:txXfrm>
-        <a:off x="987552" y="1398714"/>
-        <a:ext cx="2715768" cy="1613001"/>
+        <a:off x="862453" y="1705174"/>
+        <a:ext cx="2474785" cy="1469872"/>
       </dsp:txXfrm>
     </dsp:sp>
     <dsp:sp modelId="{48613C62-E596-4771-B806-90A5B79D5C3C}">
@@ -2911,14 +2994,14 @@
       </dsp:nvSpPr>
       <dsp:spPr>
         <a:xfrm>
-          <a:off x="4114800" y="1925408"/>
-          <a:ext cx="3209544" cy="1613001"/>
+          <a:off x="3684043" y="2098881"/>
+          <a:ext cx="2924746" cy="1469872"/>
         </a:xfrm>
         <a:prstGeom prst="rect">
           <a:avLst/>
         </a:prstGeom>
         <a:noFill/>
-        <a:ln w="19050" cap="flat" cmpd="sng" algn="ctr">
+        <a:ln w="25400" cap="flat" cmpd="sng" algn="ctr">
           <a:noFill/>
           <a:prstDash val="solid"/>
         </a:ln>
@@ -2940,12 +3023,12 @@
         </a:fontRef>
       </dsp:style>
       <dsp:txBody>
-        <a:bodyPr spcFirstLastPara="0" vert="horz" wrap="square" lIns="0" tIns="117348" rIns="0" bIns="125730" numCol="1" spcCol="1270" anchor="ctr" anchorCtr="0">
+        <a:bodyPr spcFirstLastPara="0" vert="horz" wrap="square" lIns="0" tIns="103124" rIns="0" bIns="110490" numCol="1" spcCol="1270" anchor="ctr" anchorCtr="0">
           <a:noAutofit/>
         </a:bodyPr>
         <a:lstStyle/>
         <a:p>
-          <a:pPr lvl="0" algn="ctr" defTabSz="1466850">
+          <a:pPr lvl="0" algn="ctr" defTabSz="1289050">
             <a:lnSpc>
               <a:spcPct val="90000"/>
             </a:lnSpc>
@@ -2957,15 +3040,15 @@
             </a:spcAft>
           </a:pPr>
           <a:r>
-            <a:rPr lang="ru-RU" sz="3300" kern="1200" dirty="0" smtClean="0"/>
+            <a:rPr lang="ru-RU" sz="2900" kern="1200" dirty="0" smtClean="0"/>
             <a:t>Узкая направленность</a:t>
           </a:r>
-          <a:endParaRPr lang="ru-RU" sz="3300" kern="1200" dirty="0"/>
+          <a:endParaRPr lang="ru-RU" sz="2900" kern="1200" dirty="0"/>
         </a:p>
       </dsp:txBody>
       <dsp:txXfrm>
-        <a:off x="4114800" y="1925408"/>
-        <a:ext cx="3209544" cy="1613001"/>
+        <a:off x="3684043" y="2098881"/>
+        <a:ext cx="2924746" cy="1469872"/>
       </dsp:txXfrm>
     </dsp:sp>
   </dsp:spTree>
@@ -5436,7 +5519,8 @@
           <a:p>
             <a:fld id="{1AFB9B97-899B-4BB8-B8A3-9CABD8A01BC7}" type="datetimeFigureOut">
               <a:rPr lang="ru-RU" smtClean="0"/>
-              <a:t>03.01.2016</a:t>
+              <a:pPr/>
+              <a:t>21.01.2016</a:t>
             </a:fld>
             <a:endParaRPr lang="ru-RU"/>
           </a:p>
@@ -5597,6 +5681,7 @@
           <a:p>
             <a:fld id="{6F84A3E8-B360-436E-8F7A-99A81F1C418E}" type="slidenum">
               <a:rPr lang="ru-RU" smtClean="0"/>
+              <a:pPr/>
               <a:t>‹#›</a:t>
             </a:fld>
             <a:endParaRPr lang="ru-RU"/>
@@ -5768,7 +5853,8 @@
           <a:p>
             <a:fld id="{6F84A3E8-B360-436E-8F7A-99A81F1C418E}" type="slidenum">
               <a:rPr lang="ru-RU" smtClean="0"/>
-              <a:t>9</a:t>
+              <a:pPr/>
+              <a:t>8</a:t>
             </a:fld>
             <a:endParaRPr lang="ru-RU"/>
           </a:p>
@@ -5783,7 +5869,7 @@
 </file>
 
 <file path=ppt/slideLayouts/slideLayout1.xml><?xml version="1.0" encoding="utf-8"?>
-<p:sldLayout xmlns:a="http://schemas.openxmlformats.org/drawingml/2006/main" xmlns:r="http://schemas.openxmlformats.org/officeDocument/2006/relationships" xmlns:p="http://schemas.openxmlformats.org/presentationml/2006/main" showMasterSp="0" type="title" preserve="1">
+<p:sldLayout xmlns:a="http://schemas.openxmlformats.org/drawingml/2006/main" xmlns:r="http://schemas.openxmlformats.org/officeDocument/2006/relationships" xmlns:p="http://schemas.openxmlformats.org/presentationml/2006/main" type="title" preserve="1">
   <p:cSld name="Титульный слайд">
     <p:spTree>
       <p:nvGrpSpPr>
@@ -5801,7 +5887,7 @@
       </p:grpSpPr>
       <p:sp>
         <p:nvSpPr>
-          <p:cNvPr id="8" name="Заголовок 7"/>
+          <p:cNvPr id="14" name="Заголовок 13"/>
           <p:cNvSpPr>
             <a:spLocks noGrp="1"/>
           </p:cNvSpPr>
@@ -5811,20 +5897,17 @@
         </p:nvSpPr>
         <p:spPr>
           <a:xfrm>
-            <a:off x="1219200" y="3886200"/>
-            <a:ext cx="6858000" cy="990600"/>
+            <a:off x="1432560" y="359898"/>
+            <a:ext cx="7406640" cy="1472184"/>
           </a:xfrm>
         </p:spPr>
         <p:txBody>
-          <a:bodyPr anchor="t" anchorCtr="0"/>
+          <a:bodyPr anchor="b"/>
           <a:lstStyle>
-            <a:lvl1pPr algn="r">
-              <a:defRPr sz="3200">
-                <a:solidFill>
-                  <a:schemeClr val="tx1"/>
-                </a:solidFill>
-              </a:defRPr>
+            <a:lvl1pPr algn="l">
+              <a:defRPr/>
             </a:lvl1pPr>
+            <a:extLst/>
           </a:lstStyle>
           <a:p>
             <a:r>
@@ -5837,7 +5920,7 @@
       </p:sp>
       <p:sp>
         <p:nvSpPr>
-          <p:cNvPr id="9" name="Подзаголовок 8"/>
+          <p:cNvPr id="22" name="Подзаголовок 21"/>
           <p:cNvSpPr>
             <a:spLocks noGrp="1"/>
           </p:cNvSpPr>
@@ -5847,22 +5930,22 @@
         </p:nvSpPr>
         <p:spPr>
           <a:xfrm>
-            <a:off x="1219200" y="5124450"/>
-            <a:ext cx="6858000" cy="533400"/>
+            <a:off x="1432560" y="1850064"/>
+            <a:ext cx="7406640" cy="1752600"/>
           </a:xfrm>
         </p:spPr>
         <p:txBody>
-          <a:bodyPr/>
+          <a:bodyPr tIns="0"/>
           <a:lstStyle>
-            <a:lvl1pPr marL="0" indent="0" algn="r">
+            <a:lvl1pPr marL="27432" indent="0" algn="l">
               <a:buNone/>
-              <a:defRPr sz="2000">
+              <a:defRPr sz="2600">
                 <a:solidFill>
-                  <a:schemeClr val="tx2"/>
+                  <a:schemeClr val="tx2">
+                    <a:shade val="30000"/>
+                    <a:satMod val="150000"/>
+                  </a:schemeClr>
                 </a:solidFill>
-                <a:latin typeface="+mj-lt"/>
-                <a:ea typeface="+mj-ea"/>
-                <a:cs typeface="+mj-cs"/>
               </a:defRPr>
             </a:lvl1pPr>
             <a:lvl2pPr marL="457200" indent="0" algn="ctr">
@@ -5889,6 +5972,7 @@
             <a:lvl9pPr marL="3657600" indent="0" algn="ctr">
               <a:buNone/>
             </a:lvl9pPr>
+            <a:extLst/>
           </a:lstStyle>
           <a:p>
             <a:r>
@@ -5901,7 +5985,7 @@
       </p:sp>
       <p:sp>
         <p:nvSpPr>
-          <p:cNvPr id="28" name="Дата 27"/>
+          <p:cNvPr id="7" name="Дата 6"/>
           <p:cNvSpPr>
             <a:spLocks noGrp="1"/>
           </p:cNvSpPr>
@@ -5909,23 +5993,17 @@
             <p:ph type="dt" sz="half" idx="10"/>
           </p:nvPr>
         </p:nvSpPr>
-        <p:spPr>
-          <a:xfrm>
-            <a:off x="6400800" y="6355080"/>
-            <a:ext cx="2286000" cy="365760"/>
-          </a:xfrm>
-        </p:spPr>
+        <p:spPr/>
         <p:txBody>
           <a:bodyPr/>
           <a:lstStyle>
-            <a:lvl1pPr>
-              <a:defRPr sz="1400"/>
-            </a:lvl1pPr>
+            <a:extLst/>
           </a:lstStyle>
           <a:p>
             <a:fld id="{95A63921-FD29-4E01-BF99-E0CCEFDDB2A0}" type="datetimeFigureOut">
               <a:rPr lang="ru-RU" smtClean="0"/>
-              <a:t>03.01.2016</a:t>
+              <a:pPr/>
+              <a:t>21.01.2016</a:t>
             </a:fld>
             <a:endParaRPr lang="ru-RU"/>
           </a:p>
@@ -5933,7 +6011,7 @@
       </p:sp>
       <p:sp>
         <p:nvSpPr>
-          <p:cNvPr id="17" name="Нижний колонтитул 16"/>
+          <p:cNvPr id="20" name="Нижний колонтитул 19"/>
           <p:cNvSpPr>
             <a:spLocks noGrp="1"/>
           </p:cNvSpPr>
@@ -5941,15 +6019,12 @@
             <p:ph type="ftr" sz="quarter" idx="11"/>
           </p:nvPr>
         </p:nvSpPr>
-        <p:spPr>
-          <a:xfrm>
-            <a:off x="2898648" y="6355080"/>
-            <a:ext cx="3474720" cy="365760"/>
-          </a:xfrm>
-        </p:spPr>
+        <p:spPr/>
         <p:txBody>
           <a:bodyPr/>
-          <a:lstStyle/>
+          <a:lstStyle>
+            <a:extLst/>
+          </a:lstStyle>
           <a:p>
             <a:endParaRPr lang="ru-RU"/>
           </a:p>
@@ -5957,7 +6032,7 @@
       </p:sp>
       <p:sp>
         <p:nvSpPr>
-          <p:cNvPr id="29" name="Номер слайда 28"/>
+          <p:cNvPr id="10" name="Номер слайда 9"/>
           <p:cNvSpPr>
             <a:spLocks noGrp="1"/>
           </p:cNvSpPr>
@@ -5965,18 +6040,16 @@
             <p:ph type="sldNum" sz="quarter" idx="12"/>
           </p:nvPr>
         </p:nvSpPr>
-        <p:spPr>
-          <a:xfrm>
-            <a:off x="1216152" y="6355080"/>
-            <a:ext cx="1219200" cy="365760"/>
-          </a:xfrm>
-        </p:spPr>
+        <p:spPr/>
         <p:txBody>
           <a:bodyPr/>
-          <a:lstStyle/>
+          <a:lstStyle>
+            <a:extLst/>
+          </a:lstStyle>
           <a:p>
             <a:fld id="{40720B0D-0020-4991-AACD-5FFC9CE5C1D6}" type="slidenum">
               <a:rPr lang="ru-RU" smtClean="0"/>
+              <a:pPr/>
               <a:t>‹#›</a:t>
             </a:fld>
             <a:endParaRPr lang="ru-RU"/>
@@ -5985,44 +6058,85 @@
       </p:sp>
       <p:sp>
         <p:nvSpPr>
-          <p:cNvPr id="21" name="Прямоугольник 20"/>
+          <p:cNvPr id="8" name="Овал 7"/>
           <p:cNvSpPr/>
           <p:nvPr/>
         </p:nvSpPr>
         <p:spPr>
           <a:xfrm>
-            <a:off x="904875" y="3648075"/>
-            <a:ext cx="7315200" cy="1280160"/>
+            <a:off x="921433" y="1413802"/>
+            <a:ext cx="210312" cy="210312"/>
           </a:xfrm>
-          <a:prstGeom prst="rect">
+          <a:prstGeom prst="ellipse">
             <a:avLst/>
           </a:prstGeom>
-          <a:noFill/>
-          <a:ln w="6350" cap="rnd" cmpd="sng" algn="ctr">
+          <a:gradFill rotWithShape="1">
+            <a:gsLst>
+              <a:gs pos="0">
+                <a:schemeClr val="accent1">
+                  <a:tint val="20000"/>
+                  <a:satMod val="450000"/>
+                  <a:alpha val="95000"/>
+                </a:schemeClr>
+              </a:gs>
+              <a:gs pos="50000">
+                <a:schemeClr val="accent1">
+                  <a:tint val="38000"/>
+                  <a:satMod val="250000"/>
+                  <a:alpha val="90000"/>
+                </a:schemeClr>
+              </a:gs>
+              <a:gs pos="95000">
+                <a:schemeClr val="accent1">
+                  <a:tint val="75000"/>
+                  <a:satMod val="255000"/>
+                  <a:alpha val="88000"/>
+                </a:schemeClr>
+              </a:gs>
+              <a:gs pos="100000">
+                <a:schemeClr val="accent1">
+                  <a:tint val="100000"/>
+                  <a:shade val="90000"/>
+                  <a:satMod val="255000"/>
+                  <a:alpha val="85000"/>
+                </a:schemeClr>
+              </a:gs>
+            </a:gsLst>
+            <a:path path="circle">
+              <a:fillToRect l="25000" t="12500" r="75000" b="87500"/>
+            </a:path>
+          </a:gradFill>
+          <a:ln w="2000" cap="rnd" cmpd="sng" algn="ctr">
             <a:solidFill>
-              <a:schemeClr val="accent1"/>
+              <a:schemeClr val="accent1">
+                <a:shade val="90000"/>
+                <a:satMod val="110000"/>
+                <a:alpha val="60000"/>
+              </a:schemeClr>
             </a:solidFill>
             <a:prstDash val="solid"/>
           </a:ln>
           <a:effectLst/>
         </p:spPr>
         <p:style>
-          <a:lnRef idx="3">
-            <a:schemeClr val="lt1"/>
+          <a:lnRef idx="1">
+            <a:schemeClr val="accent1"/>
           </a:lnRef>
-          <a:fillRef idx="1">
+          <a:fillRef idx="2">
             <a:schemeClr val="accent1"/>
           </a:fillRef>
           <a:effectRef idx="1">
             <a:schemeClr val="accent1"/>
           </a:effectRef>
           <a:fontRef idx="minor">
-            <a:schemeClr val="lt1"/>
+            <a:schemeClr val="dk1"/>
           </a:fontRef>
         </p:style>
         <p:txBody>
           <a:bodyPr anchor="ctr"/>
-          <a:lstStyle/>
+          <a:lstStyle>
+            <a:extLst/>
+          </a:lstStyle>
           <a:p>
             <a:pPr algn="ctr" eaLnBrk="1" latinLnBrk="0" hangingPunct="1"/>
             <a:endParaRPr kumimoji="0" lang="en-US"/>
@@ -6031,136 +6145,49 @@
       </p:sp>
       <p:sp>
         <p:nvSpPr>
-          <p:cNvPr id="33" name="Прямоугольник 32"/>
+          <p:cNvPr id="9" name="Овал 8"/>
           <p:cNvSpPr/>
           <p:nvPr/>
         </p:nvSpPr>
         <p:spPr>
           <a:xfrm>
-            <a:off x="914400" y="5048250"/>
-            <a:ext cx="7315200" cy="685800"/>
+            <a:off x="1157176" y="1345016"/>
+            <a:ext cx="64008" cy="64008"/>
           </a:xfrm>
-          <a:prstGeom prst="rect">
+          <a:prstGeom prst="ellipse">
             <a:avLst/>
           </a:prstGeom>
           <a:noFill/>
-          <a:ln w="6350" cap="rnd" cmpd="sng" algn="ctr">
+          <a:ln w="12700" cap="rnd" cmpd="sng" algn="ctr">
             <a:solidFill>
-              <a:schemeClr val="accent2"/>
+              <a:schemeClr val="accent1">
+                <a:shade val="75000"/>
+                <a:alpha val="60000"/>
+              </a:schemeClr>
             </a:solidFill>
             <a:prstDash val="solid"/>
           </a:ln>
           <a:effectLst/>
         </p:spPr>
         <p:style>
-          <a:lnRef idx="3">
-            <a:schemeClr val="lt1"/>
+          <a:lnRef idx="1">
+            <a:schemeClr val="accent1"/>
           </a:lnRef>
-          <a:fillRef idx="1">
+          <a:fillRef idx="2">
             <a:schemeClr val="accent1"/>
           </a:fillRef>
           <a:effectRef idx="1">
             <a:schemeClr val="accent1"/>
           </a:effectRef>
           <a:fontRef idx="minor">
-            <a:schemeClr val="lt1"/>
+            <a:schemeClr val="dk1"/>
           </a:fontRef>
         </p:style>
         <p:txBody>
           <a:bodyPr anchor="ctr"/>
-          <a:lstStyle/>
-          <a:p>
-            <a:pPr algn="ctr" eaLnBrk="1" latinLnBrk="0" hangingPunct="1"/>
-            <a:endParaRPr kumimoji="0" lang="en-US"/>
-          </a:p>
-        </p:txBody>
-      </p:sp>
-      <p:sp>
-        <p:nvSpPr>
-          <p:cNvPr id="22" name="Прямоугольник 21"/>
-          <p:cNvSpPr/>
-          <p:nvPr/>
-        </p:nvSpPr>
-        <p:spPr>
-          <a:xfrm>
-            <a:off x="904875" y="3648075"/>
-            <a:ext cx="228600" cy="1280160"/>
-          </a:xfrm>
-          <a:prstGeom prst="rect">
-            <a:avLst/>
-          </a:prstGeom>
-          <a:solidFill>
-            <a:schemeClr val="accent1"/>
-          </a:solidFill>
-          <a:ln w="6350" cap="rnd" cmpd="sng" algn="ctr">
-            <a:noFill/>
-            <a:prstDash val="solid"/>
-          </a:ln>
-          <a:effectLst/>
-        </p:spPr>
-        <p:style>
-          <a:lnRef idx="3">
-            <a:schemeClr val="lt1"/>
-          </a:lnRef>
-          <a:fillRef idx="1">
-            <a:schemeClr val="accent1"/>
-          </a:fillRef>
-          <a:effectRef idx="1">
-            <a:schemeClr val="accent1"/>
-          </a:effectRef>
-          <a:fontRef idx="minor">
-            <a:schemeClr val="lt1"/>
-          </a:fontRef>
-        </p:style>
-        <p:txBody>
-          <a:bodyPr anchor="ctr"/>
-          <a:lstStyle/>
-          <a:p>
-            <a:pPr algn="ctr" eaLnBrk="1" latinLnBrk="0" hangingPunct="1"/>
-            <a:endParaRPr kumimoji="0" lang="en-US"/>
-          </a:p>
-        </p:txBody>
-      </p:sp>
-      <p:sp>
-        <p:nvSpPr>
-          <p:cNvPr id="32" name="Прямоугольник 31"/>
-          <p:cNvSpPr/>
-          <p:nvPr/>
-        </p:nvSpPr>
-        <p:spPr>
-          <a:xfrm>
-            <a:off x="914400" y="5048250"/>
-            <a:ext cx="228600" cy="685800"/>
-          </a:xfrm>
-          <a:prstGeom prst="rect">
-            <a:avLst/>
-          </a:prstGeom>
-          <a:solidFill>
-            <a:schemeClr val="accent2"/>
-          </a:solidFill>
-          <a:ln w="6350" cap="rnd" cmpd="sng" algn="ctr">
-            <a:noFill/>
-            <a:prstDash val="solid"/>
-          </a:ln>
-          <a:effectLst/>
-        </p:spPr>
-        <p:style>
-          <a:lnRef idx="3">
-            <a:schemeClr val="lt1"/>
-          </a:lnRef>
-          <a:fillRef idx="1">
-            <a:schemeClr val="accent1"/>
-          </a:fillRef>
-          <a:effectRef idx="1">
-            <a:schemeClr val="accent1"/>
-          </a:effectRef>
-          <a:fontRef idx="minor">
-            <a:schemeClr val="lt1"/>
-          </a:fontRef>
-        </p:style>
-        <p:txBody>
-          <a:bodyPr anchor="ctr"/>
-          <a:lstStyle/>
+          <a:lstStyle>
+            <a:extLst/>
+          </a:lstStyle>
           <a:p>
             <a:pPr algn="ctr" eaLnBrk="1" latinLnBrk="0" hangingPunct="1"/>
             <a:endParaRPr kumimoji="0" lang="en-US"/>
@@ -6172,6 +6199,9 @@
   <p:clrMapOvr>
     <a:masterClrMapping/>
   </p:clrMapOvr>
+  <p:transition>
+    <p:wipe dir="d"/>
+  </p:transition>
 </p:sldLayout>
 </file>
 
@@ -6205,7 +6235,9 @@
         <p:spPr/>
         <p:txBody>
           <a:bodyPr/>
-          <a:lstStyle/>
+          <a:lstStyle>
+            <a:extLst/>
+          </a:lstStyle>
           <a:p>
             <a:r>
               <a:rPr kumimoji="0" lang="ru-RU" smtClean="0"/>
@@ -6228,7 +6260,9 @@
         <p:spPr/>
         <p:txBody>
           <a:bodyPr vert="eaVert"/>
-          <a:lstStyle/>
+          <a:lstStyle>
+            <a:extLst/>
+          </a:lstStyle>
           <a:p>
             <a:pPr lvl="0" eaLnBrk="1" latinLnBrk="0" hangingPunct="1"/>
             <a:r>
@@ -6280,11 +6314,14 @@
         <p:spPr/>
         <p:txBody>
           <a:bodyPr/>
-          <a:lstStyle/>
+          <a:lstStyle>
+            <a:extLst/>
+          </a:lstStyle>
           <a:p>
             <a:fld id="{95A63921-FD29-4E01-BF99-E0CCEFDDB2A0}" type="datetimeFigureOut">
               <a:rPr lang="ru-RU" smtClean="0"/>
-              <a:t>03.01.2016</a:t>
+              <a:pPr/>
+              <a:t>21.01.2016</a:t>
             </a:fld>
             <a:endParaRPr lang="ru-RU"/>
           </a:p>
@@ -6303,7 +6340,9 @@
         <p:spPr/>
         <p:txBody>
           <a:bodyPr/>
-          <a:lstStyle/>
+          <a:lstStyle>
+            <a:extLst/>
+          </a:lstStyle>
           <a:p>
             <a:endParaRPr lang="ru-RU"/>
           </a:p>
@@ -6322,10 +6361,13 @@
         <p:spPr/>
         <p:txBody>
           <a:bodyPr/>
-          <a:lstStyle/>
+          <a:lstStyle>
+            <a:extLst/>
+          </a:lstStyle>
           <a:p>
             <a:fld id="{40720B0D-0020-4991-AACD-5FFC9CE5C1D6}" type="slidenum">
               <a:rPr lang="ru-RU" smtClean="0"/>
+              <a:pPr/>
               <a:t>‹#›</a:t>
             </a:fld>
             <a:endParaRPr lang="ru-RU"/>
@@ -6337,11 +6379,14 @@
   <p:clrMapOvr>
     <a:masterClrMapping/>
   </p:clrMapOvr>
+  <p:transition>
+    <p:wipe dir="d"/>
+  </p:transition>
 </p:sldLayout>
 </file>
 
 <file path=ppt/slideLayouts/slideLayout11.xml><?xml version="1.0" encoding="utf-8"?>
-<p:sldLayout xmlns:a="http://schemas.openxmlformats.org/drawingml/2006/main" xmlns:r="http://schemas.openxmlformats.org/officeDocument/2006/relationships" xmlns:p="http://schemas.openxmlformats.org/presentationml/2006/main" showMasterSp="0" type="vertTitleAndTx" preserve="1">
+<p:sldLayout xmlns:a="http://schemas.openxmlformats.org/drawingml/2006/main" xmlns:r="http://schemas.openxmlformats.org/officeDocument/2006/relationships" xmlns:p="http://schemas.openxmlformats.org/presentationml/2006/main" type="vertTitleAndTx" preserve="1">
   <p:cSld name="Вертикальный заголовок и текст">
     <p:spTree>
       <p:nvGrpSpPr>
@@ -6369,13 +6414,15 @@
         </p:nvSpPr>
         <p:spPr>
           <a:xfrm>
-            <a:off x="6629400" y="274638"/>
-            <a:ext cx="2057400" cy="5851525"/>
+            <a:off x="6858000" y="274639"/>
+            <a:ext cx="1828800" cy="5851525"/>
           </a:xfrm>
         </p:spPr>
         <p:txBody>
           <a:bodyPr vert="eaVert"/>
-          <a:lstStyle/>
+          <a:lstStyle>
+            <a:extLst/>
+          </a:lstStyle>
           <a:p>
             <a:r>
               <a:rPr kumimoji="0" lang="ru-RU" smtClean="0"/>
@@ -6397,13 +6444,15 @@
         </p:nvSpPr>
         <p:spPr>
           <a:xfrm>
-            <a:off x="457200" y="274638"/>
-            <a:ext cx="6019800" cy="5851525"/>
+            <a:off x="1143000" y="274640"/>
+            <a:ext cx="5562600" cy="5851525"/>
           </a:xfrm>
         </p:spPr>
         <p:txBody>
           <a:bodyPr vert="eaVert"/>
-          <a:lstStyle/>
+          <a:lstStyle>
+            <a:extLst/>
+          </a:lstStyle>
           <a:p>
             <a:pPr lvl="0" eaLnBrk="1" latinLnBrk="0" hangingPunct="1"/>
             <a:r>
@@ -6455,11 +6504,14 @@
         <p:spPr/>
         <p:txBody>
           <a:bodyPr/>
-          <a:lstStyle/>
+          <a:lstStyle>
+            <a:extLst/>
+          </a:lstStyle>
           <a:p>
             <a:fld id="{95A63921-FD29-4E01-BF99-E0CCEFDDB2A0}" type="datetimeFigureOut">
               <a:rPr lang="ru-RU" smtClean="0"/>
-              <a:t>03.01.2016</a:t>
+              <a:pPr/>
+              <a:t>21.01.2016</a:t>
             </a:fld>
             <a:endParaRPr lang="ru-RU"/>
           </a:p>
@@ -6478,7 +6530,9 @@
         <p:spPr/>
         <p:txBody>
           <a:bodyPr/>
-          <a:lstStyle/>
+          <a:lstStyle>
+            <a:extLst/>
+          </a:lstStyle>
           <a:p>
             <a:endParaRPr lang="ru-RU"/>
           </a:p>
@@ -6497,135 +6551,16 @@
         <p:spPr/>
         <p:txBody>
           <a:bodyPr/>
-          <a:lstStyle/>
+          <a:lstStyle>
+            <a:extLst/>
+          </a:lstStyle>
           <a:p>
             <a:fld id="{40720B0D-0020-4991-AACD-5FFC9CE5C1D6}" type="slidenum">
               <a:rPr lang="ru-RU" smtClean="0"/>
+              <a:pPr/>
               <a:t>‹#›</a:t>
             </a:fld>
             <a:endParaRPr lang="ru-RU"/>
-          </a:p>
-        </p:txBody>
-      </p:sp>
-      <p:sp>
-        <p:nvSpPr>
-          <p:cNvPr id="7" name="Прямая соединительная линия 6"/>
-          <p:cNvSpPr>
-            <a:spLocks noChangeShapeType="1"/>
-          </p:cNvSpPr>
-          <p:nvPr/>
-        </p:nvSpPr>
-        <p:spPr bwMode="auto">
-          <a:xfrm>
-            <a:off x="457200" y="6353175"/>
-            <a:ext cx="8229600" cy="0"/>
-          </a:xfrm>
-          <a:prstGeom prst="line">
-            <a:avLst/>
-          </a:prstGeom>
-          <a:noFill/>
-          <a:ln w="9525" cap="flat" cmpd="sng" algn="ctr">
-            <a:solidFill>
-              <a:schemeClr val="accent2"/>
-            </a:solidFill>
-            <a:prstDash val="dash"/>
-            <a:round/>
-            <a:headEnd type="none" w="med" len="med"/>
-            <a:tailEnd type="none" w="med" len="med"/>
-          </a:ln>
-          <a:effectLst/>
-        </p:spPr>
-        <p:txBody>
-          <a:bodyPr vert="horz" wrap="square" lIns="91440" tIns="45720" rIns="91440" bIns="45720" anchor="t" compatLnSpc="1"/>
-          <a:lstStyle/>
-          <a:p>
-            <a:endParaRPr kumimoji="0" lang="en-US"/>
-          </a:p>
-        </p:txBody>
-      </p:sp>
-      <p:sp>
-        <p:nvSpPr>
-          <p:cNvPr id="8" name="Равнобедренный треугольник 7"/>
-          <p:cNvSpPr>
-            <a:spLocks noChangeAspect="1"/>
-          </p:cNvSpPr>
-          <p:nvPr/>
-        </p:nvSpPr>
-        <p:spPr>
-          <a:xfrm rot="5400000">
-            <a:off x="419100" y="6467475"/>
-            <a:ext cx="190849" cy="120314"/>
-          </a:xfrm>
-          <a:prstGeom prst="triangle">
-            <a:avLst>
-              <a:gd name="adj" fmla="val 50000"/>
-            </a:avLst>
-          </a:prstGeom>
-          <a:solidFill>
-            <a:schemeClr val="accent2"/>
-          </a:solidFill>
-          <a:ln w="25400" cap="rnd" cmpd="sng" algn="ctr">
-            <a:noFill/>
-            <a:prstDash val="solid"/>
-          </a:ln>
-          <a:effectLst/>
-        </p:spPr>
-        <p:style>
-          <a:lnRef idx="3">
-            <a:schemeClr val="lt1"/>
-          </a:lnRef>
-          <a:fillRef idx="1">
-            <a:schemeClr val="accent1"/>
-          </a:fillRef>
-          <a:effectRef idx="1">
-            <a:schemeClr val="accent1"/>
-          </a:effectRef>
-          <a:fontRef idx="minor">
-            <a:schemeClr val="lt1"/>
-          </a:fontRef>
-        </p:style>
-        <p:txBody>
-          <a:bodyPr anchor="ctr"/>
-          <a:lstStyle/>
-          <a:p>
-            <a:pPr algn="ctr" eaLnBrk="1" latinLnBrk="0" hangingPunct="1"/>
-            <a:endParaRPr kumimoji="0" lang="en-US"/>
-          </a:p>
-        </p:txBody>
-      </p:sp>
-      <p:sp>
-        <p:nvSpPr>
-          <p:cNvPr id="9" name="Прямая соединительная линия 8"/>
-          <p:cNvSpPr>
-            <a:spLocks noChangeShapeType="1"/>
-          </p:cNvSpPr>
-          <p:nvPr/>
-        </p:nvSpPr>
-        <p:spPr bwMode="auto">
-          <a:xfrm rot="5400000">
-            <a:off x="3629607" y="3201952"/>
-            <a:ext cx="5852160" cy="0"/>
-          </a:xfrm>
-          <a:prstGeom prst="line">
-            <a:avLst/>
-          </a:prstGeom>
-          <a:noFill/>
-          <a:ln w="9525" cap="flat" cmpd="sng" algn="ctr">
-            <a:solidFill>
-              <a:schemeClr val="accent2"/>
-            </a:solidFill>
-            <a:prstDash val="dash"/>
-            <a:round/>
-            <a:headEnd type="none" w="med" len="med"/>
-            <a:tailEnd type="none" w="med" len="med"/>
-          </a:ln>
-          <a:effectLst/>
-        </p:spPr>
-        <p:txBody>
-          <a:bodyPr vert="horz" wrap="square" lIns="91440" tIns="45720" rIns="91440" bIns="45720" anchor="t" compatLnSpc="1"/>
-          <a:lstStyle/>
-          <a:p>
-            <a:endParaRPr kumimoji="0" lang="en-US"/>
           </a:p>
         </p:txBody>
       </p:sp>
@@ -6634,6 +6569,9 @@
   <p:clrMapOvr>
     <a:masterClrMapping/>
   </p:clrMapOvr>
+  <p:transition>
+    <p:wipe dir="d"/>
+  </p:transition>
 </p:sldLayout>
 </file>
 
@@ -6667,11 +6605,67 @@
         <p:spPr/>
         <p:txBody>
           <a:bodyPr/>
-          <a:lstStyle/>
+          <a:lstStyle>
+            <a:extLst/>
+          </a:lstStyle>
           <a:p>
             <a:r>
               <a:rPr kumimoji="0" lang="ru-RU" smtClean="0"/>
               <a:t>Образец заголовка</a:t>
+            </a:r>
+            <a:endParaRPr kumimoji="0" lang="en-US"/>
+          </a:p>
+        </p:txBody>
+      </p:sp>
+      <p:sp>
+        <p:nvSpPr>
+          <p:cNvPr id="3" name="Содержимое 2"/>
+          <p:cNvSpPr>
+            <a:spLocks noGrp="1"/>
+          </p:cNvSpPr>
+          <p:nvPr>
+            <p:ph idx="1"/>
+          </p:nvPr>
+        </p:nvSpPr>
+        <p:spPr/>
+        <p:txBody>
+          <a:bodyPr/>
+          <a:lstStyle>
+            <a:extLst/>
+          </a:lstStyle>
+          <a:p>
+            <a:pPr lvl="0" eaLnBrk="1" latinLnBrk="0" hangingPunct="1"/>
+            <a:r>
+              <a:rPr lang="ru-RU" smtClean="0"/>
+              <a:t>Образец текста</a:t>
+            </a:r>
+          </a:p>
+          <a:p>
+            <a:pPr lvl="1" eaLnBrk="1" latinLnBrk="0" hangingPunct="1"/>
+            <a:r>
+              <a:rPr lang="ru-RU" smtClean="0"/>
+              <a:t>Второй уровень</a:t>
+            </a:r>
+          </a:p>
+          <a:p>
+            <a:pPr lvl="2" eaLnBrk="1" latinLnBrk="0" hangingPunct="1"/>
+            <a:r>
+              <a:rPr lang="ru-RU" smtClean="0"/>
+              <a:t>Третий уровень</a:t>
+            </a:r>
+          </a:p>
+          <a:p>
+            <a:pPr lvl="3" eaLnBrk="1" latinLnBrk="0" hangingPunct="1"/>
+            <a:r>
+              <a:rPr lang="ru-RU" smtClean="0"/>
+              <a:t>Четвертый уровень</a:t>
+            </a:r>
+          </a:p>
+          <a:p>
+            <a:pPr lvl="4" eaLnBrk="1" latinLnBrk="0" hangingPunct="1"/>
+            <a:r>
+              <a:rPr lang="ru-RU" smtClean="0"/>
+              <a:t>Пятый уровень</a:t>
             </a:r>
             <a:endParaRPr kumimoji="0" lang="en-US"/>
           </a:p>
@@ -6690,11 +6684,14 @@
         <p:spPr/>
         <p:txBody>
           <a:bodyPr/>
-          <a:lstStyle/>
+          <a:lstStyle>
+            <a:extLst/>
+          </a:lstStyle>
           <a:p>
             <a:fld id="{95A63921-FD29-4E01-BF99-E0CCEFDDB2A0}" type="datetimeFigureOut">
               <a:rPr lang="ru-RU" smtClean="0"/>
-              <a:t>03.01.2016</a:t>
+              <a:pPr/>
+              <a:t>21.01.2016</a:t>
             </a:fld>
             <a:endParaRPr lang="ru-RU"/>
           </a:p>
@@ -6713,7 +6710,9 @@
         <p:spPr/>
         <p:txBody>
           <a:bodyPr/>
-          <a:lstStyle/>
+          <a:lstStyle>
+            <a:extLst/>
+          </a:lstStyle>
           <a:p>
             <a:endParaRPr lang="ru-RU"/>
           </a:p>
@@ -6732,70 +6731,16 @@
         <p:spPr/>
         <p:txBody>
           <a:bodyPr/>
-          <a:lstStyle/>
+          <a:lstStyle>
+            <a:extLst/>
+          </a:lstStyle>
           <a:p>
             <a:fld id="{40720B0D-0020-4991-AACD-5FFC9CE5C1D6}" type="slidenum">
               <a:rPr lang="ru-RU" smtClean="0"/>
+              <a:pPr/>
               <a:t>‹#›</a:t>
             </a:fld>
             <a:endParaRPr lang="ru-RU"/>
-          </a:p>
-        </p:txBody>
-      </p:sp>
-      <p:sp>
-        <p:nvSpPr>
-          <p:cNvPr id="8" name="Содержимое 7"/>
-          <p:cNvSpPr>
-            <a:spLocks noGrp="1"/>
-          </p:cNvSpPr>
-          <p:nvPr>
-            <p:ph sz="quarter" idx="1"/>
-          </p:nvPr>
-        </p:nvSpPr>
-        <p:spPr>
-          <a:xfrm>
-            <a:off x="457200" y="1219200"/>
-            <a:ext cx="8229600" cy="4937760"/>
-          </a:xfrm>
-        </p:spPr>
-        <p:txBody>
-          <a:bodyPr/>
-          <a:lstStyle/>
-          <a:p>
-            <a:pPr lvl="0" eaLnBrk="1" latinLnBrk="0" hangingPunct="1"/>
-            <a:r>
-              <a:rPr lang="ru-RU" smtClean="0"/>
-              <a:t>Образец текста</a:t>
-            </a:r>
-          </a:p>
-          <a:p>
-            <a:pPr lvl="1" eaLnBrk="1" latinLnBrk="0" hangingPunct="1"/>
-            <a:r>
-              <a:rPr lang="ru-RU" smtClean="0"/>
-              <a:t>Второй уровень</a:t>
-            </a:r>
-          </a:p>
-          <a:p>
-            <a:pPr lvl="2" eaLnBrk="1" latinLnBrk="0" hangingPunct="1"/>
-            <a:r>
-              <a:rPr lang="ru-RU" smtClean="0"/>
-              <a:t>Третий уровень</a:t>
-            </a:r>
-          </a:p>
-          <a:p>
-            <a:pPr lvl="3" eaLnBrk="1" latinLnBrk="0" hangingPunct="1"/>
-            <a:r>
-              <a:rPr lang="ru-RU" smtClean="0"/>
-              <a:t>Четвертый уровень</a:t>
-            </a:r>
-          </a:p>
-          <a:p>
-            <a:pPr lvl="4" eaLnBrk="1" latinLnBrk="0" hangingPunct="1"/>
-            <a:r>
-              <a:rPr lang="ru-RU" smtClean="0"/>
-              <a:t>Пятый уровень</a:t>
-            </a:r>
-            <a:endParaRPr kumimoji="0" lang="en-US"/>
           </a:p>
         </p:txBody>
       </p:sp>
@@ -6804,17 +6749,15 @@
   <p:clrMapOvr>
     <a:masterClrMapping/>
   </p:clrMapOvr>
+  <p:transition>
+    <p:wipe dir="d"/>
+  </p:transition>
 </p:sldLayout>
 </file>
 
 <file path=ppt/slideLayouts/slideLayout3.xml><?xml version="1.0" encoding="utf-8"?>
 <p:sldLayout xmlns:a="http://schemas.openxmlformats.org/drawingml/2006/main" xmlns:r="http://schemas.openxmlformats.org/officeDocument/2006/relationships" xmlns:p="http://schemas.openxmlformats.org/presentationml/2006/main" showMasterSp="0" type="secHead" preserve="1">
   <p:cSld name="Заголовок раздела">
-    <p:bg>
-      <p:bgRef idx="1001">
-        <a:schemeClr val="bg2"/>
-      </p:bgRef>
-    </p:bg>
     <p:spTree>
       <p:nvGrpSpPr>
         <p:cNvPr id="1" name=""/>
@@ -6831,6 +6774,54 @@
       </p:grpSpPr>
       <p:sp>
         <p:nvSpPr>
+          <p:cNvPr id="7" name="Прямоугольник 6"/>
+          <p:cNvSpPr/>
+          <p:nvPr/>
+        </p:nvSpPr>
+        <p:spPr>
+          <a:xfrm>
+            <a:off x="2282890" y="-54"/>
+            <a:ext cx="6858000" cy="6858054"/>
+          </a:xfrm>
+          <a:prstGeom prst="rect">
+            <a:avLst/>
+          </a:prstGeom>
+          <a:solidFill>
+            <a:schemeClr val="bg1"/>
+          </a:solidFill>
+          <a:ln w="25400" cap="rnd" cmpd="sng" algn="ctr">
+            <a:noFill/>
+            <a:prstDash val="solid"/>
+          </a:ln>
+          <a:effectLst/>
+        </p:spPr>
+        <p:style>
+          <a:lnRef idx="3">
+            <a:schemeClr val="lt1"/>
+          </a:lnRef>
+          <a:fillRef idx="1">
+            <a:schemeClr val="accent1"/>
+          </a:fillRef>
+          <a:effectRef idx="1">
+            <a:schemeClr val="accent1"/>
+          </a:effectRef>
+          <a:fontRef idx="minor">
+            <a:schemeClr val="lt1"/>
+          </a:fontRef>
+        </p:style>
+        <p:txBody>
+          <a:bodyPr anchor="ctr"/>
+          <a:lstStyle>
+            <a:extLst/>
+          </a:lstStyle>
+          <a:p>
+            <a:pPr algn="ctr" eaLnBrk="1" latinLnBrk="0" hangingPunct="1"/>
+            <a:endParaRPr kumimoji="0" lang="en-US"/>
+          </a:p>
+        </p:txBody>
+      </p:sp>
+      <p:sp>
+        <p:nvSpPr>
           <p:cNvPr id="2" name="Заголовок 1"/>
           <p:cNvSpPr>
             <a:spLocks noGrp="1"/>
@@ -6841,17 +6832,21 @@
         </p:nvSpPr>
         <p:spPr>
           <a:xfrm>
-            <a:off x="1219200" y="2971800"/>
-            <a:ext cx="6858000" cy="1066800"/>
+            <a:off x="2578392" y="2600325"/>
+            <a:ext cx="6400800" cy="2286000"/>
           </a:xfrm>
         </p:spPr>
         <p:txBody>
-          <a:bodyPr anchor="t" anchorCtr="0"/>
+          <a:bodyPr anchor="t"/>
           <a:lstStyle>
-            <a:lvl1pPr algn="r">
+            <a:lvl1pPr algn="l">
+              <a:lnSpc>
+                <a:spcPts val="4500"/>
+              </a:lnSpc>
               <a:buNone/>
-              <a:defRPr sz="3200" b="0" cap="none" baseline="0"/>
+              <a:defRPr sz="4000" b="1" cap="all"/>
             </a:lvl1pPr>
+            <a:extLst/>
           </a:lstStyle>
           <a:p>
             <a:r>
@@ -6874,19 +6869,26 @@
         </p:nvSpPr>
         <p:spPr>
           <a:xfrm>
-            <a:off x="1295400" y="4267200"/>
-            <a:ext cx="6781800" cy="1143000"/>
+            <a:off x="2578392" y="1066800"/>
+            <a:ext cx="6400800" cy="1509712"/>
           </a:xfrm>
         </p:spPr>
         <p:txBody>
-          <a:bodyPr anchor="t" anchorCtr="0"/>
+          <a:bodyPr anchor="b"/>
           <a:lstStyle>
-            <a:lvl1pPr marL="0" indent="0" algn="r">
+            <a:lvl1pPr marL="18288" indent="0">
+              <a:lnSpc>
+                <a:spcPts val="2300"/>
+              </a:lnSpc>
+              <a:spcBef>
+                <a:spcPts val="0"/>
+              </a:spcBef>
               <a:buNone/>
               <a:defRPr sz="2000">
                 <a:solidFill>
-                  <a:schemeClr val="tx1">
-                    <a:tint val="75000"/>
+                  <a:schemeClr val="tx2">
+                    <a:shade val="30000"/>
+                    <a:satMod val="150000"/>
                   </a:schemeClr>
                 </a:solidFill>
               </a:defRPr>
@@ -6931,6 +6933,7 @@
                 </a:solidFill>
               </a:defRPr>
             </a:lvl5pPr>
+            <a:extLst/>
           </a:lstStyle>
           <a:p>
             <a:pPr lvl="0" eaLnBrk="1" latinLnBrk="0" hangingPunct="1"/>
@@ -6951,19 +6954,17 @@
             <p:ph type="dt" sz="half" idx="10"/>
           </p:nvPr>
         </p:nvSpPr>
-        <p:spPr>
-          <a:xfrm>
-            <a:off x="6400800" y="6355080"/>
-            <a:ext cx="2286000" cy="365760"/>
-          </a:xfrm>
-        </p:spPr>
+        <p:spPr/>
         <p:txBody>
           <a:bodyPr/>
-          <a:lstStyle/>
+          <a:lstStyle>
+            <a:extLst/>
+          </a:lstStyle>
           <a:p>
             <a:fld id="{95A63921-FD29-4E01-BF99-E0CCEFDDB2A0}" type="datetimeFigureOut">
               <a:rPr lang="ru-RU" smtClean="0"/>
-              <a:t>03.01.2016</a:t>
+              <a:pPr/>
+              <a:t>21.01.2016</a:t>
             </a:fld>
             <a:endParaRPr lang="ru-RU"/>
           </a:p>
@@ -6979,15 +6980,12 @@
             <p:ph type="ftr" sz="quarter" idx="11"/>
           </p:nvPr>
         </p:nvSpPr>
-        <p:spPr>
-          <a:xfrm>
-            <a:off x="2898648" y="6355080"/>
-            <a:ext cx="3474720" cy="365760"/>
-          </a:xfrm>
-        </p:spPr>
+        <p:spPr/>
         <p:txBody>
           <a:bodyPr/>
-          <a:lstStyle/>
+          <a:lstStyle>
+            <a:extLst/>
+          </a:lstStyle>
           <a:p>
             <a:endParaRPr lang="ru-RU"/>
           </a:p>
@@ -7003,18 +7001,16 @@
             <p:ph type="sldNum" sz="quarter" idx="12"/>
           </p:nvPr>
         </p:nvSpPr>
-        <p:spPr>
-          <a:xfrm>
-            <a:off x="1069848" y="6355080"/>
-            <a:ext cx="1520952" cy="365760"/>
-          </a:xfrm>
-        </p:spPr>
+        <p:spPr/>
         <p:txBody>
           <a:bodyPr/>
-          <a:lstStyle/>
+          <a:lstStyle>
+            <a:extLst/>
+          </a:lstStyle>
           <a:p>
             <a:fld id="{40720B0D-0020-4991-AACD-5FFC9CE5C1D6}" type="slidenum">
               <a:rPr lang="ru-RU" smtClean="0"/>
+              <a:pPr/>
               <a:t>‹#›</a:t>
             </a:fld>
             <a:endParaRPr lang="ru-RU"/>
@@ -7023,26 +7019,34 @@
       </p:sp>
       <p:sp>
         <p:nvSpPr>
-          <p:cNvPr id="7" name="Прямоугольник 6"/>
+          <p:cNvPr id="10" name="Прямоугольник 9"/>
           <p:cNvSpPr/>
           <p:nvPr/>
         </p:nvSpPr>
-        <p:spPr>
+        <p:spPr bwMode="invGray">
           <a:xfrm>
-            <a:off x="914400" y="2819400"/>
-            <a:ext cx="7315200" cy="1280160"/>
+            <a:off x="2286000" y="0"/>
+            <a:ext cx="76200" cy="6858054"/>
           </a:xfrm>
           <a:prstGeom prst="rect">
             <a:avLst/>
           </a:prstGeom>
-          <a:noFill/>
-          <a:ln w="6350" cap="rnd" cmpd="sng" algn="ctr">
-            <a:solidFill>
-              <a:schemeClr val="accent1"/>
-            </a:solidFill>
+          <a:solidFill>
+            <a:schemeClr val="bg1"/>
+          </a:solidFill>
+          <a:ln w="25400" cap="rnd" cmpd="sng" algn="ctr">
+            <a:noFill/>
             <a:prstDash val="solid"/>
           </a:ln>
-          <a:effectLst/>
+          <a:effectLst>
+            <a:outerShdw blurRad="38550" dist="38000" dir="10800000" algn="tl" rotWithShape="0">
+              <a:schemeClr val="bg2">
+                <a:shade val="20000"/>
+                <a:satMod val="110000"/>
+                <a:alpha val="25000"/>
+              </a:schemeClr>
+            </a:outerShdw>
+          </a:effectLst>
         </p:spPr>
         <p:style>
           <a:lnRef idx="3">
@@ -7060,7 +7064,9 @@
         </p:style>
         <p:txBody>
           <a:bodyPr anchor="ctr"/>
-          <a:lstStyle/>
+          <a:lstStyle>
+            <a:extLst/>
+          </a:lstStyle>
           <a:p>
             <a:pPr algn="ctr" eaLnBrk="1" latinLnBrk="0" hangingPunct="1"/>
             <a:endParaRPr kumimoji="0" lang="en-US"/>
@@ -7069,44 +7075,136 @@
       </p:sp>
       <p:sp>
         <p:nvSpPr>
-          <p:cNvPr id="8" name="Прямоугольник 7"/>
+          <p:cNvPr id="8" name="Овал 7"/>
           <p:cNvSpPr/>
           <p:nvPr/>
         </p:nvSpPr>
         <p:spPr>
           <a:xfrm>
-            <a:off x="914400" y="2819400"/>
-            <a:ext cx="228600" cy="1280160"/>
+            <a:off x="2172321" y="2814656"/>
+            <a:ext cx="210312" cy="210312"/>
           </a:xfrm>
-          <a:prstGeom prst="rect">
+          <a:prstGeom prst="ellipse">
             <a:avLst/>
           </a:prstGeom>
-          <a:solidFill>
-            <a:schemeClr val="accent1"/>
-          </a:solidFill>
-          <a:ln w="6350" cap="rnd" cmpd="sng" algn="ctr">
-            <a:noFill/>
+          <a:gradFill rotWithShape="1">
+            <a:gsLst>
+              <a:gs pos="0">
+                <a:schemeClr val="accent1">
+                  <a:tint val="20000"/>
+                  <a:satMod val="450000"/>
+                  <a:alpha val="95000"/>
+                </a:schemeClr>
+              </a:gs>
+              <a:gs pos="50000">
+                <a:schemeClr val="accent1">
+                  <a:tint val="38000"/>
+                  <a:satMod val="250000"/>
+                  <a:alpha val="90000"/>
+                </a:schemeClr>
+              </a:gs>
+              <a:gs pos="95000">
+                <a:schemeClr val="accent1">
+                  <a:tint val="75000"/>
+                  <a:satMod val="255000"/>
+                  <a:alpha val="88000"/>
+                </a:schemeClr>
+              </a:gs>
+              <a:gs pos="100000">
+                <a:schemeClr val="accent1">
+                  <a:tint val="100000"/>
+                  <a:shade val="90000"/>
+                  <a:satMod val="255000"/>
+                  <a:alpha val="85000"/>
+                </a:schemeClr>
+              </a:gs>
+            </a:gsLst>
+            <a:path path="circle">
+              <a:fillToRect l="25000" t="12500" r="75000" b="87500"/>
+            </a:path>
+          </a:gradFill>
+          <a:ln w="2000" cap="rnd" cmpd="sng" algn="ctr">
+            <a:solidFill>
+              <a:schemeClr val="accent1">
+                <a:shade val="90000"/>
+                <a:satMod val="110000"/>
+                <a:alpha val="60000"/>
+              </a:schemeClr>
+            </a:solidFill>
             <a:prstDash val="solid"/>
           </a:ln>
           <a:effectLst/>
         </p:spPr>
         <p:style>
-          <a:lnRef idx="3">
-            <a:schemeClr val="lt1"/>
+          <a:lnRef idx="1">
+            <a:schemeClr val="accent1"/>
           </a:lnRef>
-          <a:fillRef idx="1">
+          <a:fillRef idx="2">
             <a:schemeClr val="accent1"/>
           </a:fillRef>
           <a:effectRef idx="1">
             <a:schemeClr val="accent1"/>
           </a:effectRef>
           <a:fontRef idx="minor">
-            <a:schemeClr val="lt1"/>
+            <a:schemeClr val="dk1"/>
           </a:fontRef>
         </p:style>
         <p:txBody>
           <a:bodyPr anchor="ctr"/>
-          <a:lstStyle/>
+          <a:lstStyle>
+            <a:extLst/>
+          </a:lstStyle>
+          <a:p>
+            <a:pPr algn="ctr" eaLnBrk="1" latinLnBrk="0" hangingPunct="1"/>
+            <a:endParaRPr kumimoji="0" lang="en-US"/>
+          </a:p>
+        </p:txBody>
+      </p:sp>
+      <p:sp>
+        <p:nvSpPr>
+          <p:cNvPr id="9" name="Овал 8"/>
+          <p:cNvSpPr/>
+          <p:nvPr/>
+        </p:nvSpPr>
+        <p:spPr>
+          <a:xfrm>
+            <a:off x="2408064" y="2745870"/>
+            <a:ext cx="64008" cy="64008"/>
+          </a:xfrm>
+          <a:prstGeom prst="ellipse">
+            <a:avLst/>
+          </a:prstGeom>
+          <a:noFill/>
+          <a:ln w="12700" cap="rnd" cmpd="sng" algn="ctr">
+            <a:solidFill>
+              <a:schemeClr val="accent1">
+                <a:shade val="75000"/>
+                <a:alpha val="60000"/>
+              </a:schemeClr>
+            </a:solidFill>
+            <a:prstDash val="solid"/>
+          </a:ln>
+          <a:effectLst/>
+        </p:spPr>
+        <p:style>
+          <a:lnRef idx="1">
+            <a:schemeClr val="accent1"/>
+          </a:lnRef>
+          <a:fillRef idx="2">
+            <a:schemeClr val="accent1"/>
+          </a:fillRef>
+          <a:effectRef idx="1">
+            <a:schemeClr val="accent1"/>
+          </a:effectRef>
+          <a:fontRef idx="minor">
+            <a:schemeClr val="dk1"/>
+          </a:fontRef>
+        </p:style>
+        <p:txBody>
+          <a:bodyPr anchor="ctr"/>
+          <a:lstStyle>
+            <a:extLst/>
+          </a:lstStyle>
           <a:p>
             <a:pPr algn="ctr" eaLnBrk="1" latinLnBrk="0" hangingPunct="1"/>
             <a:endParaRPr kumimoji="0" lang="en-US"/>
@@ -7116,8 +7214,11 @@
     </p:spTree>
   </p:cSld>
   <p:clrMapOvr>
-    <a:overrideClrMapping bg1="dk1" tx1="lt1" bg2="dk2" tx2="lt2" accent1="accent1" accent2="accent2" accent3="accent3" accent4="accent4" accent5="accent5" accent6="accent6" hlink="hlink" folHlink="folHlink"/>
+    <a:masterClrMapping/>
   </p:clrMapOvr>
+  <p:transition>
+    <p:wipe dir="d"/>
+  </p:transition>
 </p:sldLayout>
 </file>
 
@@ -7150,17 +7251,167 @@
         </p:nvSpPr>
         <p:spPr>
           <a:xfrm>
-            <a:off x="457200" y="228600"/>
-            <a:ext cx="8229600" cy="914400"/>
+            <a:off x="1435608" y="274320"/>
+            <a:ext cx="7498080" cy="1143000"/>
           </a:xfrm>
         </p:spPr>
         <p:txBody>
           <a:bodyPr/>
-          <a:lstStyle/>
+          <a:lstStyle>
+            <a:extLst/>
+          </a:lstStyle>
           <a:p>
             <a:r>
               <a:rPr kumimoji="0" lang="ru-RU" smtClean="0"/>
               <a:t>Образец заголовка</a:t>
+            </a:r>
+            <a:endParaRPr kumimoji="0" lang="en-US"/>
+          </a:p>
+        </p:txBody>
+      </p:sp>
+      <p:sp>
+        <p:nvSpPr>
+          <p:cNvPr id="3" name="Содержимое 2"/>
+          <p:cNvSpPr>
+            <a:spLocks noGrp="1"/>
+          </p:cNvSpPr>
+          <p:nvPr>
+            <p:ph sz="half" idx="1"/>
+          </p:nvPr>
+        </p:nvSpPr>
+        <p:spPr>
+          <a:xfrm>
+            <a:off x="1435608" y="1524000"/>
+            <a:ext cx="3657600" cy="4663440"/>
+          </a:xfrm>
+        </p:spPr>
+        <p:txBody>
+          <a:bodyPr/>
+          <a:lstStyle>
+            <a:lvl1pPr>
+              <a:defRPr sz="2800"/>
+            </a:lvl1pPr>
+            <a:lvl2pPr>
+              <a:defRPr sz="2400"/>
+            </a:lvl2pPr>
+            <a:lvl3pPr>
+              <a:defRPr sz="2000"/>
+            </a:lvl3pPr>
+            <a:lvl4pPr>
+              <a:defRPr sz="1800"/>
+            </a:lvl4pPr>
+            <a:lvl5pPr>
+              <a:defRPr sz="1800"/>
+            </a:lvl5pPr>
+            <a:extLst/>
+          </a:lstStyle>
+          <a:p>
+            <a:pPr lvl="0" eaLnBrk="1" latinLnBrk="0" hangingPunct="1"/>
+            <a:r>
+              <a:rPr lang="ru-RU" smtClean="0"/>
+              <a:t>Образец текста</a:t>
+            </a:r>
+          </a:p>
+          <a:p>
+            <a:pPr lvl="1" eaLnBrk="1" latinLnBrk="0" hangingPunct="1"/>
+            <a:r>
+              <a:rPr lang="ru-RU" smtClean="0"/>
+              <a:t>Второй уровень</a:t>
+            </a:r>
+          </a:p>
+          <a:p>
+            <a:pPr lvl="2" eaLnBrk="1" latinLnBrk="0" hangingPunct="1"/>
+            <a:r>
+              <a:rPr lang="ru-RU" smtClean="0"/>
+              <a:t>Третий уровень</a:t>
+            </a:r>
+          </a:p>
+          <a:p>
+            <a:pPr lvl="3" eaLnBrk="1" latinLnBrk="0" hangingPunct="1"/>
+            <a:r>
+              <a:rPr lang="ru-RU" smtClean="0"/>
+              <a:t>Четвертый уровень</a:t>
+            </a:r>
+          </a:p>
+          <a:p>
+            <a:pPr lvl="4" eaLnBrk="1" latinLnBrk="0" hangingPunct="1"/>
+            <a:r>
+              <a:rPr lang="ru-RU" smtClean="0"/>
+              <a:t>Пятый уровень</a:t>
+            </a:r>
+            <a:endParaRPr kumimoji="0" lang="en-US"/>
+          </a:p>
+        </p:txBody>
+      </p:sp>
+      <p:sp>
+        <p:nvSpPr>
+          <p:cNvPr id="4" name="Содержимое 3"/>
+          <p:cNvSpPr>
+            <a:spLocks noGrp="1"/>
+          </p:cNvSpPr>
+          <p:nvPr>
+            <p:ph sz="half" idx="2"/>
+          </p:nvPr>
+        </p:nvSpPr>
+        <p:spPr>
+          <a:xfrm>
+            <a:off x="5276088" y="1524000"/>
+            <a:ext cx="3657600" cy="4663440"/>
+          </a:xfrm>
+        </p:spPr>
+        <p:txBody>
+          <a:bodyPr/>
+          <a:lstStyle>
+            <a:lvl1pPr>
+              <a:defRPr sz="2800"/>
+            </a:lvl1pPr>
+            <a:lvl2pPr>
+              <a:defRPr sz="2400"/>
+            </a:lvl2pPr>
+            <a:lvl3pPr>
+              <a:defRPr sz="2000"/>
+            </a:lvl3pPr>
+            <a:lvl4pPr>
+              <a:defRPr sz="1800"/>
+            </a:lvl4pPr>
+            <a:lvl5pPr>
+              <a:defRPr sz="1800"/>
+            </a:lvl5pPr>
+            <a:extLst/>
+          </a:lstStyle>
+          <a:p>
+            <a:pPr lvl="0" eaLnBrk="1" latinLnBrk="0" hangingPunct="1"/>
+            <a:r>
+              <a:rPr lang="ru-RU" smtClean="0"/>
+              <a:t>Образец текста</a:t>
+            </a:r>
+          </a:p>
+          <a:p>
+            <a:pPr lvl="1" eaLnBrk="1" latinLnBrk="0" hangingPunct="1"/>
+            <a:r>
+              <a:rPr lang="ru-RU" smtClean="0"/>
+              <a:t>Второй уровень</a:t>
+            </a:r>
+          </a:p>
+          <a:p>
+            <a:pPr lvl="2" eaLnBrk="1" latinLnBrk="0" hangingPunct="1"/>
+            <a:r>
+              <a:rPr lang="ru-RU" smtClean="0"/>
+              <a:t>Третий уровень</a:t>
+            </a:r>
+          </a:p>
+          <a:p>
+            <a:pPr lvl="3" eaLnBrk="1" latinLnBrk="0" hangingPunct="1"/>
+            <a:r>
+              <a:rPr lang="ru-RU" smtClean="0"/>
+              <a:t>Четвертый уровень</a:t>
+            </a:r>
+          </a:p>
+          <a:p>
+            <a:pPr lvl="4" eaLnBrk="1" latinLnBrk="0" hangingPunct="1"/>
+            <a:r>
+              <a:rPr lang="ru-RU" smtClean="0"/>
+              <a:t>Пятый уровень</a:t>
             </a:r>
             <a:endParaRPr kumimoji="0" lang="en-US"/>
           </a:p>
@@ -7179,11 +7430,14 @@
         <p:spPr/>
         <p:txBody>
           <a:bodyPr/>
-          <a:lstStyle/>
+          <a:lstStyle>
+            <a:extLst/>
+          </a:lstStyle>
           <a:p>
             <a:fld id="{95A63921-FD29-4E01-BF99-E0CCEFDDB2A0}" type="datetimeFigureOut">
               <a:rPr lang="ru-RU" smtClean="0"/>
-              <a:t>03.01.2016</a:t>
+              <a:pPr/>
+              <a:t>21.01.2016</a:t>
             </a:fld>
             <a:endParaRPr lang="ru-RU"/>
           </a:p>
@@ -7202,7 +7456,9 @@
         <p:spPr/>
         <p:txBody>
           <a:bodyPr/>
-          <a:lstStyle/>
+          <a:lstStyle>
+            <a:extLst/>
+          </a:lstStyle>
           <a:p>
             <a:endParaRPr lang="ru-RU"/>
           </a:p>
@@ -7221,127 +7477,16 @@
         <p:spPr/>
         <p:txBody>
           <a:bodyPr/>
-          <a:lstStyle/>
+          <a:lstStyle>
+            <a:extLst/>
+          </a:lstStyle>
           <a:p>
             <a:fld id="{40720B0D-0020-4991-AACD-5FFC9CE5C1D6}" type="slidenum">
               <a:rPr lang="ru-RU" smtClean="0"/>
+              <a:pPr/>
               <a:t>‹#›</a:t>
             </a:fld>
             <a:endParaRPr lang="ru-RU"/>
-          </a:p>
-        </p:txBody>
-      </p:sp>
-      <p:sp>
-        <p:nvSpPr>
-          <p:cNvPr id="9" name="Содержимое 8"/>
-          <p:cNvSpPr>
-            <a:spLocks noGrp="1"/>
-          </p:cNvSpPr>
-          <p:nvPr>
-            <p:ph sz="quarter" idx="1"/>
-          </p:nvPr>
-        </p:nvSpPr>
-        <p:spPr>
-          <a:xfrm>
-            <a:off x="457200" y="1219200"/>
-            <a:ext cx="4041648" cy="4937760"/>
-          </a:xfrm>
-        </p:spPr>
-        <p:txBody>
-          <a:bodyPr/>
-          <a:lstStyle/>
-          <a:p>
-            <a:pPr lvl="0" eaLnBrk="1" latinLnBrk="0" hangingPunct="1"/>
-            <a:r>
-              <a:rPr lang="ru-RU" smtClean="0"/>
-              <a:t>Образец текста</a:t>
-            </a:r>
-          </a:p>
-          <a:p>
-            <a:pPr lvl="1" eaLnBrk="1" latinLnBrk="0" hangingPunct="1"/>
-            <a:r>
-              <a:rPr lang="ru-RU" smtClean="0"/>
-              <a:t>Второй уровень</a:t>
-            </a:r>
-          </a:p>
-          <a:p>
-            <a:pPr lvl="2" eaLnBrk="1" latinLnBrk="0" hangingPunct="1"/>
-            <a:r>
-              <a:rPr lang="ru-RU" smtClean="0"/>
-              <a:t>Третий уровень</a:t>
-            </a:r>
-          </a:p>
-          <a:p>
-            <a:pPr lvl="3" eaLnBrk="1" latinLnBrk="0" hangingPunct="1"/>
-            <a:r>
-              <a:rPr lang="ru-RU" smtClean="0"/>
-              <a:t>Четвертый уровень</a:t>
-            </a:r>
-          </a:p>
-          <a:p>
-            <a:pPr lvl="4" eaLnBrk="1" latinLnBrk="0" hangingPunct="1"/>
-            <a:r>
-              <a:rPr lang="ru-RU" smtClean="0"/>
-              <a:t>Пятый уровень</a:t>
-            </a:r>
-            <a:endParaRPr kumimoji="0" lang="en-US"/>
-          </a:p>
-        </p:txBody>
-      </p:sp>
-      <p:sp>
-        <p:nvSpPr>
-          <p:cNvPr id="11" name="Содержимое 10"/>
-          <p:cNvSpPr>
-            <a:spLocks noGrp="1"/>
-          </p:cNvSpPr>
-          <p:nvPr>
-            <p:ph sz="quarter" idx="2"/>
-          </p:nvPr>
-        </p:nvSpPr>
-        <p:spPr>
-          <a:xfrm>
-            <a:off x="4632198" y="1216152"/>
-            <a:ext cx="4041648" cy="4937760"/>
-          </a:xfrm>
-        </p:spPr>
-        <p:txBody>
-          <a:bodyPr/>
-          <a:lstStyle/>
-          <a:p>
-            <a:pPr lvl="0" eaLnBrk="1" latinLnBrk="0" hangingPunct="1"/>
-            <a:r>
-              <a:rPr lang="ru-RU" smtClean="0"/>
-              <a:t>Образец текста</a:t>
-            </a:r>
-          </a:p>
-          <a:p>
-            <a:pPr lvl="1" eaLnBrk="1" latinLnBrk="0" hangingPunct="1"/>
-            <a:r>
-              <a:rPr lang="ru-RU" smtClean="0"/>
-              <a:t>Второй уровень</a:t>
-            </a:r>
-          </a:p>
-          <a:p>
-            <a:pPr lvl="2" eaLnBrk="1" latinLnBrk="0" hangingPunct="1"/>
-            <a:r>
-              <a:rPr lang="ru-RU" smtClean="0"/>
-              <a:t>Третий уровень</a:t>
-            </a:r>
-          </a:p>
-          <a:p>
-            <a:pPr lvl="3" eaLnBrk="1" latinLnBrk="0" hangingPunct="1"/>
-            <a:r>
-              <a:rPr lang="ru-RU" smtClean="0"/>
-              <a:t>Четвертый уровень</a:t>
-            </a:r>
-          </a:p>
-          <a:p>
-            <a:pPr lvl="4" eaLnBrk="1" latinLnBrk="0" hangingPunct="1"/>
-            <a:r>
-              <a:rPr lang="ru-RU" smtClean="0"/>
-              <a:t>Пятый уровень</a:t>
-            </a:r>
-            <a:endParaRPr kumimoji="0" lang="en-US"/>
           </a:p>
         </p:txBody>
       </p:sp>
@@ -7350,11 +7495,14 @@
   <p:clrMapOvr>
     <a:masterClrMapping/>
   </p:clrMapOvr>
+  <p:transition>
+    <p:wipe dir="d"/>
+  </p:transition>
 </p:sldLayout>
 </file>
 
 <file path=ppt/slideLayouts/slideLayout5.xml><?xml version="1.0" encoding="utf-8"?>
-<p:sldLayout xmlns:a="http://schemas.openxmlformats.org/drawingml/2006/main" xmlns:r="http://schemas.openxmlformats.org/officeDocument/2006/relationships" xmlns:p="http://schemas.openxmlformats.org/presentationml/2006/main" type="twoTxTwoObj" preserve="1">
+<p:sldLayout xmlns:a="http://schemas.openxmlformats.org/drawingml/2006/main" xmlns:r="http://schemas.openxmlformats.org/officeDocument/2006/relationships" xmlns:p="http://schemas.openxmlformats.org/presentationml/2006/main" showMasterSp="0" type="twoTxTwoObj" preserve="1">
   <p:cSld name="Сравнение">
     <p:spTree>
       <p:nvGrpSpPr>
@@ -7382,16 +7530,17 @@
         </p:nvSpPr>
         <p:spPr>
           <a:xfrm>
-            <a:off x="457200" y="228600"/>
-            <a:ext cx="8229600" cy="914400"/>
+            <a:off x="457200" y="5160336"/>
+            <a:ext cx="8229600" cy="1143000"/>
           </a:xfrm>
         </p:spPr>
         <p:txBody>
           <a:bodyPr anchor="ctr"/>
           <a:lstStyle>
-            <a:lvl1pPr>
-              <a:defRPr/>
+            <a:lvl1pPr algn="ctr">
+              <a:defRPr sz="4500" b="1" cap="none" baseline="0"/>
             </a:lvl1pPr>
+            <a:extLst/>
           </a:lstStyle>
           <a:p>
             <a:r>
@@ -7414,24 +7563,33 @@
         </p:nvSpPr>
         <p:spPr>
           <a:xfrm>
-            <a:off x="457200" y="1285875"/>
-            <a:ext cx="4040188" cy="685800"/>
+            <a:off x="457200" y="328278"/>
+            <a:ext cx="4023360" cy="640080"/>
           </a:xfrm>
-          <a:noFill/>
-          <a:ln>
-            <a:noFill/>
+          <a:solidFill>
+            <a:schemeClr val="bg1"/>
+          </a:solidFill>
+          <a:ln w="10795">
+            <a:solidFill>
+              <a:schemeClr val="bg1"/>
+            </a:solidFill>
+            <a:miter lim="800000"/>
           </a:ln>
         </p:spPr>
         <p:txBody>
-          <a:bodyPr lIns="91440" anchor="b" anchorCtr="0">
-            <a:noAutofit/>
-          </a:bodyPr>
+          <a:bodyPr anchor="ctr"/>
           <a:lstStyle>
-            <a:lvl1pPr marL="0" indent="0">
+            <a:lvl1pPr marL="64008" indent="0" algn="l">
+              <a:lnSpc>
+                <a:spcPct val="100000"/>
+              </a:lnSpc>
+              <a:spcBef>
+                <a:spcPts val="100"/>
+              </a:spcBef>
               <a:buNone/>
-              <a:defRPr sz="2400" b="1">
+              <a:defRPr sz="1900" b="0">
                 <a:solidFill>
-                  <a:schemeClr val="accent2"/>
+                  <a:schemeClr val="tx1"/>
                 </a:solidFill>
               </a:defRPr>
             </a:lvl1pPr>
@@ -7451,6 +7609,7 @@
               <a:buNone/>
               <a:defRPr sz="1600" b="1"/>
             </a:lvl5pPr>
+            <a:extLst/>
           </a:lstStyle>
           <a:p>
             <a:pPr lvl="0" eaLnBrk="1" latinLnBrk="0" hangingPunct="1"/>
@@ -7473,22 +7632,33 @@
         </p:nvSpPr>
         <p:spPr>
           <a:xfrm>
-            <a:off x="4648200" y="1295400"/>
-            <a:ext cx="4041775" cy="685800"/>
+            <a:off x="4663440" y="328278"/>
+            <a:ext cx="4023360" cy="640080"/>
           </a:xfrm>
-          <a:noFill/>
-          <a:ln>
-            <a:noFill/>
+          <a:solidFill>
+            <a:schemeClr val="bg1"/>
+          </a:solidFill>
+          <a:ln w="10795">
+            <a:solidFill>
+              <a:schemeClr val="bg1"/>
+            </a:solidFill>
+            <a:miter lim="800000"/>
           </a:ln>
         </p:spPr>
         <p:txBody>
-          <a:bodyPr lIns="91440" anchor="b" anchorCtr="0"/>
+          <a:bodyPr anchor="ctr"/>
           <a:lstStyle>
-            <a:lvl1pPr marL="0" indent="0">
+            <a:lvl1pPr marL="64008" indent="0" algn="l">
+              <a:lnSpc>
+                <a:spcPct val="100000"/>
+              </a:lnSpc>
+              <a:spcBef>
+                <a:spcPts val="100"/>
+              </a:spcBef>
               <a:buNone/>
-              <a:defRPr sz="2400" b="1">
+              <a:defRPr sz="1900" b="0">
                 <a:solidFill>
-                  <a:schemeClr val="accent2"/>
+                  <a:schemeClr val="tx1"/>
                 </a:solidFill>
               </a:defRPr>
             </a:lvl1pPr>
@@ -7508,6 +7678,7 @@
               <a:buNone/>
               <a:defRPr sz="1600" b="1"/>
             </a:lvl5pPr>
+            <a:extLst/>
           </a:lstStyle>
           <a:p>
             <a:pPr lvl="0" eaLnBrk="1" latinLnBrk="0" hangingPunct="1"/>
@@ -7515,6 +7686,228 @@
               <a:rPr kumimoji="0" lang="ru-RU" smtClean="0"/>
               <a:t>Образец текста</a:t>
             </a:r>
+          </a:p>
+        </p:txBody>
+      </p:sp>
+      <p:sp>
+        <p:nvSpPr>
+          <p:cNvPr id="5" name="Содержимое 4"/>
+          <p:cNvSpPr>
+            <a:spLocks noGrp="1"/>
+          </p:cNvSpPr>
+          <p:nvPr>
+            <p:ph sz="quarter" idx="2"/>
+          </p:nvPr>
+        </p:nvSpPr>
+        <p:spPr>
+          <a:xfrm>
+            <a:off x="457200" y="969336"/>
+            <a:ext cx="4023360" cy="4114800"/>
+          </a:xfrm>
+          <a:ln w="10795">
+            <a:solidFill>
+              <a:schemeClr val="bg1"/>
+            </a:solidFill>
+            <a:prstDash val="dash"/>
+            <a:miter lim="800000"/>
+          </a:ln>
+        </p:spPr>
+        <p:txBody>
+          <a:bodyPr/>
+          <a:lstStyle>
+            <a:lvl1pPr marL="393192" indent="-274320">
+              <a:lnSpc>
+                <a:spcPct val="100000"/>
+              </a:lnSpc>
+              <a:spcBef>
+                <a:spcPts val="700"/>
+              </a:spcBef>
+              <a:defRPr sz="2400"/>
+            </a:lvl1pPr>
+            <a:lvl2pPr>
+              <a:lnSpc>
+                <a:spcPct val="100000"/>
+              </a:lnSpc>
+              <a:spcBef>
+                <a:spcPts val="700"/>
+              </a:spcBef>
+              <a:defRPr sz="2000"/>
+            </a:lvl2pPr>
+            <a:lvl3pPr>
+              <a:lnSpc>
+                <a:spcPct val="100000"/>
+              </a:lnSpc>
+              <a:spcBef>
+                <a:spcPts val="700"/>
+              </a:spcBef>
+              <a:defRPr sz="1800"/>
+            </a:lvl3pPr>
+            <a:lvl4pPr>
+              <a:lnSpc>
+                <a:spcPct val="100000"/>
+              </a:lnSpc>
+              <a:spcBef>
+                <a:spcPts val="700"/>
+              </a:spcBef>
+              <a:defRPr sz="1600"/>
+            </a:lvl4pPr>
+            <a:lvl5pPr>
+              <a:lnSpc>
+                <a:spcPct val="100000"/>
+              </a:lnSpc>
+              <a:spcBef>
+                <a:spcPts val="700"/>
+              </a:spcBef>
+              <a:defRPr sz="1600"/>
+            </a:lvl5pPr>
+            <a:extLst/>
+          </a:lstStyle>
+          <a:p>
+            <a:pPr lvl="0" eaLnBrk="1" latinLnBrk="0" hangingPunct="1"/>
+            <a:r>
+              <a:rPr lang="ru-RU" smtClean="0"/>
+              <a:t>Образец текста</a:t>
+            </a:r>
+          </a:p>
+          <a:p>
+            <a:pPr lvl="1" eaLnBrk="1" latinLnBrk="0" hangingPunct="1"/>
+            <a:r>
+              <a:rPr lang="ru-RU" smtClean="0"/>
+              <a:t>Второй уровень</a:t>
+            </a:r>
+          </a:p>
+          <a:p>
+            <a:pPr lvl="2" eaLnBrk="1" latinLnBrk="0" hangingPunct="1"/>
+            <a:r>
+              <a:rPr lang="ru-RU" smtClean="0"/>
+              <a:t>Третий уровень</a:t>
+            </a:r>
+          </a:p>
+          <a:p>
+            <a:pPr lvl="3" eaLnBrk="1" latinLnBrk="0" hangingPunct="1"/>
+            <a:r>
+              <a:rPr lang="ru-RU" smtClean="0"/>
+              <a:t>Четвертый уровень</a:t>
+            </a:r>
+          </a:p>
+          <a:p>
+            <a:pPr lvl="4" eaLnBrk="1" latinLnBrk="0" hangingPunct="1"/>
+            <a:r>
+              <a:rPr lang="ru-RU" smtClean="0"/>
+              <a:t>Пятый уровень</a:t>
+            </a:r>
+            <a:endParaRPr kumimoji="0" lang="en-US"/>
+          </a:p>
+        </p:txBody>
+      </p:sp>
+      <p:sp>
+        <p:nvSpPr>
+          <p:cNvPr id="6" name="Содержимое 5"/>
+          <p:cNvSpPr>
+            <a:spLocks noGrp="1"/>
+          </p:cNvSpPr>
+          <p:nvPr>
+            <p:ph sz="quarter" idx="4"/>
+          </p:nvPr>
+        </p:nvSpPr>
+        <p:spPr>
+          <a:xfrm>
+            <a:off x="4663440" y="969336"/>
+            <a:ext cx="4023360" cy="4114800"/>
+          </a:xfrm>
+          <a:ln w="10795">
+            <a:solidFill>
+              <a:schemeClr val="bg1"/>
+            </a:solidFill>
+            <a:prstDash val="dash"/>
+            <a:miter lim="800000"/>
+          </a:ln>
+        </p:spPr>
+        <p:txBody>
+          <a:bodyPr/>
+          <a:lstStyle>
+            <a:lvl1pPr marL="393192" indent="-274320">
+              <a:lnSpc>
+                <a:spcPct val="100000"/>
+              </a:lnSpc>
+              <a:spcBef>
+                <a:spcPts val="700"/>
+              </a:spcBef>
+              <a:defRPr sz="2400"/>
+            </a:lvl1pPr>
+            <a:lvl2pPr>
+              <a:lnSpc>
+                <a:spcPct val="100000"/>
+              </a:lnSpc>
+              <a:spcBef>
+                <a:spcPts val="700"/>
+              </a:spcBef>
+              <a:defRPr sz="2000"/>
+            </a:lvl2pPr>
+            <a:lvl3pPr>
+              <a:lnSpc>
+                <a:spcPct val="100000"/>
+              </a:lnSpc>
+              <a:spcBef>
+                <a:spcPts val="700"/>
+              </a:spcBef>
+              <a:defRPr sz="1800"/>
+            </a:lvl3pPr>
+            <a:lvl4pPr>
+              <a:lnSpc>
+                <a:spcPct val="100000"/>
+              </a:lnSpc>
+              <a:spcBef>
+                <a:spcPts val="700"/>
+              </a:spcBef>
+              <a:defRPr sz="1600"/>
+            </a:lvl4pPr>
+            <a:lvl5pPr>
+              <a:lnSpc>
+                <a:spcPct val="100000"/>
+              </a:lnSpc>
+              <a:spcBef>
+                <a:spcPts val="700"/>
+              </a:spcBef>
+              <a:defRPr sz="1600"/>
+            </a:lvl5pPr>
+            <a:extLst/>
+          </a:lstStyle>
+          <a:p>
+            <a:pPr lvl="0" eaLnBrk="1" latinLnBrk="0" hangingPunct="1"/>
+            <a:r>
+              <a:rPr lang="ru-RU" smtClean="0"/>
+              <a:t>Образец текста</a:t>
+            </a:r>
+          </a:p>
+          <a:p>
+            <a:pPr lvl="1" eaLnBrk="1" latinLnBrk="0" hangingPunct="1"/>
+            <a:r>
+              <a:rPr lang="ru-RU" smtClean="0"/>
+              <a:t>Второй уровень</a:t>
+            </a:r>
+          </a:p>
+          <a:p>
+            <a:pPr lvl="2" eaLnBrk="1" latinLnBrk="0" hangingPunct="1"/>
+            <a:r>
+              <a:rPr lang="ru-RU" smtClean="0"/>
+              <a:t>Третий уровень</a:t>
+            </a:r>
+          </a:p>
+          <a:p>
+            <a:pPr lvl="3" eaLnBrk="1" latinLnBrk="0" hangingPunct="1"/>
+            <a:r>
+              <a:rPr lang="ru-RU" smtClean="0"/>
+              <a:t>Четвертый уровень</a:t>
+            </a:r>
+          </a:p>
+          <a:p>
+            <a:pPr lvl="4" eaLnBrk="1" latinLnBrk="0" hangingPunct="1"/>
+            <a:r>
+              <a:rPr lang="ru-RU" smtClean="0"/>
+              <a:t>Пятый уровень</a:t>
+            </a:r>
+            <a:endParaRPr kumimoji="0" lang="en-US"/>
           </a:p>
         </p:txBody>
       </p:sp>
@@ -7531,11 +7924,14 @@
         <p:spPr/>
         <p:txBody>
           <a:bodyPr/>
-          <a:lstStyle/>
+          <a:lstStyle>
+            <a:extLst/>
+          </a:lstStyle>
           <a:p>
             <a:fld id="{95A63921-FD29-4E01-BF99-E0CCEFDDB2A0}" type="datetimeFigureOut">
               <a:rPr lang="ru-RU" smtClean="0"/>
-              <a:t>03.01.2016</a:t>
+              <a:pPr/>
+              <a:t>21.01.2016</a:t>
             </a:fld>
             <a:endParaRPr lang="ru-RU"/>
           </a:p>
@@ -7554,7 +7950,9 @@
         <p:spPr/>
         <p:txBody>
           <a:bodyPr/>
-          <a:lstStyle/>
+          <a:lstStyle>
+            <a:extLst/>
+          </a:lstStyle>
           <a:p>
             <a:endParaRPr lang="ru-RU"/>
           </a:p>
@@ -7573,127 +7971,16 @@
         <p:spPr/>
         <p:txBody>
           <a:bodyPr/>
-          <a:lstStyle/>
+          <a:lstStyle>
+            <a:extLst/>
+          </a:lstStyle>
           <a:p>
             <a:fld id="{40720B0D-0020-4991-AACD-5FFC9CE5C1D6}" type="slidenum">
               <a:rPr lang="ru-RU" smtClean="0"/>
+              <a:pPr/>
               <a:t>‹#›</a:t>
             </a:fld>
             <a:endParaRPr lang="ru-RU"/>
-          </a:p>
-        </p:txBody>
-      </p:sp>
-      <p:sp>
-        <p:nvSpPr>
-          <p:cNvPr id="11" name="Содержимое 10"/>
-          <p:cNvSpPr>
-            <a:spLocks noGrp="1"/>
-          </p:cNvSpPr>
-          <p:nvPr>
-            <p:ph sz="quarter" idx="2"/>
-          </p:nvPr>
-        </p:nvSpPr>
-        <p:spPr>
-          <a:xfrm>
-            <a:off x="457200" y="2133600"/>
-            <a:ext cx="4038600" cy="4038600"/>
-          </a:xfrm>
-        </p:spPr>
-        <p:txBody>
-          <a:bodyPr/>
-          <a:lstStyle/>
-          <a:p>
-            <a:pPr lvl="0" eaLnBrk="1" latinLnBrk="0" hangingPunct="1"/>
-            <a:r>
-              <a:rPr lang="ru-RU" smtClean="0"/>
-              <a:t>Образец текста</a:t>
-            </a:r>
-          </a:p>
-          <a:p>
-            <a:pPr lvl="1" eaLnBrk="1" latinLnBrk="0" hangingPunct="1"/>
-            <a:r>
-              <a:rPr lang="ru-RU" smtClean="0"/>
-              <a:t>Второй уровень</a:t>
-            </a:r>
-          </a:p>
-          <a:p>
-            <a:pPr lvl="2" eaLnBrk="1" latinLnBrk="0" hangingPunct="1"/>
-            <a:r>
-              <a:rPr lang="ru-RU" smtClean="0"/>
-              <a:t>Третий уровень</a:t>
-            </a:r>
-          </a:p>
-          <a:p>
-            <a:pPr lvl="3" eaLnBrk="1" latinLnBrk="0" hangingPunct="1"/>
-            <a:r>
-              <a:rPr lang="ru-RU" smtClean="0"/>
-              <a:t>Четвертый уровень</a:t>
-            </a:r>
-          </a:p>
-          <a:p>
-            <a:pPr lvl="4" eaLnBrk="1" latinLnBrk="0" hangingPunct="1"/>
-            <a:r>
-              <a:rPr lang="ru-RU" smtClean="0"/>
-              <a:t>Пятый уровень</a:t>
-            </a:r>
-            <a:endParaRPr kumimoji="0" lang="en-US"/>
-          </a:p>
-        </p:txBody>
-      </p:sp>
-      <p:sp>
-        <p:nvSpPr>
-          <p:cNvPr id="13" name="Содержимое 12"/>
-          <p:cNvSpPr>
-            <a:spLocks noGrp="1"/>
-          </p:cNvSpPr>
-          <p:nvPr>
-            <p:ph sz="quarter" idx="4"/>
-          </p:nvPr>
-        </p:nvSpPr>
-        <p:spPr>
-          <a:xfrm>
-            <a:off x="4648200" y="2133600"/>
-            <a:ext cx="4038600" cy="4038600"/>
-          </a:xfrm>
-        </p:spPr>
-        <p:txBody>
-          <a:bodyPr/>
-          <a:lstStyle/>
-          <a:p>
-            <a:pPr lvl="0" eaLnBrk="1" latinLnBrk="0" hangingPunct="1"/>
-            <a:r>
-              <a:rPr lang="ru-RU" smtClean="0"/>
-              <a:t>Образец текста</a:t>
-            </a:r>
-          </a:p>
-          <a:p>
-            <a:pPr lvl="1" eaLnBrk="1" latinLnBrk="0" hangingPunct="1"/>
-            <a:r>
-              <a:rPr lang="ru-RU" smtClean="0"/>
-              <a:t>Второй уровень</a:t>
-            </a:r>
-          </a:p>
-          <a:p>
-            <a:pPr lvl="2" eaLnBrk="1" latinLnBrk="0" hangingPunct="1"/>
-            <a:r>
-              <a:rPr lang="ru-RU" smtClean="0"/>
-              <a:t>Третий уровень</a:t>
-            </a:r>
-          </a:p>
-          <a:p>
-            <a:pPr lvl="3" eaLnBrk="1" latinLnBrk="0" hangingPunct="1"/>
-            <a:r>
-              <a:rPr lang="ru-RU" smtClean="0"/>
-              <a:t>Четвертый уровень</a:t>
-            </a:r>
-          </a:p>
-          <a:p>
-            <a:pPr lvl="4" eaLnBrk="1" latinLnBrk="0" hangingPunct="1"/>
-            <a:r>
-              <a:rPr lang="ru-RU" smtClean="0"/>
-              <a:t>Пятый уровень</a:t>
-            </a:r>
-            <a:endParaRPr kumimoji="0" lang="en-US"/>
           </a:p>
         </p:txBody>
       </p:sp>
@@ -7702,6 +7989,9 @@
   <p:clrMapOvr>
     <a:masterClrMapping/>
   </p:clrMapOvr>
+  <p:transition>
+    <p:wipe dir="d"/>
+  </p:transition>
 </p:sldLayout>
 </file>
 
@@ -7734,13 +8024,15 @@
         </p:nvSpPr>
         <p:spPr>
           <a:xfrm>
-            <a:off x="457200" y="228600"/>
-            <a:ext cx="8229600" cy="914400"/>
+            <a:off x="1435608" y="274320"/>
+            <a:ext cx="7498080" cy="1143000"/>
           </a:xfrm>
         </p:spPr>
         <p:txBody>
-          <a:bodyPr/>
-          <a:lstStyle/>
+          <a:bodyPr anchor="ctr"/>
+          <a:lstStyle>
+            <a:extLst/>
+          </a:lstStyle>
           <a:p>
             <a:r>
               <a:rPr kumimoji="0" lang="ru-RU" smtClean="0"/>
@@ -7763,11 +8055,14 @@
         <p:spPr/>
         <p:txBody>
           <a:bodyPr/>
-          <a:lstStyle/>
+          <a:lstStyle>
+            <a:extLst/>
+          </a:lstStyle>
           <a:p>
             <a:fld id="{95A63921-FD29-4E01-BF99-E0CCEFDDB2A0}" type="datetimeFigureOut">
               <a:rPr lang="ru-RU" smtClean="0"/>
-              <a:t>03.01.2016</a:t>
+              <a:pPr/>
+              <a:t>21.01.2016</a:t>
             </a:fld>
             <a:endParaRPr lang="ru-RU"/>
           </a:p>
@@ -7786,7 +8081,9 @@
         <p:spPr/>
         <p:txBody>
           <a:bodyPr/>
-          <a:lstStyle/>
+          <a:lstStyle>
+            <a:extLst/>
+          </a:lstStyle>
           <a:p>
             <a:endParaRPr lang="ru-RU"/>
           </a:p>
@@ -7805,36 +8102,63 @@
         <p:spPr/>
         <p:txBody>
           <a:bodyPr/>
-          <a:lstStyle/>
+          <a:lstStyle>
+            <a:extLst/>
+          </a:lstStyle>
           <a:p>
             <a:fld id="{40720B0D-0020-4991-AACD-5FFC9CE5C1D6}" type="slidenum">
               <a:rPr lang="ru-RU" smtClean="0"/>
+              <a:pPr/>
               <a:t>‹#›</a:t>
             </a:fld>
             <a:endParaRPr lang="ru-RU"/>
           </a:p>
         </p:txBody>
       </p:sp>
+    </p:spTree>
+  </p:cSld>
+  <p:clrMapOvr>
+    <a:masterClrMapping/>
+  </p:clrMapOvr>
+  <p:transition>
+    <p:wipe dir="d"/>
+  </p:transition>
+</p:sldLayout>
+</file>
+
+<file path=ppt/slideLayouts/slideLayout7.xml><?xml version="1.0" encoding="utf-8"?>
+<p:sldLayout xmlns:a="http://schemas.openxmlformats.org/drawingml/2006/main" xmlns:r="http://schemas.openxmlformats.org/officeDocument/2006/relationships" xmlns:p="http://schemas.openxmlformats.org/presentationml/2006/main" showMasterSp="0" type="blank" preserve="1">
+  <p:cSld name="Пустой слайд">
+    <p:spTree>
+      <p:nvGrpSpPr>
+        <p:cNvPr id="1" name=""/>
+        <p:cNvGrpSpPr/>
+        <p:nvPr/>
+      </p:nvGrpSpPr>
+      <p:grpSpPr>
+        <a:xfrm>
+          <a:off x="0" y="0"/>
+          <a:ext cx="0" cy="0"/>
+          <a:chOff x="0" y="0"/>
+          <a:chExt cx="0" cy="0"/>
+        </a:xfrm>
+      </p:grpSpPr>
       <p:sp>
         <p:nvSpPr>
-          <p:cNvPr id="6" name="Равнобедренный треугольник 5"/>
-          <p:cNvSpPr>
-            <a:spLocks noChangeAspect="1"/>
-          </p:cNvSpPr>
+          <p:cNvPr id="5" name="Прямоугольник 4"/>
+          <p:cNvSpPr/>
           <p:nvPr/>
         </p:nvSpPr>
         <p:spPr>
-          <a:xfrm rot="5400000">
-            <a:off x="419100" y="6467475"/>
-            <a:ext cx="190849" cy="120314"/>
+          <a:xfrm>
+            <a:off x="1014984" y="0"/>
+            <a:ext cx="8129016" cy="6858000"/>
           </a:xfrm>
-          <a:prstGeom prst="triangle">
-            <a:avLst>
-              <a:gd name="adj" fmla="val 50000"/>
-            </a:avLst>
+          <a:prstGeom prst="rect">
+            <a:avLst/>
           </a:prstGeom>
           <a:solidFill>
-            <a:schemeClr val="accent2"/>
+            <a:schemeClr val="bg1"/>
           </a:solidFill>
           <a:ln w="25400" cap="rnd" cmpd="sng" algn="ctr">
             <a:noFill/>
@@ -7858,38 +8182,15 @@
         </p:style>
         <p:txBody>
           <a:bodyPr anchor="ctr"/>
-          <a:lstStyle/>
+          <a:lstStyle>
+            <a:extLst/>
+          </a:lstStyle>
           <a:p>
             <a:pPr algn="ctr" eaLnBrk="1" latinLnBrk="0" hangingPunct="1"/>
             <a:endParaRPr kumimoji="0" lang="en-US"/>
           </a:p>
         </p:txBody>
       </p:sp>
-    </p:spTree>
-  </p:cSld>
-  <p:clrMapOvr>
-    <a:masterClrMapping/>
-  </p:clrMapOvr>
-</p:sldLayout>
-</file>
-
-<file path=ppt/slideLayouts/slideLayout7.xml><?xml version="1.0" encoding="utf-8"?>
-<p:sldLayout xmlns:a="http://schemas.openxmlformats.org/drawingml/2006/main" xmlns:r="http://schemas.openxmlformats.org/officeDocument/2006/relationships" xmlns:p="http://schemas.openxmlformats.org/presentationml/2006/main" showMasterSp="0" type="blank" preserve="1">
-  <p:cSld name="Пустой слайд">
-    <p:spTree>
-      <p:nvGrpSpPr>
-        <p:cNvPr id="1" name=""/>
-        <p:cNvGrpSpPr/>
-        <p:nvPr/>
-      </p:nvGrpSpPr>
-      <p:grpSpPr>
-        <a:xfrm>
-          <a:off x="0" y="0"/>
-          <a:ext cx="0" cy="0"/>
-          <a:chOff x="0" y="0"/>
-          <a:chExt cx="0" cy="0"/>
-        </a:xfrm>
-      </p:grpSpPr>
       <p:sp>
         <p:nvSpPr>
           <p:cNvPr id="2" name="Дата 1"/>
@@ -7903,11 +8204,14 @@
         <p:spPr/>
         <p:txBody>
           <a:bodyPr/>
-          <a:lstStyle/>
+          <a:lstStyle>
+            <a:extLst/>
+          </a:lstStyle>
           <a:p>
             <a:fld id="{95A63921-FD29-4E01-BF99-E0CCEFDDB2A0}" type="datetimeFigureOut">
               <a:rPr lang="ru-RU" smtClean="0"/>
-              <a:t>03.01.2016</a:t>
+              <a:pPr/>
+              <a:t>21.01.2016</a:t>
             </a:fld>
             <a:endParaRPr lang="ru-RU"/>
           </a:p>
@@ -7926,7 +8230,9 @@
         <p:spPr/>
         <p:txBody>
           <a:bodyPr/>
-          <a:lstStyle/>
+          <a:lstStyle>
+            <a:extLst/>
+          </a:lstStyle>
           <a:p>
             <a:endParaRPr lang="ru-RU"/>
           </a:p>
@@ -7945,10 +8251,13 @@
         <p:spPr/>
         <p:txBody>
           <a:bodyPr/>
-          <a:lstStyle/>
+          <a:lstStyle>
+            <a:extLst/>
+          </a:lstStyle>
           <a:p>
             <a:fld id="{40720B0D-0020-4991-AACD-5FFC9CE5C1D6}" type="slidenum">
               <a:rPr lang="ru-RU" smtClean="0"/>
+              <a:pPr/>
               <a:t>‹#›</a:t>
             </a:fld>
             <a:endParaRPr lang="ru-RU"/>
@@ -7957,66 +8266,34 @@
       </p:sp>
       <p:sp>
         <p:nvSpPr>
-          <p:cNvPr id="5" name="Прямая соединительная линия 4"/>
-          <p:cNvSpPr>
-            <a:spLocks noChangeShapeType="1"/>
-          </p:cNvSpPr>
+          <p:cNvPr id="6" name="Прямоугольник 5"/>
+          <p:cNvSpPr/>
           <p:nvPr/>
         </p:nvSpPr>
-        <p:spPr bwMode="auto">
+        <p:spPr bwMode="invGray">
           <a:xfrm>
-            <a:off x="457200" y="6353175"/>
-            <a:ext cx="8229600" cy="0"/>
+            <a:off x="1014984" y="-54"/>
+            <a:ext cx="73152" cy="6858054"/>
           </a:xfrm>
-          <a:prstGeom prst="line">
+          <a:prstGeom prst="rect">
             <a:avLst/>
           </a:prstGeom>
-          <a:noFill/>
-          <a:ln w="9525" cap="flat" cmpd="sng" algn="ctr">
-            <a:solidFill>
-              <a:schemeClr val="accent2"/>
-            </a:solidFill>
-            <a:prstDash val="dash"/>
-            <a:round/>
-            <a:headEnd type="none" w="med" len="med"/>
-            <a:tailEnd type="none" w="med" len="med"/>
-          </a:ln>
-          <a:effectLst/>
-        </p:spPr>
-        <p:txBody>
-          <a:bodyPr vert="horz" wrap="square" lIns="91440" tIns="45720" rIns="91440" bIns="45720" anchor="t" compatLnSpc="1"/>
-          <a:lstStyle/>
-          <a:p>
-            <a:endParaRPr kumimoji="0" lang="en-US"/>
-          </a:p>
-        </p:txBody>
-      </p:sp>
-      <p:sp>
-        <p:nvSpPr>
-          <p:cNvPr id="6" name="Равнобедренный треугольник 5"/>
-          <p:cNvSpPr>
-            <a:spLocks noChangeAspect="1"/>
-          </p:cNvSpPr>
-          <p:nvPr/>
-        </p:nvSpPr>
-        <p:spPr>
-          <a:xfrm rot="5400000">
-            <a:off x="419100" y="6467475"/>
-            <a:ext cx="190849" cy="120314"/>
-          </a:xfrm>
-          <a:prstGeom prst="triangle">
-            <a:avLst>
-              <a:gd name="adj" fmla="val 50000"/>
-            </a:avLst>
-          </a:prstGeom>
           <a:solidFill>
-            <a:schemeClr val="accent2"/>
+            <a:schemeClr val="bg1"/>
           </a:solidFill>
           <a:ln w="25400" cap="rnd" cmpd="sng" algn="ctr">
             <a:noFill/>
             <a:prstDash val="solid"/>
           </a:ln>
-          <a:effectLst/>
+          <a:effectLst>
+            <a:outerShdw blurRad="38550" dist="38000" dir="10800000" algn="tl" rotWithShape="0">
+              <a:schemeClr val="bg2">
+                <a:shade val="20000"/>
+                <a:satMod val="110000"/>
+                <a:alpha val="25000"/>
+              </a:schemeClr>
+            </a:outerShdw>
+          </a:effectLst>
         </p:spPr>
         <p:style>
           <a:lnRef idx="3">
@@ -8034,7 +8311,9 @@
         </p:style>
         <p:txBody>
           <a:bodyPr anchor="ctr"/>
-          <a:lstStyle/>
+          <a:lstStyle>
+            <a:extLst/>
+          </a:lstStyle>
           <a:p>
             <a:pPr algn="ctr" eaLnBrk="1" latinLnBrk="0" hangingPunct="1"/>
             <a:endParaRPr kumimoji="0" lang="en-US"/>
@@ -8046,6 +8325,9 @@
   <p:clrMapOvr>
     <a:masterClrMapping/>
   </p:clrMapOvr>
+  <p:transition>
+    <p:wipe dir="d"/>
+  </p:transition>
 </p:sldLayout>
 </file>
 
@@ -8078,26 +8360,24 @@
         </p:nvSpPr>
         <p:spPr>
           <a:xfrm>
-            <a:off x="6324600" y="304800"/>
-            <a:ext cx="2514600" cy="838200"/>
+            <a:off x="457200" y="216778"/>
+            <a:ext cx="3810000" cy="1162050"/>
           </a:xfrm>
+          <a:ln>
+            <a:noFill/>
+          </a:ln>
         </p:spPr>
         <p:txBody>
-          <a:bodyPr anchor="b" anchorCtr="0">
-            <a:noAutofit/>
-          </a:bodyPr>
+          <a:bodyPr anchor="b"/>
           <a:lstStyle>
             <a:lvl1pPr algn="l">
+              <a:lnSpc>
+                <a:spcPts val="2000"/>
+              </a:lnSpc>
               <a:buNone/>
-              <a:defRPr sz="2000" b="1">
-                <a:solidFill>
-                  <a:schemeClr val="tx2"/>
-                </a:solidFill>
-                <a:latin typeface="+mn-lt"/>
-                <a:ea typeface="+mn-ea"/>
-                <a:cs typeface="+mn-cs"/>
-              </a:defRPr>
+              <a:defRPr sz="2200" b="1" cap="all" baseline="0"/>
             </a:lvl1pPr>
+            <a:extLst/>
           </a:lstStyle>
           <a:p>
             <a:r>
@@ -8120,26 +8400,22 @@
         </p:nvSpPr>
         <p:spPr>
           <a:xfrm>
-            <a:off x="6324600" y="1219200"/>
-            <a:ext cx="2514600" cy="4843463"/>
+            <a:off x="457200" y="1406964"/>
+            <a:ext cx="3810000" cy="698500"/>
           </a:xfrm>
         </p:spPr>
         <p:txBody>
           <a:bodyPr/>
           <a:lstStyle>
-            <a:lvl1pPr marL="0" indent="0">
+            <a:lvl1pPr marL="45720" indent="0">
               <a:lnSpc>
-                <a:spcPts val="2200"/>
+                <a:spcPct val="100000"/>
               </a:lnSpc>
-              <a:spcAft>
-                <a:spcPts val="1000"/>
-              </a:spcAft>
+              <a:spcBef>
+                <a:spcPts val="0"/>
+              </a:spcBef>
               <a:buNone/>
-              <a:defRPr sz="1600">
-                <a:solidFill>
-                  <a:schemeClr val="tx2"/>
-                </a:solidFill>
-              </a:defRPr>
+              <a:defRPr sz="1400"/>
             </a:lvl1pPr>
             <a:lvl2pPr>
               <a:buNone/>
@@ -8157,6 +8433,7 @@
               <a:buNone/>
               <a:defRPr sz="900"/>
             </a:lvl5pPr>
+            <a:extLst/>
           </a:lstStyle>
           <a:p>
             <a:pPr lvl="0" eaLnBrk="1" latinLnBrk="0" hangingPunct="1"/>
@@ -8164,6 +8441,80 @@
               <a:rPr kumimoji="0" lang="ru-RU" smtClean="0"/>
               <a:t>Образец текста</a:t>
             </a:r>
+          </a:p>
+        </p:txBody>
+      </p:sp>
+      <p:sp>
+        <p:nvSpPr>
+          <p:cNvPr id="4" name="Содержимое 3"/>
+          <p:cNvSpPr>
+            <a:spLocks noGrp="1"/>
+          </p:cNvSpPr>
+          <p:nvPr>
+            <p:ph sz="half" idx="1"/>
+          </p:nvPr>
+        </p:nvSpPr>
+        <p:spPr>
+          <a:xfrm>
+            <a:off x="457200" y="2133600"/>
+            <a:ext cx="8153400" cy="3992563"/>
+          </a:xfrm>
+        </p:spPr>
+        <p:txBody>
+          <a:bodyPr/>
+          <a:lstStyle>
+            <a:lvl1pPr>
+              <a:defRPr sz="3200"/>
+            </a:lvl1pPr>
+            <a:lvl2pPr>
+              <a:defRPr sz="2800"/>
+            </a:lvl2pPr>
+            <a:lvl3pPr>
+              <a:defRPr sz="2400"/>
+            </a:lvl3pPr>
+            <a:lvl4pPr>
+              <a:defRPr sz="2000"/>
+            </a:lvl4pPr>
+            <a:lvl5pPr>
+              <a:defRPr sz="2000"/>
+            </a:lvl5pPr>
+            <a:extLst/>
+          </a:lstStyle>
+          <a:p>
+            <a:pPr lvl="0" eaLnBrk="1" latinLnBrk="0" hangingPunct="1"/>
+            <a:r>
+              <a:rPr lang="ru-RU" smtClean="0"/>
+              <a:t>Образец текста</a:t>
+            </a:r>
+          </a:p>
+          <a:p>
+            <a:pPr lvl="1" eaLnBrk="1" latinLnBrk="0" hangingPunct="1"/>
+            <a:r>
+              <a:rPr lang="ru-RU" smtClean="0"/>
+              <a:t>Второй уровень</a:t>
+            </a:r>
+          </a:p>
+          <a:p>
+            <a:pPr lvl="2" eaLnBrk="1" latinLnBrk="0" hangingPunct="1"/>
+            <a:r>
+              <a:rPr lang="ru-RU" smtClean="0"/>
+              <a:t>Третий уровень</a:t>
+            </a:r>
+          </a:p>
+          <a:p>
+            <a:pPr lvl="3" eaLnBrk="1" latinLnBrk="0" hangingPunct="1"/>
+            <a:r>
+              <a:rPr lang="ru-RU" smtClean="0"/>
+              <a:t>Четвертый уровень</a:t>
+            </a:r>
+          </a:p>
+          <a:p>
+            <a:pPr lvl="4" eaLnBrk="1" latinLnBrk="0" hangingPunct="1"/>
+            <a:r>
+              <a:rPr lang="ru-RU" smtClean="0"/>
+              <a:t>Пятый уровень</a:t>
+            </a:r>
+            <a:endParaRPr kumimoji="0" lang="en-US"/>
           </a:p>
         </p:txBody>
       </p:sp>
@@ -8180,11 +8531,14 @@
         <p:spPr/>
         <p:txBody>
           <a:bodyPr/>
-          <a:lstStyle/>
+          <a:lstStyle>
+            <a:extLst/>
+          </a:lstStyle>
           <a:p>
             <a:fld id="{95A63921-FD29-4E01-BF99-E0CCEFDDB2A0}" type="datetimeFigureOut">
               <a:rPr lang="ru-RU" smtClean="0"/>
-              <a:t>03.01.2016</a:t>
+              <a:pPr/>
+              <a:t>21.01.2016</a:t>
             </a:fld>
             <a:endParaRPr lang="ru-RU"/>
           </a:p>
@@ -8203,7 +8557,9 @@
         <p:spPr/>
         <p:txBody>
           <a:bodyPr/>
-          <a:lstStyle/>
+          <a:lstStyle>
+            <a:extLst/>
+          </a:lstStyle>
           <a:p>
             <a:endParaRPr lang="ru-RU"/>
           </a:p>
@@ -8222,192 +8578,16 @@
         <p:spPr/>
         <p:txBody>
           <a:bodyPr/>
-          <a:lstStyle/>
+          <a:lstStyle>
+            <a:extLst/>
+          </a:lstStyle>
           <a:p>
             <a:fld id="{40720B0D-0020-4991-AACD-5FFC9CE5C1D6}" type="slidenum">
               <a:rPr lang="ru-RU" smtClean="0"/>
+              <a:pPr/>
               <a:t>‹#›</a:t>
             </a:fld>
             <a:endParaRPr lang="ru-RU"/>
-          </a:p>
-        </p:txBody>
-      </p:sp>
-      <p:sp>
-        <p:nvSpPr>
-          <p:cNvPr id="8" name="Прямая соединительная линия 7"/>
-          <p:cNvSpPr>
-            <a:spLocks noChangeShapeType="1"/>
-          </p:cNvSpPr>
-          <p:nvPr/>
-        </p:nvSpPr>
-        <p:spPr bwMode="auto">
-          <a:xfrm>
-            <a:off x="457200" y="6353175"/>
-            <a:ext cx="8229600" cy="0"/>
-          </a:xfrm>
-          <a:prstGeom prst="line">
-            <a:avLst/>
-          </a:prstGeom>
-          <a:noFill/>
-          <a:ln w="9525" cap="flat" cmpd="sng" algn="ctr">
-            <a:solidFill>
-              <a:schemeClr val="accent2"/>
-            </a:solidFill>
-            <a:prstDash val="dash"/>
-            <a:round/>
-            <a:headEnd type="none" w="med" len="med"/>
-            <a:tailEnd type="none" w="med" len="med"/>
-          </a:ln>
-          <a:effectLst/>
-        </p:spPr>
-        <p:txBody>
-          <a:bodyPr vert="horz" wrap="square" lIns="91440" tIns="45720" rIns="91440" bIns="45720" anchor="t" compatLnSpc="1"/>
-          <a:lstStyle/>
-          <a:p>
-            <a:endParaRPr kumimoji="0" lang="en-US"/>
-          </a:p>
-        </p:txBody>
-      </p:sp>
-      <p:sp>
-        <p:nvSpPr>
-          <p:cNvPr id="10" name="Прямая соединительная линия 9"/>
-          <p:cNvSpPr>
-            <a:spLocks noChangeShapeType="1"/>
-          </p:cNvSpPr>
-          <p:nvPr/>
-        </p:nvSpPr>
-        <p:spPr bwMode="auto">
-          <a:xfrm rot="5400000">
-            <a:off x="3160645" y="3324225"/>
-            <a:ext cx="6035040" cy="0"/>
-          </a:xfrm>
-          <a:prstGeom prst="line">
-            <a:avLst/>
-          </a:prstGeom>
-          <a:noFill/>
-          <a:ln w="9525" cap="flat" cmpd="sng" algn="ctr">
-            <a:solidFill>
-              <a:schemeClr val="accent2"/>
-            </a:solidFill>
-            <a:prstDash val="dash"/>
-            <a:round/>
-            <a:headEnd type="none" w="med" len="med"/>
-            <a:tailEnd type="none" w="med" len="med"/>
-          </a:ln>
-          <a:effectLst/>
-        </p:spPr>
-        <p:txBody>
-          <a:bodyPr vert="horz" wrap="square" lIns="91440" tIns="45720" rIns="91440" bIns="45720" anchor="t" compatLnSpc="1"/>
-          <a:lstStyle/>
-          <a:p>
-            <a:endParaRPr kumimoji="0" lang="en-US" dirty="0"/>
-          </a:p>
-        </p:txBody>
-      </p:sp>
-      <p:sp>
-        <p:nvSpPr>
-          <p:cNvPr id="9" name="Равнобедренный треугольник 8"/>
-          <p:cNvSpPr>
-            <a:spLocks noChangeAspect="1"/>
-          </p:cNvSpPr>
-          <p:nvPr/>
-        </p:nvSpPr>
-        <p:spPr>
-          <a:xfrm rot="5400000">
-            <a:off x="419100" y="6467475"/>
-            <a:ext cx="190849" cy="120314"/>
-          </a:xfrm>
-          <a:prstGeom prst="triangle">
-            <a:avLst>
-              <a:gd name="adj" fmla="val 50000"/>
-            </a:avLst>
-          </a:prstGeom>
-          <a:solidFill>
-            <a:schemeClr val="accent2"/>
-          </a:solidFill>
-          <a:ln w="25400" cap="rnd" cmpd="sng" algn="ctr">
-            <a:noFill/>
-            <a:prstDash val="solid"/>
-          </a:ln>
-          <a:effectLst/>
-        </p:spPr>
-        <p:style>
-          <a:lnRef idx="3">
-            <a:schemeClr val="lt1"/>
-          </a:lnRef>
-          <a:fillRef idx="1">
-            <a:schemeClr val="accent1"/>
-          </a:fillRef>
-          <a:effectRef idx="1">
-            <a:schemeClr val="accent1"/>
-          </a:effectRef>
-          <a:fontRef idx="minor">
-            <a:schemeClr val="lt1"/>
-          </a:fontRef>
-        </p:style>
-        <p:txBody>
-          <a:bodyPr anchor="ctr"/>
-          <a:lstStyle/>
-          <a:p>
-            <a:pPr algn="ctr" eaLnBrk="1" latinLnBrk="0" hangingPunct="1"/>
-            <a:endParaRPr kumimoji="0" lang="en-US"/>
-          </a:p>
-        </p:txBody>
-      </p:sp>
-      <p:sp>
-        <p:nvSpPr>
-          <p:cNvPr id="12" name="Содержимое 11"/>
-          <p:cNvSpPr>
-            <a:spLocks noGrp="1"/>
-          </p:cNvSpPr>
-          <p:nvPr>
-            <p:ph sz="quarter" idx="1"/>
-          </p:nvPr>
-        </p:nvSpPr>
-        <p:spPr>
-          <a:xfrm>
-            <a:off x="304800" y="304800"/>
-            <a:ext cx="5715000" cy="5715000"/>
-          </a:xfrm>
-        </p:spPr>
-        <p:txBody>
-          <a:bodyPr/>
-          <a:lstStyle/>
-          <a:p>
-            <a:pPr lvl="0" eaLnBrk="1" latinLnBrk="0" hangingPunct="1"/>
-            <a:r>
-              <a:rPr lang="ru-RU" smtClean="0"/>
-              <a:t>Образец текста</a:t>
-            </a:r>
-          </a:p>
-          <a:p>
-            <a:pPr lvl="1" eaLnBrk="1" latinLnBrk="0" hangingPunct="1"/>
-            <a:r>
-              <a:rPr lang="ru-RU" smtClean="0"/>
-              <a:t>Второй уровень</a:t>
-            </a:r>
-          </a:p>
-          <a:p>
-            <a:pPr lvl="2" eaLnBrk="1" latinLnBrk="0" hangingPunct="1"/>
-            <a:r>
-              <a:rPr lang="ru-RU" smtClean="0"/>
-              <a:t>Третий уровень</a:t>
-            </a:r>
-          </a:p>
-          <a:p>
-            <a:pPr lvl="3" eaLnBrk="1" latinLnBrk="0" hangingPunct="1"/>
-            <a:r>
-              <a:rPr lang="ru-RU" smtClean="0"/>
-              <a:t>Четвертый уровень</a:t>
-            </a:r>
-          </a:p>
-          <a:p>
-            <a:pPr lvl="4" eaLnBrk="1" latinLnBrk="0" hangingPunct="1"/>
-            <a:r>
-              <a:rPr lang="ru-RU" smtClean="0"/>
-              <a:t>Пятый уровень</a:t>
-            </a:r>
-            <a:endParaRPr kumimoji="0" lang="en-US"/>
           </a:p>
         </p:txBody>
       </p:sp>
@@ -8416,17 +8596,15 @@
   <p:clrMapOvr>
     <a:masterClrMapping/>
   </p:clrMapOvr>
+  <p:transition>
+    <p:wipe dir="d"/>
+  </p:transition>
 </p:sldLayout>
 </file>
 
 <file path=ppt/slideLayouts/slideLayout9.xml><?xml version="1.0" encoding="utf-8"?>
 <p:sldLayout xmlns:a="http://schemas.openxmlformats.org/drawingml/2006/main" xmlns:r="http://schemas.openxmlformats.org/officeDocument/2006/relationships" xmlns:p="http://schemas.openxmlformats.org/presentationml/2006/main" showMasterSp="0" type="picTx" preserve="1">
   <p:cSld name="Рисунок с подписью">
-    <p:bg>
-      <p:bgRef idx="1001">
-        <a:schemeClr val="bg2"/>
-      </p:bgRef>
-    </p:bg>
     <p:spTree>
       <p:nvGrpSpPr>
         <p:cNvPr id="1" name=""/>
@@ -8453,124 +8631,29 @@
         </p:nvSpPr>
         <p:spPr>
           <a:xfrm>
-            <a:off x="457200" y="500856"/>
-            <a:ext cx="8229600" cy="674688"/>
-          </a:xfrm>
-          <a:ln>
-            <a:solidFill>
-              <a:schemeClr val="accent1"/>
-            </a:solidFill>
-          </a:ln>
-        </p:spPr>
-        <p:txBody>
-          <a:bodyPr lIns="274320" anchor="ctr"/>
-          <a:lstStyle>
-            <a:lvl1pPr algn="r">
-              <a:buNone/>
-              <a:defRPr sz="2000" b="0">
-                <a:solidFill>
-                  <a:schemeClr val="tx1"/>
-                </a:solidFill>
-              </a:defRPr>
-            </a:lvl1pPr>
-          </a:lstStyle>
-          <a:p>
-            <a:r>
-              <a:rPr kumimoji="0" lang="ru-RU" smtClean="0"/>
-              <a:t>Образец заголовка</a:t>
-            </a:r>
-            <a:endParaRPr kumimoji="0" lang="en-US"/>
-          </a:p>
-        </p:txBody>
-      </p:sp>
-      <p:sp>
-        <p:nvSpPr>
-          <p:cNvPr id="3" name="Рисунок 2"/>
-          <p:cNvSpPr>
-            <a:spLocks noGrp="1"/>
-          </p:cNvSpPr>
-          <p:nvPr>
-            <p:ph type="pic" idx="1"/>
-          </p:nvPr>
-        </p:nvSpPr>
-        <p:spPr>
-          <a:xfrm>
-            <a:off x="457200" y="1905000"/>
-            <a:ext cx="8229600" cy="4270248"/>
-          </a:xfrm>
-          <a:solidFill>
-            <a:schemeClr val="tx1">
-              <a:shade val="50000"/>
-            </a:schemeClr>
-          </a:solidFill>
-          <a:ln>
-            <a:noFill/>
-          </a:ln>
-          <a:effectLst/>
-        </p:spPr>
-        <p:txBody>
-          <a:bodyPr/>
-          <a:lstStyle>
-            <a:lvl1pPr marL="0" indent="0">
-              <a:spcBef>
-                <a:spcPts val="600"/>
-              </a:spcBef>
-              <a:buNone/>
-              <a:defRPr sz="3200"/>
-            </a:lvl1pPr>
-          </a:lstStyle>
-          <a:p>
-            <a:r>
-              <a:rPr kumimoji="0" lang="ru-RU" smtClean="0"/>
-              <a:t>Вставка рисунка</a:t>
-            </a:r>
-            <a:endParaRPr kumimoji="0" lang="en-US" dirty="0"/>
-          </a:p>
-        </p:txBody>
-      </p:sp>
-      <p:sp>
-        <p:nvSpPr>
-          <p:cNvPr id="4" name="Текст 3"/>
-          <p:cNvSpPr>
-            <a:spLocks noGrp="1"/>
-          </p:cNvSpPr>
-          <p:nvPr>
-            <p:ph type="body" sz="half" idx="2"/>
-          </p:nvPr>
-        </p:nvSpPr>
-        <p:spPr>
-          <a:xfrm>
-            <a:off x="457200" y="1219200"/>
-            <a:ext cx="8229600" cy="533400"/>
+            <a:off x="5886896" y="1066800"/>
+            <a:ext cx="2743200" cy="1981200"/>
           </a:xfrm>
         </p:spPr>
         <p:txBody>
-          <a:bodyPr anchor="ctr" anchorCtr="0"/>
+          <a:bodyPr anchor="b">
+            <a:noAutofit/>
+          </a:bodyPr>
           <a:lstStyle>
-            <a:lvl1pPr marL="0" indent="0" algn="l">
-              <a:buFontTx/>
+            <a:lvl1pPr algn="l">
               <a:buNone/>
-              <a:defRPr sz="1400"/>
+              <a:defRPr sz="2100" b="1">
+                <a:effectLst/>
+              </a:defRPr>
             </a:lvl1pPr>
-            <a:lvl2pPr>
-              <a:defRPr sz="1200"/>
-            </a:lvl2pPr>
-            <a:lvl3pPr>
-              <a:defRPr sz="1000"/>
-            </a:lvl3pPr>
-            <a:lvl4pPr>
-              <a:defRPr sz="900"/>
-            </a:lvl4pPr>
-            <a:lvl5pPr>
-              <a:defRPr sz="900"/>
-            </a:lvl5pPr>
+            <a:extLst/>
           </a:lstStyle>
           <a:p>
-            <a:pPr lvl="0" eaLnBrk="1" latinLnBrk="0" hangingPunct="1"/>
             <a:r>
               <a:rPr kumimoji="0" lang="ru-RU" smtClean="0"/>
-              <a:t>Образец текста</a:t>
-            </a:r>
+              <a:t>Образец заголовка</a:t>
+            </a:r>
+            <a:endParaRPr kumimoji="0" lang="en-US"/>
           </a:p>
         </p:txBody>
       </p:sp>
@@ -8587,11 +8670,14 @@
         <p:spPr/>
         <p:txBody>
           <a:bodyPr/>
-          <a:lstStyle/>
+          <a:lstStyle>
+            <a:extLst/>
+          </a:lstStyle>
           <a:p>
             <a:fld id="{95A63921-FD29-4E01-BF99-E0CCEFDDB2A0}" type="datetimeFigureOut">
               <a:rPr lang="ru-RU" smtClean="0"/>
-              <a:t>03.01.2016</a:t>
+              <a:pPr/>
+              <a:t>21.01.2016</a:t>
             </a:fld>
             <a:endParaRPr lang="ru-RU"/>
           </a:p>
@@ -8610,7 +8696,9 @@
         <p:spPr/>
         <p:txBody>
           <a:bodyPr/>
-          <a:lstStyle/>
+          <a:lstStyle>
+            <a:extLst/>
+          </a:lstStyle>
           <a:p>
             <a:endParaRPr lang="ru-RU"/>
           </a:p>
@@ -8629,10 +8717,13 @@
         <p:spPr/>
         <p:txBody>
           <a:bodyPr/>
-          <a:lstStyle/>
+          <a:lstStyle>
+            <a:extLst/>
+          </a:lstStyle>
           <a:p>
             <a:fld id="{40720B0D-0020-4991-AACD-5FFC9CE5C1D6}" type="slidenum">
               <a:rPr lang="ru-RU" smtClean="0"/>
+              <a:pPr/>
               <a:t>‹#›</a:t>
             </a:fld>
             <a:endParaRPr lang="ru-RU"/>
@@ -8641,60 +8732,568 @@
       </p:sp>
       <p:sp>
         <p:nvSpPr>
-          <p:cNvPr id="8" name="Прямая соединительная линия 7"/>
-          <p:cNvSpPr>
-            <a:spLocks noChangeShapeType="1"/>
-          </p:cNvSpPr>
+          <p:cNvPr id="8" name="Прямоугольник 7"/>
+          <p:cNvSpPr/>
           <p:nvPr/>
         </p:nvSpPr>
-        <p:spPr bwMode="auto">
+        <p:spPr>
           <a:xfrm>
-            <a:off x="457200" y="6353175"/>
-            <a:ext cx="8229600" cy="0"/>
+            <a:off x="762000" y="1066800"/>
+            <a:ext cx="4572000" cy="4572000"/>
           </a:xfrm>
-          <a:prstGeom prst="line">
+          <a:prstGeom prst="rect">
             <a:avLst/>
           </a:prstGeom>
-          <a:noFill/>
-          <a:ln w="9525" cap="flat" cmpd="sng" algn="ctr">
+          <a:solidFill>
+            <a:srgbClr val="FFFFFF"/>
+          </a:solidFill>
+          <a:ln w="88900" cap="sq">
             <a:solidFill>
-              <a:schemeClr val="accent2"/>
+              <a:srgbClr val="FFFFFF"/>
             </a:solidFill>
-            <a:prstDash val="dash"/>
-            <a:round/>
-            <a:headEnd type="none" w="med" len="med"/>
-            <a:tailEnd type="none" w="med" len="med"/>
+            <a:miter lim="800000"/>
+          </a:ln>
+          <a:effectLst>
+            <a:outerShdw blurRad="55500" dist="18500" dir="5400000" algn="tl" rotWithShape="0">
+              <a:srgbClr val="000000">
+                <a:alpha val="35000"/>
+              </a:srgbClr>
+            </a:outerShdw>
+          </a:effectLst>
+          <a:scene3d>
+            <a:camera prst="orthographicFront"/>
+            <a:lightRig rig="twoPt" dir="t">
+              <a:rot lat="0" lon="0" rev="7200000"/>
+            </a:lightRig>
+          </a:scene3d>
+          <a:sp3d contourW="635">
+            <a:bevelT w="25400" h="19050"/>
+            <a:contourClr>
+              <a:srgbClr val="969696"/>
+            </a:contourClr>
+          </a:sp3d>
+        </p:spPr>
+        <p:txBody>
+          <a:bodyPr lIns="91440" tIns="274320" rtlCol="0" anchor="t">
+            <a:normAutofit/>
+          </a:bodyPr>
+          <a:lstStyle>
+            <a:extLst/>
+          </a:lstStyle>
+          <a:p>
+            <a:pPr marL="0" indent="-283464" algn="l" rtl="0" eaLnBrk="1" latinLnBrk="0" hangingPunct="1">
+              <a:lnSpc>
+                <a:spcPts val="3000"/>
+              </a:lnSpc>
+              <a:spcBef>
+                <a:spcPts val="600"/>
+              </a:spcBef>
+              <a:buClr>
+                <a:schemeClr val="accent1"/>
+              </a:buClr>
+              <a:buSzPct val="80000"/>
+              <a:buFont typeface="Wingdings 2"/>
+              <a:buNone/>
+            </a:pPr>
+            <a:endParaRPr kumimoji="0" lang="en-US" sz="3200" kern="1200">
+              <a:solidFill>
+                <a:schemeClr val="tx1"/>
+              </a:solidFill>
+              <a:latin typeface="+mn-lt"/>
+              <a:ea typeface="+mn-ea"/>
+              <a:cs typeface="+mn-cs"/>
+            </a:endParaRPr>
+          </a:p>
+        </p:txBody>
+      </p:sp>
+      <p:sp>
+        <p:nvSpPr>
+          <p:cNvPr id="3" name="Рисунок 2"/>
+          <p:cNvSpPr>
+            <a:spLocks noGrp="1"/>
+          </p:cNvSpPr>
+          <p:nvPr>
+            <p:ph type="pic" idx="1"/>
+          </p:nvPr>
+        </p:nvSpPr>
+        <p:spPr>
+          <a:xfrm>
+            <a:off x="838200" y="1143003"/>
+            <a:ext cx="4419600" cy="3514531"/>
+          </a:xfrm>
+          <a:prstGeom prst="roundRect">
+            <a:avLst>
+              <a:gd name="adj" fmla="val 783"/>
+            </a:avLst>
+          </a:prstGeom>
+          <a:solidFill>
+            <a:schemeClr val="bg2"/>
+          </a:solidFill>
+          <a:ln w="127000">
+            <a:noFill/>
+            <a:miter lim="800000"/>
           </a:ln>
           <a:effectLst/>
         </p:spPr>
         <p:txBody>
-          <a:bodyPr vert="horz" wrap="square" lIns="91440" tIns="45720" rIns="91440" bIns="45720" anchor="t" compatLnSpc="1"/>
-          <a:lstStyle/>
-          <a:p>
-            <a:endParaRPr kumimoji="0" lang="en-US"/>
+          <a:bodyPr lIns="91440" tIns="274320" anchor="t"/>
+          <a:lstStyle>
+            <a:lvl1pPr indent="0">
+              <a:buNone/>
+              <a:defRPr sz="3200"/>
+            </a:lvl1pPr>
+            <a:extLst/>
+          </a:lstStyle>
+          <a:p>
+            <a:pPr marL="0" algn="l" eaLnBrk="1" latinLnBrk="0" hangingPunct="1"/>
+            <a:r>
+              <a:rPr kumimoji="0" lang="ru-RU" smtClean="0"/>
+              <a:t>Вставка рисунка</a:t>
+            </a:r>
+            <a:endParaRPr kumimoji="0" lang="en-US" dirty="0"/>
           </a:p>
         </p:txBody>
       </p:sp>
       <p:sp>
         <p:nvSpPr>
-          <p:cNvPr id="9" name="Равнобедренный треугольник 8"/>
-          <p:cNvSpPr>
-            <a:spLocks noChangeAspect="1"/>
-          </p:cNvSpPr>
+          <p:cNvPr id="9" name="Блок-схема: процесс 8"/>
+          <p:cNvSpPr/>
           <p:nvPr/>
         </p:nvSpPr>
         <p:spPr>
-          <a:xfrm rot="5400000">
-            <a:off x="419100" y="6467475"/>
-            <a:ext cx="190849" cy="120314"/>
+          <a:xfrm rot="19468671">
+            <a:off x="396725" y="954341"/>
+            <a:ext cx="685800" cy="204310"/>
           </a:xfrm>
-          <a:prstGeom prst="triangle">
+          <a:prstGeom prst="flowChartProcess">
+            <a:avLst/>
+          </a:prstGeom>
+          <a:solidFill>
+            <a:srgbClr val="FBFBFB">
+              <a:alpha val="45098"/>
+            </a:srgbClr>
+          </a:solidFill>
+          <a:ln w="6350" cap="rnd" cmpd="sng" algn="ctr">
+            <a:solidFill>
+              <a:srgbClr val="FFFFFF">
+                <a:alpha val="100000"/>
+              </a:srgbClr>
+            </a:solidFill>
+            <a:prstDash val="solid"/>
+          </a:ln>
+          <a:effectLst>
+            <a:outerShdw blurRad="25400" dist="25400" dir="3300000" sx="96000" sy="96000" algn="tl" rotWithShape="0">
+              <a:schemeClr val="bg2">
+                <a:shade val="90000"/>
+                <a:satMod val="200000"/>
+                <a:alpha val="40000"/>
+              </a:schemeClr>
+            </a:outerShdw>
+          </a:effectLst>
+        </p:spPr>
+        <p:style>
+          <a:lnRef idx="3">
+            <a:schemeClr val="lt1"/>
+          </a:lnRef>
+          <a:fillRef idx="1">
+            <a:schemeClr val="accent1"/>
+          </a:fillRef>
+          <a:effectRef idx="1">
+            <a:schemeClr val="accent1"/>
+          </a:effectRef>
+          <a:fontRef idx="minor">
+            <a:schemeClr val="lt1"/>
+          </a:fontRef>
+        </p:style>
+        <p:txBody>
+          <a:bodyPr anchor="ctr"/>
+          <a:lstStyle>
+            <a:extLst/>
+          </a:lstStyle>
+          <a:p>
+            <a:pPr algn="ctr" eaLnBrk="1" latinLnBrk="0" hangingPunct="1"/>
+            <a:endParaRPr kumimoji="0" lang="en-US"/>
+          </a:p>
+        </p:txBody>
+      </p:sp>
+      <p:sp>
+        <p:nvSpPr>
+          <p:cNvPr id="10" name="Блок-схема: процесс 9"/>
+          <p:cNvSpPr/>
+          <p:nvPr/>
+        </p:nvSpPr>
+        <p:spPr>
+          <a:xfrm rot="2103354" flipH="1">
+            <a:off x="5003667" y="936786"/>
+            <a:ext cx="649224" cy="204310"/>
+          </a:xfrm>
+          <a:prstGeom prst="flowChartProcess">
+            <a:avLst/>
+          </a:prstGeom>
+          <a:solidFill>
+            <a:srgbClr val="FBFBFB">
+              <a:alpha val="45098"/>
+            </a:srgbClr>
+          </a:solidFill>
+          <a:ln w="6350" cap="rnd" cmpd="sng" algn="ctr">
+            <a:solidFill>
+              <a:srgbClr val="FFFFFF">
+                <a:alpha val="100000"/>
+              </a:srgbClr>
+            </a:solidFill>
+            <a:prstDash val="solid"/>
+          </a:ln>
+          <a:effectLst>
+            <a:outerShdw blurRad="25400" dist="25400" dir="3300000" sx="96000" sy="96000" algn="tl" rotWithShape="0">
+              <a:schemeClr val="bg2">
+                <a:alpha val="20000"/>
+              </a:schemeClr>
+            </a:outerShdw>
+          </a:effectLst>
+        </p:spPr>
+        <p:style>
+          <a:lnRef idx="3">
+            <a:schemeClr val="lt1"/>
+          </a:lnRef>
+          <a:fillRef idx="1">
+            <a:schemeClr val="accent1"/>
+          </a:fillRef>
+          <a:effectRef idx="1">
+            <a:schemeClr val="accent1"/>
+          </a:effectRef>
+          <a:fontRef idx="minor">
+            <a:schemeClr val="lt1"/>
+          </a:fontRef>
+        </p:style>
+        <p:txBody>
+          <a:bodyPr anchor="ctr"/>
+          <a:lstStyle>
+            <a:extLst/>
+          </a:lstStyle>
+          <a:p>
+            <a:pPr algn="ctr" eaLnBrk="1" latinLnBrk="0" hangingPunct="1"/>
+            <a:endParaRPr kumimoji="0" lang="en-US" dirty="0"/>
+          </a:p>
+        </p:txBody>
+      </p:sp>
+      <p:sp>
+        <p:nvSpPr>
+          <p:cNvPr id="4" name="Текст 3"/>
+          <p:cNvSpPr>
+            <a:spLocks noGrp="1"/>
+          </p:cNvSpPr>
+          <p:nvPr>
+            <p:ph type="body" sz="half" idx="2"/>
+          </p:nvPr>
+        </p:nvSpPr>
+        <p:spPr>
+          <a:xfrm>
+            <a:off x="838200" y="4800600"/>
+            <a:ext cx="4419600" cy="762000"/>
+          </a:xfrm>
+        </p:spPr>
+        <p:txBody>
+          <a:bodyPr anchor="ctr"/>
+          <a:lstStyle>
+            <a:lvl1pPr marL="0" indent="0" algn="l">
+              <a:lnSpc>
+                <a:spcPts val="1600"/>
+              </a:lnSpc>
+              <a:spcBef>
+                <a:spcPts val="0"/>
+              </a:spcBef>
+              <a:buNone/>
+              <a:defRPr sz="1400">
+                <a:solidFill>
+                  <a:srgbClr val="777777"/>
+                </a:solidFill>
+              </a:defRPr>
+            </a:lvl1pPr>
+            <a:lvl2pPr>
+              <a:defRPr sz="1200"/>
+            </a:lvl2pPr>
+            <a:lvl3pPr>
+              <a:defRPr sz="1000"/>
+            </a:lvl3pPr>
+            <a:lvl4pPr>
+              <a:defRPr sz="900"/>
+            </a:lvl4pPr>
+            <a:lvl5pPr>
+              <a:defRPr sz="900"/>
+            </a:lvl5pPr>
+            <a:extLst/>
+          </a:lstStyle>
+          <a:p>
+            <a:pPr lvl="0" eaLnBrk="1" latinLnBrk="0" hangingPunct="1"/>
+            <a:r>
+              <a:rPr kumimoji="0" lang="ru-RU" smtClean="0"/>
+              <a:t>Образец текста</a:t>
+            </a:r>
+          </a:p>
+        </p:txBody>
+      </p:sp>
+    </p:spTree>
+  </p:cSld>
+  <p:clrMapOvr>
+    <a:masterClrMapping/>
+  </p:clrMapOvr>
+  <p:transition>
+    <p:wipe dir="d"/>
+  </p:transition>
+</p:sldLayout>
+</file>
+
+<file path=ppt/slideMasters/slideMaster1.xml><?xml version="1.0" encoding="utf-8"?>
+<p:sldMaster xmlns:a="http://schemas.openxmlformats.org/drawingml/2006/main" xmlns:r="http://schemas.openxmlformats.org/officeDocument/2006/relationships" xmlns:p="http://schemas.openxmlformats.org/presentationml/2006/main">
+  <p:cSld>
+    <p:bg>
+      <p:bgRef idx="1003">
+        <a:schemeClr val="bg2"/>
+      </p:bgRef>
+    </p:bg>
+    <p:spTree>
+      <p:nvGrpSpPr>
+        <p:cNvPr id="1" name=""/>
+        <p:cNvGrpSpPr/>
+        <p:nvPr/>
+      </p:nvGrpSpPr>
+      <p:grpSpPr>
+        <a:xfrm>
+          <a:off x="0" y="0"/>
+          <a:ext cx="0" cy="0"/>
+          <a:chOff x="0" y="0"/>
+          <a:chExt cx="0" cy="0"/>
+        </a:xfrm>
+      </p:grpSpPr>
+      <p:sp>
+        <p:nvSpPr>
+          <p:cNvPr id="7" name="Пирог 6"/>
+          <p:cNvSpPr/>
+          <p:nvPr/>
+        </p:nvSpPr>
+        <p:spPr>
+          <a:xfrm>
+            <a:off x="-815927" y="-815922"/>
+            <a:ext cx="1638887" cy="1638887"/>
+          </a:xfrm>
+          <a:prstGeom prst="pie">
             <a:avLst>
-              <a:gd name="adj" fmla="val 50000"/>
+              <a:gd name="adj1" fmla="val 0"/>
+              <a:gd name="adj2" fmla="val 5402120"/>
             </a:avLst>
           </a:prstGeom>
           <a:solidFill>
-            <a:schemeClr val="accent2"/>
+            <a:schemeClr val="bg2">
+              <a:tint val="18000"/>
+              <a:satMod val="220000"/>
+              <a:alpha val="33000"/>
+            </a:schemeClr>
+          </a:solidFill>
+          <a:ln w="3175" cap="rnd" cmpd="sng" algn="ctr">
+            <a:solidFill>
+              <a:schemeClr val="bg2">
+                <a:shade val="70000"/>
+                <a:satMod val="200000"/>
+                <a:alpha val="100000"/>
+              </a:schemeClr>
+            </a:solidFill>
+            <a:prstDash val="solid"/>
+          </a:ln>
+          <a:effectLst/>
+        </p:spPr>
+        <p:style>
+          <a:lnRef idx="3">
+            <a:schemeClr val="lt1"/>
+          </a:lnRef>
+          <a:fillRef idx="1">
+            <a:schemeClr val="accent1"/>
+          </a:fillRef>
+          <a:effectRef idx="1">
+            <a:schemeClr val="accent1"/>
+          </a:effectRef>
+          <a:fontRef idx="minor">
+            <a:schemeClr val="lt1"/>
+          </a:fontRef>
+        </p:style>
+        <p:txBody>
+          <a:bodyPr anchor="ctr"/>
+          <a:lstStyle>
+            <a:extLst/>
+          </a:lstStyle>
+          <a:p>
+            <a:pPr algn="ctr" eaLnBrk="1" latinLnBrk="0" hangingPunct="1"/>
+            <a:endParaRPr kumimoji="0" lang="en-US"/>
+          </a:p>
+        </p:txBody>
+      </p:sp>
+      <p:sp>
+        <p:nvSpPr>
+          <p:cNvPr id="8" name="Овал 7"/>
+          <p:cNvSpPr/>
+          <p:nvPr/>
+        </p:nvSpPr>
+        <p:spPr>
+          <a:xfrm>
+            <a:off x="168816" y="21102"/>
+            <a:ext cx="1702191" cy="1702191"/>
+          </a:xfrm>
+          <a:prstGeom prst="ellipse">
+            <a:avLst/>
+          </a:prstGeom>
+          <a:noFill/>
+          <a:ln w="27305" cap="rnd" cmpd="sng" algn="ctr">
+            <a:solidFill>
+              <a:schemeClr val="bg2">
+                <a:tint val="45000"/>
+                <a:satMod val="325000"/>
+                <a:alpha val="100000"/>
+              </a:schemeClr>
+            </a:solidFill>
+            <a:prstDash val="solid"/>
+          </a:ln>
+          <a:effectLst>
+            <a:outerShdw blurRad="25400" dist="25400" dir="5400000" algn="tl" rotWithShape="0">
+              <a:schemeClr val="bg2">
+                <a:shade val="50000"/>
+                <a:satMod val="150000"/>
+                <a:alpha val="85000"/>
+              </a:schemeClr>
+            </a:outerShdw>
+          </a:effectLst>
+        </p:spPr>
+        <p:style>
+          <a:lnRef idx="3">
+            <a:schemeClr val="lt1"/>
+          </a:lnRef>
+          <a:fillRef idx="1">
+            <a:schemeClr val="accent1"/>
+          </a:fillRef>
+          <a:effectRef idx="1">
+            <a:schemeClr val="accent1"/>
+          </a:effectRef>
+          <a:fontRef idx="minor">
+            <a:schemeClr val="lt1"/>
+          </a:fontRef>
+        </p:style>
+        <p:txBody>
+          <a:bodyPr anchor="ctr"/>
+          <a:lstStyle>
+            <a:extLst/>
+          </a:lstStyle>
+          <a:p>
+            <a:pPr algn="ctr" eaLnBrk="1" latinLnBrk="0" hangingPunct="1"/>
+            <a:endParaRPr kumimoji="0" lang="en-US"/>
+          </a:p>
+        </p:txBody>
+      </p:sp>
+      <p:sp>
+        <p:nvSpPr>
+          <p:cNvPr id="11" name="Кольцо 10"/>
+          <p:cNvSpPr/>
+          <p:nvPr/>
+        </p:nvSpPr>
+        <p:spPr>
+          <a:xfrm rot="2315675">
+            <a:off x="182881" y="1055077"/>
+            <a:ext cx="1125717" cy="1102624"/>
+          </a:xfrm>
+          <a:prstGeom prst="donut">
+            <a:avLst>
+              <a:gd name="adj" fmla="val 11833"/>
+            </a:avLst>
+          </a:prstGeom>
+          <a:gradFill rotWithShape="1">
+            <a:gsLst>
+              <a:gs pos="0">
+                <a:schemeClr val="bg2">
+                  <a:tint val="10000"/>
+                  <a:shade val="99000"/>
+                  <a:satMod val="355000"/>
+                  <a:alpha val="70000"/>
+                </a:schemeClr>
+              </a:gs>
+              <a:gs pos="70000">
+                <a:schemeClr val="bg2">
+                  <a:tint val="6000"/>
+                  <a:shade val="100000"/>
+                  <a:satMod val="400000"/>
+                  <a:alpha val="55000"/>
+                </a:schemeClr>
+              </a:gs>
+              <a:gs pos="100000">
+                <a:schemeClr val="bg2">
+                  <a:tint val="100000"/>
+                  <a:shade val="75000"/>
+                  <a:satMod val="370000"/>
+                  <a:alpha val="60000"/>
+                </a:schemeClr>
+              </a:gs>
+            </a:gsLst>
+            <a:path path="circle">
+              <a:fillToRect l="-407500" t="-50000" r="507500" b="150000"/>
+            </a:path>
+          </a:gradFill>
+          <a:ln w="7350" cap="rnd" cmpd="sng" algn="ctr">
+            <a:solidFill>
+              <a:schemeClr val="bg2">
+                <a:shade val="60000"/>
+                <a:satMod val="220000"/>
+                <a:alpha val="100000"/>
+              </a:schemeClr>
+            </a:solidFill>
+            <a:prstDash val="solid"/>
+          </a:ln>
+          <a:effectLst>
+            <a:outerShdw blurRad="12700" dist="15000" dir="4500000" algn="tl" rotWithShape="0">
+              <a:schemeClr val="bg2">
+                <a:shade val="10000"/>
+                <a:satMod val="200000"/>
+                <a:alpha val="35000"/>
+              </a:schemeClr>
+            </a:outerShdw>
+          </a:effectLst>
+        </p:spPr>
+        <p:style>
+          <a:lnRef idx="3">
+            <a:schemeClr val="lt1"/>
+          </a:lnRef>
+          <a:fillRef idx="1">
+            <a:schemeClr val="accent1"/>
+          </a:fillRef>
+          <a:effectRef idx="1">
+            <a:schemeClr val="accent1"/>
+          </a:effectRef>
+          <a:fontRef idx="minor">
+            <a:schemeClr val="lt1"/>
+          </a:fontRef>
+        </p:style>
+        <p:txBody>
+          <a:bodyPr anchor="ctr"/>
+          <a:lstStyle>
+            <a:extLst/>
+          </a:lstStyle>
+          <a:p>
+            <a:pPr algn="ctr" eaLnBrk="1" latinLnBrk="0" hangingPunct="1"/>
+            <a:endParaRPr kumimoji="0" lang="en-US"/>
+          </a:p>
+        </p:txBody>
+      </p:sp>
+      <p:sp>
+        <p:nvSpPr>
+          <p:cNvPr id="12" name="Прямоугольник 11"/>
+          <p:cNvSpPr/>
+          <p:nvPr/>
+        </p:nvSpPr>
+        <p:spPr>
+          <a:xfrm>
+            <a:off x="1012873" y="-54"/>
+            <a:ext cx="8131127" cy="6858054"/>
+          </a:xfrm>
+          <a:prstGeom prst="rect">
+            <a:avLst/>
+          </a:prstGeom>
+          <a:solidFill>
+            <a:schemeClr val="bg1"/>
           </a:solidFill>
           <a:ln w="25400" cap="rnd" cmpd="sng" algn="ctr">
             <a:noFill/>
@@ -8718,7 +9317,9 @@
         </p:style>
         <p:txBody>
           <a:bodyPr anchor="ctr"/>
-          <a:lstStyle/>
+          <a:lstStyle>
+            <a:extLst/>
+          </a:lstStyle>
           <a:p>
             <a:pPr algn="ctr" eaLnBrk="1" latinLnBrk="0" hangingPunct="1"/>
             <a:endParaRPr kumimoji="0" lang="en-US"/>
@@ -8727,26 +9328,262 @@
       </p:sp>
       <p:sp>
         <p:nvSpPr>
-          <p:cNvPr id="10" name="Прямоугольник 9"/>
+          <p:cNvPr id="5" name="Заголовок 4"/>
+          <p:cNvSpPr>
+            <a:spLocks noGrp="1"/>
+          </p:cNvSpPr>
+          <p:nvPr>
+            <p:ph type="title"/>
+          </p:nvPr>
+        </p:nvSpPr>
+        <p:spPr>
+          <a:xfrm>
+            <a:off x="1435608" y="274638"/>
+            <a:ext cx="7498080" cy="1143000"/>
+          </a:xfrm>
+          <a:prstGeom prst="rect">
+            <a:avLst/>
+          </a:prstGeom>
+        </p:spPr>
+        <p:txBody>
+          <a:bodyPr anchor="ctr">
+            <a:normAutofit/>
+          </a:bodyPr>
+          <a:lstStyle>
+            <a:extLst/>
+          </a:lstStyle>
+          <a:p>
+            <a:r>
+              <a:rPr kumimoji="0" lang="ru-RU" smtClean="0"/>
+              <a:t>Образец заголовка</a:t>
+            </a:r>
+            <a:endParaRPr kumimoji="0" lang="en-US"/>
+          </a:p>
+        </p:txBody>
+      </p:sp>
+      <p:sp>
+        <p:nvSpPr>
+          <p:cNvPr id="9" name="Текст 8"/>
+          <p:cNvSpPr>
+            <a:spLocks noGrp="1"/>
+          </p:cNvSpPr>
+          <p:nvPr>
+            <p:ph type="body" idx="1"/>
+          </p:nvPr>
+        </p:nvSpPr>
+        <p:spPr>
+          <a:xfrm>
+            <a:off x="1435608" y="1447800"/>
+            <a:ext cx="7498080" cy="4800600"/>
+          </a:xfrm>
+          <a:prstGeom prst="rect">
+            <a:avLst/>
+          </a:prstGeom>
+        </p:spPr>
+        <p:txBody>
+          <a:bodyPr>
+            <a:normAutofit/>
+          </a:bodyPr>
+          <a:lstStyle>
+            <a:extLst/>
+          </a:lstStyle>
+          <a:p>
+            <a:pPr lvl="0" eaLnBrk="1" latinLnBrk="0" hangingPunct="1"/>
+            <a:r>
+              <a:rPr kumimoji="0" lang="ru-RU" smtClean="0"/>
+              <a:t>Образец текста</a:t>
+            </a:r>
+          </a:p>
+          <a:p>
+            <a:pPr lvl="1" eaLnBrk="1" latinLnBrk="0" hangingPunct="1"/>
+            <a:r>
+              <a:rPr kumimoji="0" lang="ru-RU" smtClean="0"/>
+              <a:t>Второй уровень</a:t>
+            </a:r>
+          </a:p>
+          <a:p>
+            <a:pPr lvl="2" eaLnBrk="1" latinLnBrk="0" hangingPunct="1"/>
+            <a:r>
+              <a:rPr kumimoji="0" lang="ru-RU" smtClean="0"/>
+              <a:t>Третий уровень</a:t>
+            </a:r>
+          </a:p>
+          <a:p>
+            <a:pPr lvl="3" eaLnBrk="1" latinLnBrk="0" hangingPunct="1"/>
+            <a:r>
+              <a:rPr kumimoji="0" lang="ru-RU" smtClean="0"/>
+              <a:t>Четвертый уровень</a:t>
+            </a:r>
+          </a:p>
+          <a:p>
+            <a:pPr lvl="4" eaLnBrk="1" latinLnBrk="0" hangingPunct="1"/>
+            <a:r>
+              <a:rPr kumimoji="0" lang="ru-RU" smtClean="0"/>
+              <a:t>Пятый уровень</a:t>
+            </a:r>
+            <a:endParaRPr kumimoji="0" lang="en-US"/>
+          </a:p>
+        </p:txBody>
+      </p:sp>
+      <p:sp>
+        <p:nvSpPr>
+          <p:cNvPr id="24" name="Дата 23"/>
+          <p:cNvSpPr>
+            <a:spLocks noGrp="1"/>
+          </p:cNvSpPr>
+          <p:nvPr>
+            <p:ph type="dt" sz="half" idx="2"/>
+          </p:nvPr>
+        </p:nvSpPr>
+        <p:spPr>
+          <a:xfrm>
+            <a:off x="3581400" y="6305550"/>
+            <a:ext cx="2133600" cy="476250"/>
+          </a:xfrm>
+          <a:prstGeom prst="rect">
+            <a:avLst/>
+          </a:prstGeom>
+        </p:spPr>
+        <p:txBody>
+          <a:bodyPr anchor="b"/>
+          <a:lstStyle>
+            <a:lvl1pPr algn="r" eaLnBrk="1" latinLnBrk="0" hangingPunct="1">
+              <a:defRPr kumimoji="0" sz="1200">
+                <a:solidFill>
+                  <a:schemeClr val="bg2">
+                    <a:shade val="50000"/>
+                    <a:satMod val="200000"/>
+                  </a:schemeClr>
+                </a:solidFill>
+              </a:defRPr>
+            </a:lvl1pPr>
+            <a:extLst/>
+          </a:lstStyle>
+          <a:p>
+            <a:fld id="{95A63921-FD29-4E01-BF99-E0CCEFDDB2A0}" type="datetimeFigureOut">
+              <a:rPr lang="ru-RU" smtClean="0"/>
+              <a:pPr/>
+              <a:t>21.01.2016</a:t>
+            </a:fld>
+            <a:endParaRPr lang="ru-RU"/>
+          </a:p>
+        </p:txBody>
+      </p:sp>
+      <p:sp>
+        <p:nvSpPr>
+          <p:cNvPr id="10" name="Нижний колонтитул 9"/>
+          <p:cNvSpPr>
+            <a:spLocks noGrp="1"/>
+          </p:cNvSpPr>
+          <p:nvPr>
+            <p:ph type="ftr" sz="quarter" idx="3"/>
+          </p:nvPr>
+        </p:nvSpPr>
+        <p:spPr>
+          <a:xfrm>
+            <a:off x="5715000" y="6305550"/>
+            <a:ext cx="2895600" cy="476250"/>
+          </a:xfrm>
+          <a:prstGeom prst="rect">
+            <a:avLst/>
+          </a:prstGeom>
+        </p:spPr>
+        <p:txBody>
+          <a:bodyPr anchor="b"/>
+          <a:lstStyle>
+            <a:lvl1pPr eaLnBrk="1" latinLnBrk="0" hangingPunct="1">
+              <a:defRPr kumimoji="0" sz="1200">
+                <a:solidFill>
+                  <a:schemeClr val="bg2">
+                    <a:shade val="50000"/>
+                    <a:satMod val="200000"/>
+                  </a:schemeClr>
+                </a:solidFill>
+                <a:effectLst/>
+              </a:defRPr>
+            </a:lvl1pPr>
+            <a:extLst/>
+          </a:lstStyle>
+          <a:p>
+            <a:endParaRPr lang="ru-RU"/>
+          </a:p>
+        </p:txBody>
+      </p:sp>
+      <p:sp>
+        <p:nvSpPr>
+          <p:cNvPr id="22" name="Номер слайда 21"/>
+          <p:cNvSpPr>
+            <a:spLocks noGrp="1"/>
+          </p:cNvSpPr>
+          <p:nvPr>
+            <p:ph type="sldNum" sz="quarter" idx="4"/>
+          </p:nvPr>
+        </p:nvSpPr>
+        <p:spPr>
+          <a:xfrm>
+            <a:off x="8613648" y="6305550"/>
+            <a:ext cx="457200" cy="476250"/>
+          </a:xfrm>
+          <a:prstGeom prst="rect">
+            <a:avLst/>
+          </a:prstGeom>
+        </p:spPr>
+        <p:txBody>
+          <a:bodyPr anchor="b"/>
+          <a:lstStyle>
+            <a:lvl1pPr algn="ctr" eaLnBrk="1" latinLnBrk="0" hangingPunct="1">
+              <a:defRPr kumimoji="0" sz="1200">
+                <a:solidFill>
+                  <a:schemeClr val="bg2">
+                    <a:shade val="50000"/>
+                    <a:satMod val="200000"/>
+                  </a:schemeClr>
+                </a:solidFill>
+                <a:effectLst/>
+              </a:defRPr>
+            </a:lvl1pPr>
+            <a:extLst/>
+          </a:lstStyle>
+          <a:p>
+            <a:fld id="{40720B0D-0020-4991-AACD-5FFC9CE5C1D6}" type="slidenum">
+              <a:rPr lang="ru-RU" smtClean="0"/>
+              <a:pPr/>
+              <a:t>‹#›</a:t>
+            </a:fld>
+            <a:endParaRPr lang="ru-RU"/>
+          </a:p>
+        </p:txBody>
+      </p:sp>
+      <p:sp>
+        <p:nvSpPr>
+          <p:cNvPr id="15" name="Прямоугольник 14"/>
           <p:cNvSpPr/>
           <p:nvPr/>
         </p:nvSpPr>
-        <p:spPr>
+        <p:spPr bwMode="invGray">
           <a:xfrm>
-            <a:off x="457200" y="500856"/>
-            <a:ext cx="182880" cy="685800"/>
+            <a:off x="1014984" y="-54"/>
+            <a:ext cx="73152" cy="6858054"/>
           </a:xfrm>
           <a:prstGeom prst="rect">
             <a:avLst/>
           </a:prstGeom>
           <a:solidFill>
-            <a:schemeClr val="accent1"/>
+            <a:schemeClr val="bg1"/>
           </a:solidFill>
-          <a:ln w="6350" cap="rnd" cmpd="sng" algn="ctr">
+          <a:ln w="25400" cap="rnd" cmpd="sng" algn="ctr">
             <a:noFill/>
             <a:prstDash val="solid"/>
           </a:ln>
-          <a:effectLst/>
+          <a:effectLst>
+            <a:outerShdw blurRad="38550" dist="38000" dir="10800000" algn="tl" rotWithShape="0">
+              <a:schemeClr val="bg2">
+                <a:shade val="20000"/>
+                <a:satMod val="110000"/>
+                <a:alpha val="25000"/>
+              </a:schemeClr>
+            </a:outerShdw>
+          </a:effectLst>
         </p:spPr>
         <p:style>
           <a:lnRef idx="3">
@@ -8764,367 +9601,9 @@
         </p:style>
         <p:txBody>
           <a:bodyPr anchor="ctr"/>
-          <a:lstStyle/>
-          <a:p>
-            <a:pPr algn="ctr" eaLnBrk="1" latinLnBrk="0" hangingPunct="1"/>
-            <a:endParaRPr kumimoji="0" lang="en-US"/>
-          </a:p>
-        </p:txBody>
-      </p:sp>
-    </p:spTree>
-  </p:cSld>
-  <p:clrMapOvr>
-    <a:overrideClrMapping bg1="dk1" tx1="lt1" bg2="dk2" tx2="lt2" accent1="accent1" accent2="accent2" accent3="accent3" accent4="accent4" accent5="accent5" accent6="accent6" hlink="hlink" folHlink="folHlink"/>
-  </p:clrMapOvr>
-</p:sldLayout>
-</file>
-
-<file path=ppt/slideMasters/slideMaster1.xml><?xml version="1.0" encoding="utf-8"?>
-<p:sldMaster xmlns:a="http://schemas.openxmlformats.org/drawingml/2006/main" xmlns:r="http://schemas.openxmlformats.org/officeDocument/2006/relationships" xmlns:p="http://schemas.openxmlformats.org/presentationml/2006/main">
-  <p:cSld>
-    <p:bg>
-      <p:bgRef idx="1001">
-        <a:schemeClr val="bg1"/>
-      </p:bgRef>
-    </p:bg>
-    <p:spTree>
-      <p:nvGrpSpPr>
-        <p:cNvPr id="1" name=""/>
-        <p:cNvGrpSpPr/>
-        <p:nvPr/>
-      </p:nvGrpSpPr>
-      <p:grpSpPr>
-        <a:xfrm>
-          <a:off x="0" y="0"/>
-          <a:ext cx="0" cy="0"/>
-          <a:chOff x="0" y="0"/>
-          <a:chExt cx="0" cy="0"/>
-        </a:xfrm>
-      </p:grpSpPr>
-      <p:sp>
-        <p:nvSpPr>
-          <p:cNvPr id="22" name="Заголовок 21"/>
-          <p:cNvSpPr>
-            <a:spLocks noGrp="1"/>
-          </p:cNvSpPr>
-          <p:nvPr>
-            <p:ph type="title"/>
-          </p:nvPr>
-        </p:nvSpPr>
-        <p:spPr>
-          <a:xfrm>
-            <a:off x="457200" y="152400"/>
-            <a:ext cx="8229600" cy="990600"/>
-          </a:xfrm>
-          <a:prstGeom prst="rect">
-            <a:avLst/>
-          </a:prstGeom>
-        </p:spPr>
-        <p:txBody>
-          <a:bodyPr vert="horz" anchor="b" anchorCtr="0">
-            <a:normAutofit/>
-          </a:bodyPr>
-          <a:lstStyle/>
-          <a:p>
-            <a:r>
-              <a:rPr kumimoji="0" lang="ru-RU" smtClean="0"/>
-              <a:t>Образец заголовка</a:t>
-            </a:r>
-            <a:endParaRPr kumimoji="0" lang="en-US"/>
-          </a:p>
-        </p:txBody>
-      </p:sp>
-      <p:sp>
-        <p:nvSpPr>
-          <p:cNvPr id="13" name="Текст 12"/>
-          <p:cNvSpPr>
-            <a:spLocks noGrp="1"/>
-          </p:cNvSpPr>
-          <p:nvPr>
-            <p:ph type="body" idx="1"/>
-          </p:nvPr>
-        </p:nvSpPr>
-        <p:spPr>
-          <a:xfrm>
-            <a:off x="457200" y="1219200"/>
-            <a:ext cx="8229600" cy="4910328"/>
-          </a:xfrm>
-          <a:prstGeom prst="rect">
-            <a:avLst/>
-          </a:prstGeom>
-        </p:spPr>
-        <p:txBody>
-          <a:bodyPr vert="horz">
-            <a:normAutofit/>
-          </a:bodyPr>
-          <a:lstStyle/>
-          <a:p>
-            <a:pPr lvl="0" eaLnBrk="1" latinLnBrk="0" hangingPunct="1"/>
-            <a:r>
-              <a:rPr kumimoji="0" lang="ru-RU" smtClean="0"/>
-              <a:t>Образец текста</a:t>
-            </a:r>
-          </a:p>
-          <a:p>
-            <a:pPr lvl="1" eaLnBrk="1" latinLnBrk="0" hangingPunct="1"/>
-            <a:r>
-              <a:rPr kumimoji="0" lang="ru-RU" smtClean="0"/>
-              <a:t>Второй уровень</a:t>
-            </a:r>
-          </a:p>
-          <a:p>
-            <a:pPr lvl="2" eaLnBrk="1" latinLnBrk="0" hangingPunct="1"/>
-            <a:r>
-              <a:rPr kumimoji="0" lang="ru-RU" smtClean="0"/>
-              <a:t>Третий уровень</a:t>
-            </a:r>
-          </a:p>
-          <a:p>
-            <a:pPr lvl="3" eaLnBrk="1" latinLnBrk="0" hangingPunct="1"/>
-            <a:r>
-              <a:rPr kumimoji="0" lang="ru-RU" smtClean="0"/>
-              <a:t>Четвертый уровень</a:t>
-            </a:r>
-          </a:p>
-          <a:p>
-            <a:pPr lvl="4" eaLnBrk="1" latinLnBrk="0" hangingPunct="1"/>
-            <a:r>
-              <a:rPr kumimoji="0" lang="ru-RU" smtClean="0"/>
-              <a:t>Пятый уровень</a:t>
-            </a:r>
-            <a:endParaRPr kumimoji="0" lang="en-US"/>
-          </a:p>
-        </p:txBody>
-      </p:sp>
-      <p:sp>
-        <p:nvSpPr>
-          <p:cNvPr id="14" name="Дата 13"/>
-          <p:cNvSpPr>
-            <a:spLocks noGrp="1"/>
-          </p:cNvSpPr>
-          <p:nvPr>
-            <p:ph type="dt" sz="half" idx="2"/>
-          </p:nvPr>
-        </p:nvSpPr>
-        <p:spPr>
-          <a:xfrm>
-            <a:off x="6400800" y="6356350"/>
-            <a:ext cx="2289048" cy="365760"/>
-          </a:xfrm>
-          <a:prstGeom prst="rect">
-            <a:avLst/>
-          </a:prstGeom>
-        </p:spPr>
-        <p:txBody>
-          <a:bodyPr vert="horz"/>
           <a:lstStyle>
-            <a:lvl1pPr algn="l" eaLnBrk="1" latinLnBrk="0" hangingPunct="1">
-              <a:defRPr kumimoji="0" sz="1400">
-                <a:solidFill>
-                  <a:schemeClr val="tx2"/>
-                </a:solidFill>
-              </a:defRPr>
-            </a:lvl1pPr>
+            <a:extLst/>
           </a:lstStyle>
-          <a:p>
-            <a:fld id="{95A63921-FD29-4E01-BF99-E0CCEFDDB2A0}" type="datetimeFigureOut">
-              <a:rPr lang="ru-RU" smtClean="0"/>
-              <a:t>03.01.2016</a:t>
-            </a:fld>
-            <a:endParaRPr lang="ru-RU"/>
-          </a:p>
-        </p:txBody>
-      </p:sp>
-      <p:sp>
-        <p:nvSpPr>
-          <p:cNvPr id="3" name="Нижний колонтитул 2"/>
-          <p:cNvSpPr>
-            <a:spLocks noGrp="1"/>
-          </p:cNvSpPr>
-          <p:nvPr>
-            <p:ph type="ftr" sz="quarter" idx="3"/>
-          </p:nvPr>
-        </p:nvSpPr>
-        <p:spPr>
-          <a:xfrm>
-            <a:off x="2898648" y="6356350"/>
-            <a:ext cx="3505200" cy="365760"/>
-          </a:xfrm>
-          <a:prstGeom prst="rect">
-            <a:avLst/>
-          </a:prstGeom>
-        </p:spPr>
-        <p:txBody>
-          <a:bodyPr vert="horz"/>
-          <a:lstStyle>
-            <a:lvl1pPr algn="r" eaLnBrk="1" latinLnBrk="0" hangingPunct="1">
-              <a:defRPr kumimoji="0" sz="1400">
-                <a:solidFill>
-                  <a:schemeClr val="tx2"/>
-                </a:solidFill>
-              </a:defRPr>
-            </a:lvl1pPr>
-          </a:lstStyle>
-          <a:p>
-            <a:endParaRPr lang="ru-RU"/>
-          </a:p>
-        </p:txBody>
-      </p:sp>
-      <p:sp>
-        <p:nvSpPr>
-          <p:cNvPr id="23" name="Номер слайда 22"/>
-          <p:cNvSpPr>
-            <a:spLocks noGrp="1"/>
-          </p:cNvSpPr>
-          <p:nvPr>
-            <p:ph type="sldNum" sz="quarter" idx="4"/>
-          </p:nvPr>
-        </p:nvSpPr>
-        <p:spPr>
-          <a:xfrm>
-            <a:off x="612648" y="6356350"/>
-            <a:ext cx="1981200" cy="365760"/>
-          </a:xfrm>
-          <a:prstGeom prst="rect">
-            <a:avLst/>
-          </a:prstGeom>
-        </p:spPr>
-        <p:txBody>
-          <a:bodyPr vert="horz"/>
-          <a:lstStyle>
-            <a:lvl1pPr algn="l" eaLnBrk="1" latinLnBrk="0" hangingPunct="1">
-              <a:defRPr kumimoji="0" sz="1400">
-                <a:solidFill>
-                  <a:schemeClr val="tx2"/>
-                </a:solidFill>
-              </a:defRPr>
-            </a:lvl1pPr>
-          </a:lstStyle>
-          <a:p>
-            <a:fld id="{40720B0D-0020-4991-AACD-5FFC9CE5C1D6}" type="slidenum">
-              <a:rPr lang="ru-RU" smtClean="0"/>
-              <a:t>‹#›</a:t>
-            </a:fld>
-            <a:endParaRPr lang="ru-RU"/>
-          </a:p>
-        </p:txBody>
-      </p:sp>
-      <p:sp>
-        <p:nvSpPr>
-          <p:cNvPr id="28" name="Прямая соединительная линия 27"/>
-          <p:cNvSpPr>
-            <a:spLocks noChangeShapeType="1"/>
-          </p:cNvSpPr>
-          <p:nvPr/>
-        </p:nvSpPr>
-        <p:spPr bwMode="auto">
-          <a:xfrm>
-            <a:off x="457200" y="6353175"/>
-            <a:ext cx="8229600" cy="0"/>
-          </a:xfrm>
-          <a:prstGeom prst="line">
-            <a:avLst/>
-          </a:prstGeom>
-          <a:noFill/>
-          <a:ln w="9525" cap="flat" cmpd="sng" algn="ctr">
-            <a:solidFill>
-              <a:schemeClr val="accent2"/>
-            </a:solidFill>
-            <a:prstDash val="dash"/>
-            <a:round/>
-            <a:headEnd type="none" w="med" len="med"/>
-            <a:tailEnd type="none" w="med" len="med"/>
-          </a:ln>
-          <a:effectLst/>
-        </p:spPr>
-        <p:txBody>
-          <a:bodyPr vert="horz" wrap="square" lIns="91440" tIns="45720" rIns="91440" bIns="45720" anchor="t" compatLnSpc="1"/>
-          <a:lstStyle/>
-          <a:p>
-            <a:endParaRPr kumimoji="0" lang="en-US"/>
-          </a:p>
-        </p:txBody>
-      </p:sp>
-      <p:sp>
-        <p:nvSpPr>
-          <p:cNvPr id="29" name="Прямая соединительная линия 28"/>
-          <p:cNvSpPr>
-            <a:spLocks noChangeShapeType="1"/>
-          </p:cNvSpPr>
-          <p:nvPr/>
-        </p:nvSpPr>
-        <p:spPr bwMode="auto">
-          <a:xfrm>
-            <a:off x="457200" y="1143000"/>
-            <a:ext cx="8229600" cy="0"/>
-          </a:xfrm>
-          <a:prstGeom prst="line">
-            <a:avLst/>
-          </a:prstGeom>
-          <a:noFill/>
-          <a:ln w="9525" cap="flat" cmpd="sng" algn="ctr">
-            <a:solidFill>
-              <a:schemeClr val="accent2"/>
-            </a:solidFill>
-            <a:prstDash val="dash"/>
-            <a:round/>
-            <a:headEnd type="none" w="med" len="med"/>
-            <a:tailEnd type="none" w="med" len="med"/>
-          </a:ln>
-          <a:effectLst/>
-        </p:spPr>
-        <p:txBody>
-          <a:bodyPr vert="horz" wrap="square" lIns="91440" tIns="45720" rIns="91440" bIns="45720" anchor="t" compatLnSpc="1"/>
-          <a:lstStyle/>
-          <a:p>
-            <a:endParaRPr kumimoji="0" lang="en-US"/>
-          </a:p>
-        </p:txBody>
-      </p:sp>
-      <p:sp>
-        <p:nvSpPr>
-          <p:cNvPr id="10" name="Равнобедренный треугольник 9"/>
-          <p:cNvSpPr>
-            <a:spLocks noChangeAspect="1"/>
-          </p:cNvSpPr>
-          <p:nvPr/>
-        </p:nvSpPr>
-        <p:spPr>
-          <a:xfrm rot="5400000">
-            <a:off x="419100" y="6467475"/>
-            <a:ext cx="190849" cy="120314"/>
-          </a:xfrm>
-          <a:prstGeom prst="triangle">
-            <a:avLst>
-              <a:gd name="adj" fmla="val 50000"/>
-            </a:avLst>
-          </a:prstGeom>
-          <a:solidFill>
-            <a:schemeClr val="accent2"/>
-          </a:solidFill>
-          <a:ln w="25400" cap="rnd" cmpd="sng" algn="ctr">
-            <a:noFill/>
-            <a:prstDash val="solid"/>
-          </a:ln>
-          <a:effectLst/>
-        </p:spPr>
-        <p:style>
-          <a:lnRef idx="3">
-            <a:schemeClr val="lt1"/>
-          </a:lnRef>
-          <a:fillRef idx="1">
-            <a:schemeClr val="accent1"/>
-          </a:fillRef>
-          <a:effectRef idx="1">
-            <a:schemeClr val="accent1"/>
-          </a:effectRef>
-          <a:fontRef idx="minor">
-            <a:schemeClr val="lt1"/>
-          </a:fontRef>
-        </p:style>
-        <p:txBody>
-          <a:bodyPr anchor="ctr"/>
-          <a:lstStyle/>
           <a:p>
             <a:pPr algn="ctr" eaLnBrk="1" latinLnBrk="0" hangingPunct="1"/>
             <a:endParaRPr kumimoji="0" lang="en-US"/>
@@ -9135,18 +9614,21 @@
   </p:cSld>
   <p:clrMap bg1="lt1" tx1="dk1" bg2="lt2" tx2="dk2" accent1="accent1" accent2="accent2" accent3="accent3" accent4="accent4" accent5="accent5" accent6="accent6" hlink="hlink" folHlink="folHlink"/>
   <p:sldLayoutIdLst>
-    <p:sldLayoutId id="2147483769" r:id="rId1"/>
-    <p:sldLayoutId id="2147483770" r:id="rId2"/>
-    <p:sldLayoutId id="2147483771" r:id="rId3"/>
-    <p:sldLayoutId id="2147483772" r:id="rId4"/>
-    <p:sldLayoutId id="2147483773" r:id="rId5"/>
-    <p:sldLayoutId id="2147483774" r:id="rId6"/>
-    <p:sldLayoutId id="2147483775" r:id="rId7"/>
-    <p:sldLayoutId id="2147483776" r:id="rId8"/>
-    <p:sldLayoutId id="2147483777" r:id="rId9"/>
-    <p:sldLayoutId id="2147483778" r:id="rId10"/>
-    <p:sldLayoutId id="2147483779" r:id="rId11"/>
+    <p:sldLayoutId id="2147483829" r:id="rId1"/>
+    <p:sldLayoutId id="2147483830" r:id="rId2"/>
+    <p:sldLayoutId id="2147483831" r:id="rId3"/>
+    <p:sldLayoutId id="2147483832" r:id="rId4"/>
+    <p:sldLayoutId id="2147483833" r:id="rId5"/>
+    <p:sldLayoutId id="2147483834" r:id="rId6"/>
+    <p:sldLayoutId id="2147483835" r:id="rId7"/>
+    <p:sldLayoutId id="2147483836" r:id="rId8"/>
+    <p:sldLayoutId id="2147483837" r:id="rId9"/>
+    <p:sldLayoutId id="2147483838" r:id="rId10"/>
+    <p:sldLayoutId id="2147483839" r:id="rId11"/>
   </p:sldLayoutIdLst>
+  <p:transition>
+    <p:wipe dir="d"/>
+  </p:transition>
   <p:txStyles>
     <p:titleStyle>
       <a:lvl1pPr algn="l" rtl="0" eaLnBrk="1" latinLnBrk="0" hangingPunct="1">
@@ -9154,28 +9636,41 @@
           <a:spcPct val="0"/>
         </a:spcBef>
         <a:buNone/>
-        <a:defRPr kumimoji="0" sz="3200" kern="1200">
+        <a:defRPr kumimoji="0" sz="4300" kern="1200">
           <a:solidFill>
-            <a:schemeClr val="tx2"/>
+            <a:schemeClr val="tx2">
+              <a:satMod val="130000"/>
+            </a:schemeClr>
           </a:solidFill>
+          <a:effectLst>
+            <a:outerShdw blurRad="50000" dist="30000" dir="5400000" algn="tl" rotWithShape="0">
+              <a:srgbClr val="000000">
+                <a:alpha val="30000"/>
+              </a:srgbClr>
+            </a:outerShdw>
+          </a:effectLst>
           <a:latin typeface="+mj-lt"/>
           <a:ea typeface="+mj-ea"/>
           <a:cs typeface="+mj-cs"/>
         </a:defRPr>
       </a:lvl1pPr>
+      <a:extLst/>
     </p:titleStyle>
     <p:bodyStyle>
-      <a:lvl1pPr marL="274320" indent="-274320" algn="l" rtl="0" eaLnBrk="1" latinLnBrk="0" hangingPunct="1">
+      <a:lvl1pPr marL="365760" indent="-283464" algn="l" rtl="0" eaLnBrk="1" latinLnBrk="0" hangingPunct="1">
+        <a:lnSpc>
+          <a:spcPct val="100000"/>
+        </a:lnSpc>
         <a:spcBef>
           <a:spcPts val="600"/>
         </a:spcBef>
         <a:buClr>
           <a:schemeClr val="accent1"/>
         </a:buClr>
-        <a:buSzPct val="76000"/>
-        <a:buFont typeface="Wingdings 3"/>
-        <a:buChar char=""/>
-        <a:defRPr kumimoji="0" sz="2600" kern="1200">
+        <a:buSzPct val="80000"/>
+        <a:buFont typeface="Wingdings 2"/>
+        <a:buChar char=""/>
+        <a:defRPr kumimoji="0" sz="3200" kern="1200">
           <a:solidFill>
             <a:schemeClr val="tx1"/>
           </a:solidFill>
@@ -9184,37 +9679,60 @@
           <a:cs typeface="+mn-cs"/>
         </a:defRPr>
       </a:lvl1pPr>
-      <a:lvl2pPr marL="548640" indent="-274320" algn="l" rtl="0" eaLnBrk="1" latinLnBrk="0" hangingPunct="1">
+      <a:lvl2pPr marL="640080" indent="-237744" algn="l" rtl="0" eaLnBrk="1" latinLnBrk="0" hangingPunct="1">
+        <a:lnSpc>
+          <a:spcPct val="100000"/>
+        </a:lnSpc>
         <a:spcBef>
-          <a:spcPts val="500"/>
+          <a:spcPts val="550"/>
         </a:spcBef>
         <a:buClr>
-          <a:schemeClr val="accent2"/>
+          <a:schemeClr val="accent1"/>
         </a:buClr>
-        <a:buSzPct val="76000"/>
-        <a:buFont typeface="Wingdings 3"/>
-        <a:buChar char=""/>
-        <a:defRPr kumimoji="0" sz="2300" kern="1200">
+        <a:buFont typeface="Verdana"/>
+        <a:buChar char="◦"/>
+        <a:defRPr kumimoji="0" sz="2800" kern="1200">
           <a:solidFill>
-            <a:schemeClr val="tx2"/>
+            <a:schemeClr val="tx1"/>
           </a:solidFill>
           <a:latin typeface="+mn-lt"/>
           <a:ea typeface="+mn-ea"/>
           <a:cs typeface="+mn-cs"/>
         </a:defRPr>
       </a:lvl2pPr>
-      <a:lvl3pPr marL="822960" indent="-228600" algn="l" rtl="0" eaLnBrk="1" latinLnBrk="0" hangingPunct="1">
+      <a:lvl3pPr marL="886968" indent="-228600" algn="l" rtl="0" eaLnBrk="1" latinLnBrk="0" hangingPunct="1">
+        <a:lnSpc>
+          <a:spcPct val="100000"/>
+        </a:lnSpc>
         <a:spcBef>
-          <a:spcPts val="500"/>
+          <a:spcPct val="20000"/>
         </a:spcBef>
         <a:buClr>
-          <a:schemeClr val="bg1">
-            <a:shade val="50000"/>
-          </a:schemeClr>
+          <a:schemeClr val="accent2"/>
         </a:buClr>
-        <a:buSzPct val="76000"/>
-        <a:buFont typeface="Wingdings 3"/>
-        <a:buChar char=""/>
+        <a:buFont typeface="Wingdings 2"/>
+        <a:buChar char=""/>
+        <a:defRPr kumimoji="0" sz="2400" kern="1200">
+          <a:solidFill>
+            <a:schemeClr val="tx1"/>
+          </a:solidFill>
+          <a:latin typeface="+mn-lt"/>
+          <a:ea typeface="+mn-ea"/>
+          <a:cs typeface="+mn-cs"/>
+        </a:defRPr>
+      </a:lvl3pPr>
+      <a:lvl4pPr marL="1097280" indent="-173736" algn="l" rtl="0" eaLnBrk="1" latinLnBrk="0" hangingPunct="1">
+        <a:lnSpc>
+          <a:spcPct val="100000"/>
+        </a:lnSpc>
+        <a:spcBef>
+          <a:spcPct val="20000"/>
+        </a:spcBef>
+        <a:buClr>
+          <a:schemeClr val="accent3"/>
+        </a:buClr>
+        <a:buFont typeface="Wingdings 2"/>
+        <a:buChar char=""/>
         <a:defRPr kumimoji="0" sz="2000" kern="1200">
           <a:solidFill>
             <a:schemeClr val="tx1"/>
@@ -9223,39 +9741,20 @@
           <a:ea typeface="+mn-ea"/>
           <a:cs typeface="+mn-cs"/>
         </a:defRPr>
-      </a:lvl3pPr>
-      <a:lvl4pPr marL="1097280" indent="-228600" algn="l" rtl="0" eaLnBrk="1" latinLnBrk="0" hangingPunct="1">
+      </a:lvl4pPr>
+      <a:lvl5pPr marL="1298448" indent="-182880" algn="l" rtl="0" eaLnBrk="1" latinLnBrk="0" hangingPunct="1">
+        <a:lnSpc>
+          <a:spcPct val="100000"/>
+        </a:lnSpc>
         <a:spcBef>
-          <a:spcPts val="400"/>
+          <a:spcPct val="20000"/>
         </a:spcBef>
         <a:buClr>
-          <a:schemeClr val="accent2">
-            <a:shade val="75000"/>
-          </a:schemeClr>
+          <a:schemeClr val="accent4"/>
         </a:buClr>
-        <a:buSzPct val="70000"/>
-        <a:buFont typeface="Wingdings"/>
-        <a:buChar char=""/>
-        <a:defRPr kumimoji="0" sz="1800" kern="1200">
-          <a:solidFill>
-            <a:schemeClr val="tx1"/>
-          </a:solidFill>
-          <a:latin typeface="+mn-lt"/>
-          <a:ea typeface="+mn-ea"/>
-          <a:cs typeface="+mn-cs"/>
-        </a:defRPr>
-      </a:lvl4pPr>
-      <a:lvl5pPr marL="1371600" indent="-228600" algn="l" rtl="0" eaLnBrk="1" latinLnBrk="0" hangingPunct="1">
-        <a:spcBef>
-          <a:spcPts val="300"/>
-        </a:spcBef>
-        <a:buClr>
-          <a:schemeClr val="accent2"/>
-        </a:buClr>
-        <a:buSzPct val="70000"/>
-        <a:buFont typeface="Wingdings"/>
-        <a:buChar char=""/>
-        <a:defRPr kumimoji="0" sz="1600" kern="1200">
+        <a:buFont typeface="Wingdings 2"/>
+        <a:buChar char=""/>
+        <a:defRPr kumimoji="0" sz="2000" kern="1200">
           <a:solidFill>
             <a:schemeClr val="tx1"/>
           </a:solidFill>
@@ -9264,19 +9763,19 @@
           <a:cs typeface="+mn-cs"/>
         </a:defRPr>
       </a:lvl5pPr>
-      <a:lvl6pPr marL="1645920" indent="-182880" algn="l" rtl="0" eaLnBrk="1" latinLnBrk="0" hangingPunct="1">
+      <a:lvl6pPr marL="1508760" indent="-182880" algn="l" rtl="0" eaLnBrk="1" latinLnBrk="0" hangingPunct="1">
+        <a:lnSpc>
+          <a:spcPct val="100000"/>
+        </a:lnSpc>
         <a:spcBef>
-          <a:spcPts val="300"/>
+          <a:spcPct val="20000"/>
         </a:spcBef>
         <a:buClr>
-          <a:srgbClr val="9FB8CD">
-            <a:shade val="75000"/>
-          </a:srgbClr>
+          <a:schemeClr val="accent5"/>
         </a:buClr>
-        <a:buSzPct val="75000"/>
-        <a:buFont typeface="Wingdings 3"/>
-        <a:buChar char=""/>
-        <a:defRPr kumimoji="0" lang="en-US" sz="1600" kern="1200" smtClean="0">
+        <a:buFont typeface="Wingdings 2"/>
+        <a:buChar char=""/>
+        <a:defRPr kumimoji="0" sz="2000" kern="1200">
           <a:solidFill>
             <a:schemeClr val="tx1"/>
           </a:solidFill>
@@ -9285,19 +9784,19 @@
           <a:cs typeface="+mn-cs"/>
         </a:defRPr>
       </a:lvl6pPr>
-      <a:lvl7pPr marL="1828800" indent="-182880" algn="l" rtl="0" eaLnBrk="1" latinLnBrk="0" hangingPunct="1">
+      <a:lvl7pPr marL="1719072" indent="-182880" algn="l" rtl="0" eaLnBrk="1" latinLnBrk="0" hangingPunct="1">
+        <a:lnSpc>
+          <a:spcPct val="100000"/>
+        </a:lnSpc>
         <a:spcBef>
-          <a:spcPts val="300"/>
+          <a:spcPct val="20000"/>
         </a:spcBef>
         <a:buClr>
-          <a:srgbClr val="727CA3">
-            <a:shade val="75000"/>
-          </a:srgbClr>
+          <a:schemeClr val="accent6"/>
         </a:buClr>
-        <a:buSzPct val="75000"/>
-        <a:buFont typeface="Wingdings 3"/>
-        <a:buChar char=""/>
-        <a:defRPr kumimoji="0" lang="en-US" sz="1400" kern="1200" smtClean="0">
+        <a:buFont typeface="Wingdings 2"/>
+        <a:buChar char=""/>
+        <a:defRPr kumimoji="0" sz="2000" kern="1200">
           <a:solidFill>
             <a:schemeClr val="tx1"/>
           </a:solidFill>
@@ -9306,19 +9805,19 @@
           <a:cs typeface="+mn-cs"/>
         </a:defRPr>
       </a:lvl7pPr>
-      <a:lvl8pPr marL="2011680" indent="-182880" algn="l" rtl="0" eaLnBrk="1" latinLnBrk="0" hangingPunct="1">
+      <a:lvl8pPr marL="1920240" indent="-182880" algn="l" rtl="0" eaLnBrk="1" latinLnBrk="0" hangingPunct="1">
+        <a:lnSpc>
+          <a:spcPct val="100000"/>
+        </a:lnSpc>
         <a:spcBef>
-          <a:spcPts val="300"/>
+          <a:spcPct val="20000"/>
         </a:spcBef>
         <a:buClr>
-          <a:prstClr val="white">
-            <a:shade val="50000"/>
-          </a:prstClr>
+          <a:schemeClr val="accent6"/>
         </a:buClr>
-        <a:buSzPct val="75000"/>
-        <a:buFont typeface="Wingdings 3"/>
-        <a:buChar char=""/>
-        <a:defRPr kumimoji="0" lang="en-US" sz="1400" kern="1200" smtClean="0">
+        <a:buFont typeface="Wingdings 2"/>
+        <a:buChar char=""/>
+        <a:defRPr kumimoji="0" sz="2000" kern="1200">
           <a:solidFill>
             <a:schemeClr val="tx1"/>
           </a:solidFill>
@@ -9327,17 +9826,19 @@
           <a:cs typeface="+mn-cs"/>
         </a:defRPr>
       </a:lvl8pPr>
-      <a:lvl9pPr marL="2194560" indent="-182880" algn="l" rtl="0" eaLnBrk="1" latinLnBrk="0" hangingPunct="1">
+      <a:lvl9pPr marL="2130552" indent="-182880" algn="l" rtl="0" eaLnBrk="1" latinLnBrk="0" hangingPunct="1">
+        <a:lnSpc>
+          <a:spcPct val="100000"/>
+        </a:lnSpc>
         <a:spcBef>
-          <a:spcPts val="300"/>
+          <a:spcPct val="20000"/>
         </a:spcBef>
         <a:buClr>
-          <a:srgbClr val="9FB8CD"/>
+          <a:schemeClr val="accent6"/>
         </a:buClr>
-        <a:buSzPct val="75000"/>
-        <a:buFont typeface="Wingdings 3"/>
-        <a:buChar char=""/>
-        <a:defRPr kumimoji="0" lang="en-US" sz="1200" kern="1200" smtClean="0">
+        <a:buFont typeface="Wingdings 2"/>
+        <a:buChar char=""/>
+        <a:defRPr kumimoji="0" sz="2000" kern="1200">
           <a:solidFill>
             <a:schemeClr val="tx1"/>
           </a:solidFill>
@@ -9346,6 +9847,7 @@
           <a:cs typeface="+mn-cs"/>
         </a:defRPr>
       </a:lvl9pPr>
+      <a:extLst/>
     </p:bodyStyle>
     <p:otherStyle>
       <a:lvl1pPr marL="0" algn="l" rtl="0" eaLnBrk="1" latinLnBrk="0" hangingPunct="1">
@@ -9438,6 +9940,7 @@
           <a:cs typeface="+mn-cs"/>
         </a:defRPr>
       </a:lvl9pPr>
+      <a:extLst/>
     </p:otherStyle>
   </p:txStyles>
 </p:sldMaster>
@@ -9473,7 +9976,7 @@
         <p:spPr>
           <a:xfrm>
             <a:off x="1219200" y="3212976"/>
-            <a:ext cx="6858000" cy="1663824"/>
+            <a:ext cx="6858000" cy="2376264"/>
           </a:xfrm>
         </p:spPr>
         <p:txBody>
@@ -9494,7 +9997,7 @@
               <a:rPr lang="ru-RU" dirty="0" smtClean="0"/>
             </a:br>
             <a:r>
-              <a:rPr lang="ru-RU" sz="2200" b="1" dirty="0" smtClean="0"/>
+              <a:rPr lang="ru-RU" sz="3100" b="1" dirty="0" smtClean="0"/>
               <a:t>СОВЕРШЕНСТВОВАНИЕ ИНФОРМАЦИОННОГО ОБЕСПЕЧЕНИЯ ДЛЯ СИСТЕМ УПРАВЛЕНИЯ ЖИЗНЕННЫМ ЦИКЛОМ</a:t>
             </a:r>
             <a:r>
@@ -9518,16 +10021,21 @@
             <p:ph type="subTitle" idx="1"/>
           </p:nvPr>
         </p:nvSpPr>
-        <p:spPr/>
+        <p:spPr>
+          <a:xfrm>
+            <a:off x="1403648" y="1700808"/>
+            <a:ext cx="7406640" cy="1752600"/>
+          </a:xfrm>
+        </p:spPr>
         <p:txBody>
           <a:bodyPr>
-            <a:normAutofit fontScale="47500" lnSpcReduction="20000"/>
+            <a:normAutofit fontScale="85000" lnSpcReduction="10000"/>
           </a:bodyPr>
           <a:lstStyle/>
           <a:p>
             <a:r>
               <a:rPr lang="ru-RU" dirty="0" smtClean="0"/>
-              <a:t>Автор: Темников А.В., студент группы 521 Финансового Университета при правительстве Российской Федерации.</a:t>
+              <a:t>Автор: Темников Андрей, студент группы 521 Финансового Университета при правительстве Российской Федерации.</a:t>
             </a:r>
           </a:p>
           <a:p>
@@ -9541,11 +10049,7 @@
             </a:r>
             <a:r>
               <a:rPr lang="ru-RU" dirty="0" smtClean="0"/>
-              <a:t> Павел Петрович, </a:t>
-            </a:r>
-            <a:r>
-              <a:rPr lang="ru-RU" dirty="0" smtClean="0"/>
-              <a:t>доктор технических наук, доцент, профессор кафедры математики и информатики</a:t>
+              <a:t> Павел Петрович, доктор технических наук, доцент, профессор кафедры математики и информатики</a:t>
             </a:r>
             <a:endParaRPr lang="ru-RU" dirty="0"/>
           </a:p>
@@ -9556,100 +10060,20 @@
   <p:clrMapOvr>
     <a:masterClrMapping/>
   </p:clrMapOvr>
+  <p:transition>
+    <p:wipe dir="d"/>
+  </p:transition>
+  <p:timing>
+    <p:tnLst>
+      <p:par>
+        <p:cTn id="1" dur="indefinite" restart="never" nodeType="tmRoot"/>
+      </p:par>
+    </p:tnLst>
+  </p:timing>
 </p:sld>
 </file>
 
 <file path=ppt/slides/slide10.xml><?xml version="1.0" encoding="utf-8"?>
-<p:sld xmlns:a="http://schemas.openxmlformats.org/drawingml/2006/main" xmlns:r="http://schemas.openxmlformats.org/officeDocument/2006/relationships" xmlns:p="http://schemas.openxmlformats.org/presentationml/2006/main">
-  <p:cSld>
-    <p:spTree>
-      <p:nvGrpSpPr>
-        <p:cNvPr id="1" name=""/>
-        <p:cNvGrpSpPr/>
-        <p:nvPr/>
-      </p:nvGrpSpPr>
-      <p:grpSpPr>
-        <a:xfrm>
-          <a:off x="0" y="0"/>
-          <a:ext cx="0" cy="0"/>
-          <a:chOff x="0" y="0"/>
-          <a:chExt cx="0" cy="0"/>
-        </a:xfrm>
-      </p:grpSpPr>
-      <p:sp>
-        <p:nvSpPr>
-          <p:cNvPr id="2" name="Заголовок 1"/>
-          <p:cNvSpPr>
-            <a:spLocks noGrp="1"/>
-          </p:cNvSpPr>
-          <p:nvPr>
-            <p:ph type="title"/>
-          </p:nvPr>
-        </p:nvSpPr>
-        <p:spPr/>
-        <p:txBody>
-          <a:bodyPr/>
-          <a:lstStyle/>
-          <a:p>
-            <a:r>
-              <a:rPr lang="ru-RU" dirty="0" smtClean="0"/>
-              <a:t>Выводы	</a:t>
-            </a:r>
-            <a:endParaRPr lang="ru-RU" dirty="0"/>
-          </a:p>
-        </p:txBody>
-      </p:sp>
-      <p:sp>
-        <p:nvSpPr>
-          <p:cNvPr id="3" name="Содержимое 2"/>
-          <p:cNvSpPr>
-            <a:spLocks noGrp="1"/>
-          </p:cNvSpPr>
-          <p:nvPr>
-            <p:ph sz="quarter" idx="1"/>
-          </p:nvPr>
-        </p:nvSpPr>
-        <p:spPr/>
-        <p:txBody>
-          <a:bodyPr>
-            <a:normAutofit fontScale="85000" lnSpcReduction="20000"/>
-          </a:bodyPr>
-          <a:lstStyle/>
-          <a:p>
-            <a:r>
-              <a:rPr lang="ru-RU" dirty="0" smtClean="0"/>
-              <a:t>1. Выявлены основные направления совершенствования информационного обеспечения для систем управления жизненным циклом на примере реализации наиболее часто используемого функционала. </a:t>
-            </a:r>
-          </a:p>
-          <a:p>
-            <a:r>
-              <a:rPr lang="ru-RU" dirty="0" smtClean="0"/>
-              <a:t>2. Основными критериями для его создания являются потребность исполнителей бизнес-процессов в информации и целесообразность добавления новых возможностей. </a:t>
-            </a:r>
-          </a:p>
-          <a:p>
-            <a:r>
-              <a:rPr lang="ru-RU" dirty="0" smtClean="0"/>
-              <a:t>3. Для решения каждой задачи есть свой инструмент, и попытки добавить в СУЖЦ функции, выходящие далеко за рамки, собственно, управления жизненным циклом, могут привести к неоправданно высоким финансовым затратам.</a:t>
-            </a:r>
-          </a:p>
-          <a:p>
-            <a:r>
-              <a:rPr lang="ru-RU" dirty="0" smtClean="0"/>
-              <a:t>4. Опционально, можно реализовать более широкую визуализацию данных, в том числе в виде графиков или системы индикаторов, но этот функционал выходит за рамки СУЖЦ и, возможно, рациональнее будет использовать более специализированную систему. </a:t>
-            </a:r>
-          </a:p>
-        </p:txBody>
-      </p:sp>
-    </p:spTree>
-  </p:cSld>
-  <p:clrMapOvr>
-    <a:masterClrMapping/>
-  </p:clrMapOvr>
-</p:sld>
-</file>
-
-<file path=ppt/slides/slide11.xml><?xml version="1.0" encoding="utf-8"?>
 <p:sld xmlns:a="http://schemas.openxmlformats.org/drawingml/2006/main" xmlns:r="http://schemas.openxmlformats.org/officeDocument/2006/relationships" xmlns:p="http://schemas.openxmlformats.org/presentationml/2006/main">
   <p:cSld>
     <p:spTree>
@@ -9699,16 +10123,21 @@
             <p:ph type="subTitle" idx="1"/>
           </p:nvPr>
         </p:nvSpPr>
-        <p:spPr/>
+        <p:spPr>
+          <a:xfrm>
+            <a:off x="1403648" y="2060848"/>
+            <a:ext cx="7406640" cy="1752600"/>
+          </a:xfrm>
+        </p:spPr>
         <p:txBody>
           <a:bodyPr>
-            <a:normAutofit fontScale="47500" lnSpcReduction="20000"/>
+            <a:normAutofit fontScale="85000" lnSpcReduction="10000"/>
           </a:bodyPr>
           <a:lstStyle/>
           <a:p>
             <a:r>
               <a:rPr lang="ru-RU" dirty="0" smtClean="0"/>
-              <a:t>Автор: Темников А.В., студент группы 521 Финансового Университета при правительстве Российской Федерации.</a:t>
+              <a:t>Автор: Темников Андрей, студент группы 521 Финансового Университета при правительстве Российской Федерации.</a:t>
             </a:r>
           </a:p>
           <a:p>
@@ -9735,6 +10164,16 @@
   <p:clrMapOvr>
     <a:masterClrMapping/>
   </p:clrMapOvr>
+  <p:transition>
+    <p:wipe dir="d"/>
+  </p:transition>
+  <p:timing>
+    <p:tnLst>
+      <p:par>
+        <p:cTn id="1" dur="indefinite" restart="never" nodeType="tmRoot"/>
+      </p:par>
+    </p:tnLst>
+  </p:timing>
 </p:sld>
 </file>
 
@@ -9767,9 +10206,12 @@
         </p:nvSpPr>
         <p:spPr/>
         <p:txBody>
-          <a:bodyPr/>
+          <a:bodyPr>
+            <a:normAutofit fontScale="90000"/>
+          </a:bodyPr>
           <a:lstStyle/>
           <a:p>
+            <a:pPr algn="ctr"/>
             <a:r>
               <a:rPr lang="ru-RU" dirty="0" smtClean="0"/>
               <a:t>Информационное обеспечение</a:t>
@@ -9785,7 +10227,7 @@
             <a:graphicFrameLocks noGrp="1"/>
           </p:cNvGraphicFramePr>
           <p:nvPr>
-            <p:ph sz="quarter" idx="1"/>
+            <p:ph idx="1"/>
           </p:nvPr>
         </p:nvGraphicFramePr>
         <p:xfrm>
@@ -9806,8 +10248,8 @@
         </p:nvSpPr>
         <p:spPr>
           <a:xfrm>
-            <a:off x="1619672" y="2420888"/>
-            <a:ext cx="2592288" cy="369332"/>
+            <a:off x="1403648" y="2204864"/>
+            <a:ext cx="2880320" cy="830997"/>
           </a:xfrm>
           <a:prstGeom prst="rect">
             <a:avLst/>
@@ -9821,10 +10263,10 @@
           <a:lstStyle/>
           <a:p>
             <a:r>
-              <a:rPr lang="ru-RU" dirty="0" smtClean="0"/>
+              <a:rPr lang="ru-RU" sz="2400" dirty="0" smtClean="0"/>
               <a:t>Ввод данных в систему</a:t>
             </a:r>
-            <a:endParaRPr lang="ru-RU" dirty="0"/>
+            <a:endParaRPr lang="ru-RU" sz="2400" dirty="0"/>
           </a:p>
         </p:txBody>
       </p:sp>
@@ -9836,8 +10278,8 @@
         </p:nvSpPr>
         <p:spPr>
           <a:xfrm>
-            <a:off x="1619672" y="4437112"/>
-            <a:ext cx="2736304" cy="646331"/>
+            <a:off x="1331640" y="4077072"/>
+            <a:ext cx="3096344" cy="1200329"/>
           </a:xfrm>
           <a:prstGeom prst="rect">
             <a:avLst/>
@@ -9851,10 +10293,10 @@
           <a:lstStyle/>
           <a:p>
             <a:r>
-              <a:rPr lang="ru-RU" dirty="0" smtClean="0"/>
+              <a:rPr lang="ru-RU" sz="2400" dirty="0" smtClean="0"/>
               <a:t>Предоставление данных пользователю</a:t>
             </a:r>
-            <a:endParaRPr lang="ru-RU" dirty="0"/>
+            <a:endParaRPr lang="ru-RU" sz="2400" dirty="0"/>
           </a:p>
         </p:txBody>
       </p:sp>
@@ -9863,6 +10305,16 @@
   <p:clrMapOvr>
     <a:masterClrMapping/>
   </p:clrMapOvr>
+  <p:transition>
+    <p:wipe dir="d"/>
+  </p:transition>
+  <p:timing>
+    <p:tnLst>
+      <p:par>
+        <p:cTn id="1" dur="indefinite" restart="never" nodeType="tmRoot"/>
+      </p:par>
+    </p:tnLst>
+  </p:timing>
 </p:sld>
 </file>
 
@@ -9895,9 +10347,12 @@
         </p:nvSpPr>
         <p:spPr/>
         <p:txBody>
-          <a:bodyPr/>
+          <a:bodyPr>
+            <a:normAutofit fontScale="90000"/>
+          </a:bodyPr>
           <a:lstStyle/>
           <a:p>
+            <a:pPr algn="ctr"/>
             <a:r>
               <a:rPr lang="ru-RU" dirty="0" smtClean="0"/>
               <a:t>Управление жизненным циклом</a:t>
@@ -9913,13 +10368,13 @@
             <a:spLocks noGrp="1"/>
           </p:cNvSpPr>
           <p:nvPr>
-            <p:ph sz="quarter" idx="1"/>
+            <p:ph idx="1"/>
           </p:nvPr>
         </p:nvSpPr>
         <p:spPr/>
         <p:txBody>
           <a:bodyPr>
-            <a:normAutofit fontScale="85000" lnSpcReduction="10000"/>
+            <a:normAutofit fontScale="70000" lnSpcReduction="20000"/>
           </a:bodyPr>
           <a:lstStyle/>
           <a:p>
@@ -9928,11 +10383,15 @@
             </a:pPr>
             <a:r>
               <a:rPr lang="ru-RU" dirty="0" smtClean="0"/>
-              <a:t>		УЖЦ - </a:t>
+              <a:t>		</a:t>
+            </a:r>
+            <a:r>
+              <a:rPr lang="ru-RU" b="1" dirty="0" smtClean="0"/>
+              <a:t>УЖЦ </a:t>
             </a:r>
             <a:r>
               <a:rPr lang="ru-RU" dirty="0" smtClean="0"/>
-              <a:t>это стратегия ведения бизнеса на основе системных </a:t>
+              <a:t>- это стратегия ведения бизнеса на основе системных </a:t>
             </a:r>
             <a:r>
               <a:rPr lang="ru-RU" dirty="0" err="1" smtClean="0"/>
@@ -9940,18 +10399,22 @@
             </a:r>
             <a:r>
               <a:rPr lang="ru-RU" dirty="0" smtClean="0"/>
-              <a:t>, поддерживающих коллективную разработку, управление, распространение и использование информации о спецификации изделия в рамках расширенного предприятия от концепции до конца жизненного цикла </a:t>
-            </a:r>
-            <a:r>
-              <a:rPr lang="ru-RU" dirty="0" smtClean="0"/>
-              <a:t>изделия. Основные этапы жизненного цикла:</a:t>
-            </a:r>
-          </a:p>
-          <a:p>
-            <a:pPr marL="273050" indent="179388">
+              <a:t>, поддерживающих коллективную разработку, управление, распространение и использование информации о спецификации изделия в рамках расширенного предприятия от концепции до конца жизненного цикла изделия. </a:t>
+            </a:r>
+            <a:endParaRPr lang="en-US" dirty="0" smtClean="0"/>
+          </a:p>
+          <a:p>
+            <a:pPr>
               <a:buNone/>
             </a:pPr>
-            <a:endParaRPr lang="ru-RU" dirty="0" smtClean="0"/>
+            <a:r>
+              <a:rPr lang="en-US" dirty="0" smtClean="0"/>
+              <a:t>		</a:t>
+            </a:r>
+            <a:r>
+              <a:rPr lang="ru-RU" b="1" dirty="0" smtClean="0"/>
+              <a:t>Основные этапы жизненного цикла:</a:t>
+            </a:r>
           </a:p>
           <a:p>
             <a:pPr marL="273050" lvl="0" indent="179388"/>
@@ -9980,7 +10443,6 @@
               <a:rPr lang="ru-RU" dirty="0" smtClean="0"/>
               <a:t>Производство</a:t>
             </a:r>
-            <a:endParaRPr lang="ru-RU" dirty="0" smtClean="0"/>
           </a:p>
           <a:p>
             <a:pPr marL="273050" lvl="0" indent="179388"/>
@@ -10016,6 +10478,16 @@
   <p:clrMapOvr>
     <a:masterClrMapping/>
   </p:clrMapOvr>
+  <p:transition>
+    <p:wipe dir="d"/>
+  </p:transition>
+  <p:timing>
+    <p:tnLst>
+      <p:par>
+        <p:cTn id="1" dur="indefinite" restart="never" nodeType="tmRoot"/>
+      </p:par>
+    </p:tnLst>
+  </p:timing>
 </p:sld>
 </file>
 
@@ -10048,7 +10520,9 @@
         </p:nvSpPr>
         <p:spPr/>
         <p:txBody>
-          <a:bodyPr/>
+          <a:bodyPr>
+            <a:normAutofit fontScale="90000"/>
+          </a:bodyPr>
           <a:lstStyle/>
           <a:p>
             <a:r>
@@ -10066,12 +10540,12 @@
             <a:graphicFrameLocks noGrp="1"/>
           </p:cNvGraphicFramePr>
           <p:nvPr>
-            <p:ph sz="quarter" idx="1"/>
+            <p:ph idx="1"/>
           </p:nvPr>
         </p:nvGraphicFramePr>
         <p:xfrm>
-          <a:off x="457200" y="1219200"/>
-          <a:ext cx="8229600" cy="4937125"/>
+          <a:off x="1435100" y="1447800"/>
+          <a:ext cx="7499350" cy="4800600"/>
         </p:xfrm>
         <a:graphic>
           <a:graphicData uri="http://schemas.openxmlformats.org/drawingml/2006/diagram">
@@ -10079,11 +10553,169 @@
           </a:graphicData>
         </a:graphic>
       </p:graphicFrame>
+      <p:sp>
+        <p:nvSpPr>
+          <p:cNvPr id="5" name="Равнобедренный треугольник 4"/>
+          <p:cNvSpPr/>
+          <p:nvPr/>
+        </p:nvSpPr>
+        <p:spPr>
+          <a:xfrm rot="10800000">
+            <a:off x="4499992" y="2780928"/>
+            <a:ext cx="1152128" cy="504056"/>
+          </a:xfrm>
+          <a:prstGeom prst="triangle">
+            <a:avLst/>
+          </a:prstGeom>
+        </p:spPr>
+        <p:style>
+          <a:lnRef idx="2">
+            <a:schemeClr val="accent1">
+              <a:shade val="50000"/>
+            </a:schemeClr>
+          </a:lnRef>
+          <a:fillRef idx="1">
+            <a:schemeClr val="accent1"/>
+          </a:fillRef>
+          <a:effectRef idx="0">
+            <a:schemeClr val="accent1"/>
+          </a:effectRef>
+          <a:fontRef idx="minor">
+            <a:schemeClr val="lt1"/>
+          </a:fontRef>
+        </p:style>
+        <p:txBody>
+          <a:bodyPr rtlCol="0" anchor="ctr"/>
+          <a:lstStyle/>
+          <a:p>
+            <a:pPr algn="ctr"/>
+            <a:endParaRPr lang="ru-RU"/>
+          </a:p>
+        </p:txBody>
+      </p:sp>
+      <p:sp>
+        <p:nvSpPr>
+          <p:cNvPr id="6" name="TextBox 5"/>
+          <p:cNvSpPr txBox="1"/>
+          <p:nvPr/>
+        </p:nvSpPr>
+        <p:spPr>
+          <a:xfrm>
+            <a:off x="4355976" y="2060848"/>
+            <a:ext cx="1321196" cy="584775"/>
+          </a:xfrm>
+          <a:prstGeom prst="rect">
+            <a:avLst/>
+          </a:prstGeom>
+          <a:noFill/>
+        </p:spPr>
+        <p:txBody>
+          <a:bodyPr wrap="none" rtlCol="0">
+            <a:spAutoFit/>
+          </a:bodyPr>
+          <a:lstStyle/>
+          <a:p>
+            <a:r>
+              <a:rPr lang="ru-RU" sz="3200" dirty="0" smtClean="0"/>
+              <a:t>СУЖЦ</a:t>
+            </a:r>
+            <a:endParaRPr lang="ru-RU" sz="3200" dirty="0"/>
+          </a:p>
+        </p:txBody>
+      </p:sp>
+      <p:sp>
+        <p:nvSpPr>
+          <p:cNvPr id="7" name="TextBox 6"/>
+          <p:cNvSpPr txBox="1"/>
+          <p:nvPr/>
+        </p:nvSpPr>
+        <p:spPr>
+          <a:xfrm>
+            <a:off x="971600" y="4797152"/>
+            <a:ext cx="3937616" cy="830997"/>
+          </a:xfrm>
+          <a:prstGeom prst="rect">
+            <a:avLst/>
+          </a:prstGeom>
+          <a:noFill/>
+        </p:spPr>
+        <p:txBody>
+          <a:bodyPr wrap="none" rtlCol="0">
+            <a:spAutoFit/>
+          </a:bodyPr>
+          <a:lstStyle/>
+          <a:p>
+            <a:pPr>
+              <a:buFont typeface="Arial" pitchFamily="34" charset="0"/>
+              <a:buChar char="•"/>
+            </a:pPr>
+            <a:r>
+              <a:rPr lang="ru-RU" sz="2400" dirty="0" smtClean="0"/>
+              <a:t>Минимальный функционал</a:t>
+            </a:r>
+          </a:p>
+          <a:p>
+            <a:pPr>
+              <a:buFont typeface="Arial" pitchFamily="34" charset="0"/>
+              <a:buChar char="•"/>
+            </a:pPr>
+            <a:r>
+              <a:rPr lang="ru-RU" sz="2400" dirty="0" smtClean="0"/>
+              <a:t>Оплата ненужных функций</a:t>
+            </a:r>
+            <a:endParaRPr lang="ru-RU" sz="2400" dirty="0"/>
+          </a:p>
+        </p:txBody>
+      </p:sp>
+      <p:sp>
+        <p:nvSpPr>
+          <p:cNvPr id="8" name="TextBox 7"/>
+          <p:cNvSpPr txBox="1"/>
+          <p:nvPr/>
+        </p:nvSpPr>
+        <p:spPr>
+          <a:xfrm>
+            <a:off x="5076056" y="5229200"/>
+            <a:ext cx="3816424" cy="1200329"/>
+          </a:xfrm>
+          <a:prstGeom prst="rect">
+            <a:avLst/>
+          </a:prstGeom>
+          <a:noFill/>
+        </p:spPr>
+        <p:txBody>
+          <a:bodyPr wrap="square" rtlCol="0">
+            <a:spAutoFit/>
+          </a:bodyPr>
+          <a:lstStyle/>
+          <a:p>
+            <a:pPr>
+              <a:buFont typeface="Arial" pitchFamily="34" charset="0"/>
+              <a:buChar char="•"/>
+            </a:pPr>
+            <a:r>
+              <a:rPr lang="ru-RU" sz="2400" dirty="0" smtClean="0"/>
+              <a:t>Несоответствие требованиям реального предприятия</a:t>
+            </a:r>
+            <a:endParaRPr lang="ru-RU" sz="2400" dirty="0"/>
+          </a:p>
+        </p:txBody>
+      </p:sp>
     </p:spTree>
   </p:cSld>
   <p:clrMapOvr>
     <a:masterClrMapping/>
   </p:clrMapOvr>
+  <p:transition>
+    <p:wipe dir="d"/>
+  </p:transition>
+  <p:timing>
+    <p:tnLst>
+      <p:par>
+        <p:cTn id="1" dur="indefinite" restart="never" nodeType="tmRoot"/>
+      </p:par>
+    </p:tnLst>
+  </p:timing>
 </p:sld>
 </file>
 
@@ -10134,12 +10766,19 @@
             <a:spLocks noGrp="1"/>
           </p:cNvSpPr>
           <p:nvPr>
-            <p:ph sz="quarter" idx="1"/>
+            <p:ph idx="1"/>
           </p:nvPr>
         </p:nvSpPr>
-        <p:spPr/>
+        <p:spPr>
+          <a:xfrm>
+            <a:off x="1115616" y="1447800"/>
+            <a:ext cx="8028384" cy="4800600"/>
+          </a:xfrm>
+        </p:spPr>
         <p:txBody>
-          <a:bodyPr/>
+          <a:bodyPr>
+            <a:normAutofit fontScale="85000" lnSpcReduction="10000"/>
+          </a:bodyPr>
           <a:lstStyle/>
           <a:p>
             <a:r>
@@ -10172,46 +10811,29 @@
               <a:rPr lang="ru-RU" dirty="0" smtClean="0"/>
               <a:t>Стоимость материалов;</a:t>
             </a:r>
-            <a:endParaRPr lang="ru-RU" dirty="0" smtClean="0"/>
           </a:p>
           <a:p>
             <a:r>
               <a:rPr lang="ru-RU" dirty="0" smtClean="0"/>
-              <a:t>Технологический </a:t>
-            </a:r>
+              <a:t>Технологический процесс;</a:t>
+            </a:r>
+          </a:p>
+          <a:p>
             <a:r>
               <a:rPr lang="ru-RU" dirty="0" smtClean="0"/>
-              <a:t>процесс;</a:t>
+              <a:t>Норма времени и разряды рабочих для расчета зарплат и себестоимости;</a:t>
             </a:r>
           </a:p>
           <a:p>
             <a:r>
               <a:rPr lang="ru-RU" dirty="0" smtClean="0"/>
-              <a:t>Норма </a:t>
-            </a:r>
+              <a:t>Указания по содержанию драгоценных металлов согласно требованиям ГОСТ 2.608-78;</a:t>
+            </a:r>
+          </a:p>
+          <a:p>
             <a:r>
               <a:rPr lang="ru-RU" dirty="0" smtClean="0"/>
-              <a:t>времени и разряды рабочих для расчета зарплат и себестоимости;</a:t>
-            </a:r>
-          </a:p>
-          <a:p>
-            <a:r>
-              <a:rPr lang="ru-RU" dirty="0" smtClean="0"/>
-              <a:t>Указания </a:t>
-            </a:r>
-            <a:r>
-              <a:rPr lang="ru-RU" dirty="0" smtClean="0"/>
-              <a:t>по содержанию драгоценных металлов согласно требованиям ГОСТ 2.608-78;</a:t>
-            </a:r>
-          </a:p>
-          <a:p>
-            <a:r>
-              <a:rPr lang="ru-RU" dirty="0" smtClean="0"/>
-              <a:t>Возможность </a:t>
-            </a:r>
-            <a:r>
-              <a:rPr lang="ru-RU" dirty="0" smtClean="0"/>
-              <a:t>замены покупными изделиями и т.д.</a:t>
+              <a:t>Возможность замены покупными изделиями и т.д.</a:t>
             </a:r>
           </a:p>
           <a:p>
@@ -10224,6 +10846,16 @@
   <p:clrMapOvr>
     <a:masterClrMapping/>
   </p:clrMapOvr>
+  <p:transition>
+    <p:wipe dir="d"/>
+  </p:transition>
+  <p:timing>
+    <p:tnLst>
+      <p:par>
+        <p:cTn id="1" dur="indefinite" restart="never" nodeType="tmRoot"/>
+      </p:par>
+    </p:tnLst>
+  </p:timing>
 </p:sld>
 </file>
 
@@ -10254,14 +10886,21 @@
             <p:ph type="title"/>
           </p:nvPr>
         </p:nvSpPr>
-        <p:spPr/>
+        <p:spPr>
+          <a:xfrm>
+            <a:off x="1187624" y="0"/>
+            <a:ext cx="7746064" cy="1143000"/>
+          </a:xfrm>
+        </p:spPr>
         <p:txBody>
-          <a:bodyPr/>
+          <a:bodyPr>
+            <a:normAutofit fontScale="90000"/>
+          </a:bodyPr>
           <a:lstStyle/>
           <a:p>
             <a:r>
               <a:rPr lang="ru-RU" dirty="0" smtClean="0"/>
-              <a:t>Модели данных СУБД</a:t>
+              <a:t>Подготовка ввода данных в СУЖЦ</a:t>
             </a:r>
             <a:endParaRPr lang="ru-RU" dirty="0"/>
           </a:p>
@@ -10274,49 +10913,100 @@
             <a:spLocks noGrp="1"/>
           </p:cNvSpPr>
           <p:nvPr>
-            <p:ph sz="quarter" idx="1"/>
+            <p:ph idx="1"/>
           </p:nvPr>
         </p:nvSpPr>
-        <p:spPr/>
+        <p:spPr>
+          <a:xfrm>
+            <a:off x="1043608" y="1124744"/>
+            <a:ext cx="8100392" cy="5544616"/>
+          </a:xfrm>
+        </p:spPr>
         <p:txBody>
-          <a:bodyPr/>
+          <a:bodyPr>
+            <a:normAutofit fontScale="40000" lnSpcReduction="20000"/>
+          </a:bodyPr>
           <a:lstStyle/>
           <a:p>
-            <a:pPr>
-              <a:buNone/>
-            </a:pPr>
-            <a:r>
-              <a:rPr lang="ru-RU" dirty="0" smtClean="0"/>
-              <a:t>		Система управления базами данных</a:t>
-            </a:r>
-            <a:r>
-              <a:rPr lang="ru-RU" dirty="0" smtClean="0"/>
-              <a:t> (СУБД) — совокупность программных и лингвистических средств общего или специального назначения, обеспечивающих управление созданием и использованием баз </a:t>
-            </a:r>
-            <a:r>
-              <a:rPr lang="ru-RU" dirty="0" smtClean="0"/>
-              <a:t>данных. Существуют две основных модели данных:</a:t>
-            </a:r>
-          </a:p>
-          <a:p>
-            <a:pPr>
-              <a:buNone/>
-            </a:pPr>
-            <a:endParaRPr lang="ru-RU" dirty="0" smtClean="0"/>
-          </a:p>
-          <a:p>
-            <a:pPr marL="273050" indent="179388"/>
-            <a:r>
-              <a:rPr lang="ru-RU" dirty="0" smtClean="0"/>
-              <a:t>Объектно-ориентированная модель;</a:t>
-            </a:r>
-          </a:p>
-          <a:p>
-            <a:pPr marL="273050" indent="179388"/>
-            <a:r>
-              <a:rPr lang="ru-RU" dirty="0" smtClean="0"/>
-              <a:t>Реляционная модель.</a:t>
-            </a:r>
+            <a:r>
+              <a:rPr lang="ru-RU" sz="5000" dirty="0" smtClean="0"/>
+              <a:t>Определить, какие дополнительные функции будет выполнять система</a:t>
+            </a:r>
+          </a:p>
+          <a:p>
+            <a:r>
+              <a:rPr lang="ru-RU" sz="5000" dirty="0" smtClean="0"/>
+              <a:t>Получить перечень наименований и типа необходимых данных.</a:t>
+            </a:r>
+          </a:p>
+          <a:p>
+            <a:r>
+              <a:rPr lang="ru-RU" sz="5000" dirty="0" smtClean="0"/>
+              <a:t>Собрать данные о типах объектов, используемых на производстве</a:t>
+            </a:r>
+          </a:p>
+          <a:p>
+            <a:pPr lvl="1"/>
+            <a:r>
+              <a:rPr lang="ru-RU" sz="4500" dirty="0" smtClean="0"/>
+              <a:t>Материал – имеются в виду ещё не прошедшие обработку материальные ресурсы;</a:t>
+            </a:r>
+          </a:p>
+          <a:p>
+            <a:pPr lvl="1"/>
+            <a:r>
+              <a:rPr lang="ru-RU" sz="4500" dirty="0" smtClean="0"/>
+              <a:t>Заготовка – материал, с которым были произведены определенные операции;</a:t>
+            </a:r>
+          </a:p>
+          <a:p>
+            <a:pPr lvl="1"/>
+            <a:r>
+              <a:rPr lang="ru-RU" sz="4500" dirty="0" smtClean="0"/>
+              <a:t>Деталь – законченный элемент конструкции;</a:t>
+            </a:r>
+          </a:p>
+          <a:p>
+            <a:pPr lvl="1"/>
+            <a:r>
+              <a:rPr lang="ru-RU" sz="4500" dirty="0" smtClean="0"/>
+              <a:t>Сборочная единица – деталь, в составе которой содержатся другие детали или сборочные единицы;</a:t>
+            </a:r>
+          </a:p>
+          <a:p>
+            <a:pPr lvl="1"/>
+            <a:r>
+              <a:rPr lang="ru-RU" sz="4500" dirty="0" smtClean="0"/>
+              <a:t>Покупное комплектующее изделие – деталь, которая не производится на предприятии, а закупается;</a:t>
+            </a:r>
+          </a:p>
+          <a:p>
+            <a:pPr lvl="1"/>
+            <a:r>
+              <a:rPr lang="ru-RU" sz="4500" dirty="0" smtClean="0"/>
+              <a:t>Инструмент – применяется в том случае, если для изготовления или настройки продукции требуется нестандартное оборудование;</a:t>
+            </a:r>
+          </a:p>
+          <a:p>
+            <a:pPr lvl="1"/>
+            <a:r>
+              <a:rPr lang="ru-RU" sz="4500" dirty="0" smtClean="0"/>
+              <a:t>Документ – сюда относится вся сопроводительная документация, т.е. чертежи, спецификации, технические условия, перечни, инструкции и т.д. </a:t>
+            </a:r>
+          </a:p>
+          <a:p>
+            <a:r>
+              <a:rPr lang="ru-RU" sz="5000" dirty="0" smtClean="0"/>
+              <a:t>Определить, к какому объекту какой атрибут относится.</a:t>
+            </a:r>
+          </a:p>
+          <a:p>
+            <a:r>
+              <a:rPr lang="ru-RU" sz="5000" dirty="0" smtClean="0"/>
+              <a:t>Занести собранные данные в СУЖЦ</a:t>
+            </a:r>
+          </a:p>
+          <a:p>
             <a:endParaRPr lang="ru-RU" dirty="0"/>
           </a:p>
         </p:txBody>
@@ -10326,6 +11016,16 @@
   <p:clrMapOvr>
     <a:masterClrMapping/>
   </p:clrMapOvr>
+  <p:transition>
+    <p:wipe dir="d"/>
+  </p:transition>
+  <p:timing>
+    <p:tnLst>
+      <p:par>
+        <p:cTn id="1" dur="indefinite" restart="never" nodeType="tmRoot"/>
+      </p:par>
+    </p:tnLst>
+  </p:timing>
 </p:sld>
 </file>
 
@@ -10358,16 +11058,14 @@
         </p:nvSpPr>
         <p:spPr/>
         <p:txBody>
-          <a:bodyPr/>
+          <a:bodyPr>
+            <a:normAutofit fontScale="90000"/>
+          </a:bodyPr>
           <a:lstStyle/>
           <a:p>
             <a:r>
               <a:rPr lang="ru-RU" dirty="0" smtClean="0"/>
-              <a:t>Подготовка </a:t>
-            </a:r>
-            <a:r>
-              <a:rPr lang="ru-RU" dirty="0" smtClean="0"/>
-              <a:t>ввода данных в СУЖЦ</a:t>
+              <a:t>Подготовка данных для пользователей</a:t>
             </a:r>
             <a:endParaRPr lang="ru-RU" dirty="0"/>
           </a:p>
@@ -10380,162 +11078,72 @@
             <a:spLocks noGrp="1"/>
           </p:cNvSpPr>
           <p:nvPr>
-            <p:ph sz="quarter" idx="1"/>
+            <p:ph idx="1"/>
           </p:nvPr>
         </p:nvSpPr>
         <p:spPr/>
         <p:txBody>
           <a:bodyPr>
-            <a:normAutofit fontScale="85000" lnSpcReduction="10000"/>
+            <a:normAutofit fontScale="92500" lnSpcReduction="10000"/>
           </a:bodyPr>
           <a:lstStyle/>
           <a:p>
+            <a:pPr lvl="0">
+              <a:buNone/>
+            </a:pPr>
             <a:r>
               <a:rPr lang="ru-RU" dirty="0" smtClean="0"/>
-              <a:t>Определить</a:t>
-            </a:r>
+              <a:t>Необходимая для работы документация:</a:t>
+            </a:r>
+          </a:p>
+          <a:p>
+            <a:pPr lvl="0"/>
             <a:r>
               <a:rPr lang="ru-RU" dirty="0" smtClean="0"/>
-              <a:t>, какие дополнительные функции будет выполнять </a:t>
-            </a:r>
+              <a:t>Состав изделия;</a:t>
+            </a:r>
+          </a:p>
+          <a:p>
+            <a:pPr lvl="0"/>
             <a:r>
               <a:rPr lang="ru-RU" dirty="0" smtClean="0"/>
-              <a:t>система</a:t>
-            </a:r>
-          </a:p>
-          <a:p>
+              <a:t>Ведомости ПКИ и цеховой применяемости;</a:t>
+            </a:r>
+          </a:p>
+          <a:p>
+            <a:pPr lvl="0"/>
             <a:r>
               <a:rPr lang="ru-RU" dirty="0" smtClean="0"/>
-              <a:t>Получить </a:t>
-            </a:r>
+              <a:t>Ведомости допустимых замен ПКИ;</a:t>
+            </a:r>
+          </a:p>
+          <a:p>
+            <a:pPr lvl="0"/>
             <a:r>
               <a:rPr lang="ru-RU" dirty="0" smtClean="0"/>
-              <a:t>перечень наименований и типа </a:t>
-            </a:r>
+              <a:t>Технологический маршрут;</a:t>
+            </a:r>
+          </a:p>
+          <a:p>
+            <a:pPr lvl="0"/>
             <a:r>
               <a:rPr lang="ru-RU" dirty="0" smtClean="0"/>
-              <a:t>необходимых </a:t>
-            </a:r>
+              <a:t>Расчет заработной платы (по изделию/цеху/рабочему);</a:t>
+            </a:r>
+          </a:p>
+          <a:p>
+            <a:pPr lvl="0"/>
             <a:r>
               <a:rPr lang="ru-RU" dirty="0" smtClean="0"/>
-              <a:t>данных.</a:t>
-            </a:r>
-          </a:p>
-          <a:p>
+              <a:t>Отчет потребности в материалах;</a:t>
+            </a:r>
+          </a:p>
+          <a:p>
+            <a:pPr lvl="0"/>
             <a:r>
               <a:rPr lang="ru-RU" dirty="0" smtClean="0"/>
-              <a:t>Собрать </a:t>
-            </a:r>
-            <a:r>
-              <a:rPr lang="ru-RU" dirty="0" smtClean="0"/>
-              <a:t>данные о типах </a:t>
-            </a:r>
-            <a:r>
-              <a:rPr lang="ru-RU" dirty="0" smtClean="0"/>
-              <a:t>объектов, используемых </a:t>
-            </a:r>
-            <a:r>
-              <a:rPr lang="ru-RU" dirty="0" smtClean="0"/>
-              <a:t>на </a:t>
-            </a:r>
-            <a:r>
-              <a:rPr lang="ru-RU" dirty="0" smtClean="0"/>
-              <a:t>производстве</a:t>
-            </a:r>
-          </a:p>
-          <a:p>
-            <a:pPr lvl="1"/>
-            <a:r>
-              <a:rPr lang="ru-RU" dirty="0" smtClean="0"/>
-              <a:t>Материал</a:t>
-            </a:r>
-            <a:endParaRPr lang="ru-RU" dirty="0" smtClean="0"/>
-          </a:p>
-          <a:p>
-            <a:pPr lvl="1"/>
-            <a:r>
-              <a:rPr lang="ru-RU" dirty="0" smtClean="0"/>
-              <a:t>Заготовка</a:t>
-            </a:r>
-            <a:endParaRPr lang="ru-RU" dirty="0" smtClean="0"/>
-          </a:p>
-          <a:p>
-            <a:pPr lvl="1"/>
-            <a:r>
-              <a:rPr lang="ru-RU" dirty="0" smtClean="0"/>
-              <a:t>Деталь</a:t>
-            </a:r>
-            <a:endParaRPr lang="ru-RU" dirty="0" smtClean="0"/>
-          </a:p>
-          <a:p>
-            <a:pPr lvl="1"/>
-            <a:r>
-              <a:rPr lang="ru-RU" dirty="0" smtClean="0"/>
-              <a:t>Сборочная </a:t>
-            </a:r>
-            <a:r>
-              <a:rPr lang="ru-RU" dirty="0" smtClean="0"/>
-              <a:t>единица</a:t>
-            </a:r>
-            <a:endParaRPr lang="ru-RU" dirty="0" smtClean="0"/>
-          </a:p>
-          <a:p>
-            <a:pPr lvl="1"/>
-            <a:r>
-              <a:rPr lang="ru-RU" dirty="0" smtClean="0"/>
-              <a:t>Покупное комплектующее </a:t>
-            </a:r>
-            <a:r>
-              <a:rPr lang="ru-RU" dirty="0" smtClean="0"/>
-              <a:t>изделие</a:t>
-            </a:r>
-            <a:endParaRPr lang="ru-RU" dirty="0" smtClean="0"/>
-          </a:p>
-          <a:p>
-            <a:pPr lvl="1"/>
-            <a:r>
-              <a:rPr lang="ru-RU" dirty="0" smtClean="0"/>
-              <a:t>Инструмент</a:t>
-            </a:r>
-            <a:endParaRPr lang="ru-RU" dirty="0" smtClean="0"/>
-          </a:p>
-          <a:p>
-            <a:pPr lvl="1"/>
-            <a:r>
-              <a:rPr lang="ru-RU" dirty="0" smtClean="0"/>
-              <a:t>Документ</a:t>
-            </a:r>
-            <a:endParaRPr lang="ru-RU" dirty="0" smtClean="0"/>
-          </a:p>
-          <a:p>
-            <a:r>
-              <a:rPr lang="ru-RU" dirty="0" smtClean="0"/>
-              <a:t>Определить</a:t>
-            </a:r>
-            <a:r>
-              <a:rPr lang="ru-RU" dirty="0" smtClean="0"/>
-              <a:t>, к какому объекту какой атрибут относится</a:t>
-            </a:r>
-            <a:r>
-              <a:rPr lang="ru-RU" dirty="0" smtClean="0"/>
-              <a:t>.</a:t>
-            </a:r>
-            <a:endParaRPr lang="ru-RU" dirty="0" smtClean="0"/>
-          </a:p>
-          <a:p>
-            <a:r>
-              <a:rPr lang="ru-RU" dirty="0" smtClean="0"/>
-              <a:t>Занести </a:t>
-            </a:r>
-            <a:r>
-              <a:rPr lang="ru-RU" dirty="0" smtClean="0"/>
-              <a:t>собранные данные в </a:t>
-            </a:r>
-            <a:r>
-              <a:rPr lang="ru-RU" dirty="0" smtClean="0"/>
-              <a:t>СУЖЦ</a:t>
-            </a:r>
-            <a:endParaRPr lang="ru-RU" dirty="0" smtClean="0"/>
+              <a:t>Расчет трудозатрат и т.д.</a:t>
+            </a:r>
           </a:p>
           <a:p>
             <a:endParaRPr lang="ru-RU" dirty="0"/>
@@ -10547,6 +11155,16 @@
   <p:clrMapOvr>
     <a:masterClrMapping/>
   </p:clrMapOvr>
+  <p:transition>
+    <p:wipe dir="d"/>
+  </p:transition>
+  <p:timing>
+    <p:tnLst>
+      <p:par>
+        <p:cTn id="1" dur="indefinite" restart="never" nodeType="tmRoot"/>
+      </p:par>
+    </p:tnLst>
+  </p:timing>
 </p:sld>
 </file>
 
@@ -10579,12 +11197,14 @@
         </p:nvSpPr>
         <p:spPr/>
         <p:txBody>
-          <a:bodyPr/>
+          <a:bodyPr>
+            <a:normAutofit fontScale="90000"/>
+          </a:bodyPr>
           <a:lstStyle/>
           <a:p>
             <a:r>
               <a:rPr lang="ru-RU" dirty="0" smtClean="0"/>
-              <a:t>Подготовка данных для пользователей</a:t>
+              <a:t>Интерфейсы программирования приложений</a:t>
             </a:r>
             <a:endParaRPr lang="ru-RU" dirty="0"/>
           </a:p>
@@ -10597,7 +11217,7 @@
             <a:spLocks noGrp="1"/>
           </p:cNvSpPr>
           <p:nvPr>
-            <p:ph sz="quarter" idx="1"/>
+            <p:ph idx="1"/>
           </p:nvPr>
         </p:nvSpPr>
         <p:spPr/>
@@ -10605,68 +11225,37 @@
           <a:bodyPr/>
           <a:lstStyle/>
           <a:p>
-            <a:pPr lvl="0">
+            <a:pPr>
               <a:buNone/>
             </a:pPr>
             <a:r>
               <a:rPr lang="ru-RU" dirty="0" smtClean="0"/>
-              <a:t>Необходимая для работы документация:</a:t>
-            </a:r>
-          </a:p>
-          <a:p>
-            <a:pPr lvl="0"/>
+              <a:t>		API (интерфейс программирования приложений, интерфейс прикладного программирования) (англ. </a:t>
+            </a:r>
+            <a:r>
+              <a:rPr lang="ru-RU" dirty="0" err="1" smtClean="0"/>
+              <a:t>application</a:t>
+            </a:r>
             <a:r>
               <a:rPr lang="ru-RU" dirty="0" smtClean="0"/>
-              <a:t>Состав </a:t>
+              <a:t> </a:t>
+            </a:r>
+            <a:r>
+              <a:rPr lang="ru-RU" dirty="0" err="1" smtClean="0"/>
+              <a:t>programming</a:t>
             </a:r>
             <a:r>
               <a:rPr lang="ru-RU" dirty="0" smtClean="0"/>
-              <a:t>изделия;</a:t>
-            </a:r>
-          </a:p>
-          <a:p>
-            <a:pPr lvl="0"/>
+              <a:t> </a:t>
+            </a:r>
+            <a:r>
+              <a:rPr lang="ru-RU" dirty="0" err="1" smtClean="0"/>
+              <a:t>interface</a:t>
+            </a:r>
             <a:r>
               <a:rPr lang="ru-RU" dirty="0" smtClean="0"/>
-              <a:t>Ведомости ПКИ и цеховой применяемости;</a:t>
-            </a:r>
-          </a:p>
-          <a:p>
-            <a:pPr lvl="0"/>
-            <a:r>
-              <a:rPr lang="ru-RU" dirty="0" smtClean="0"/>
-              <a:t>Ведомости допустимых замен ПКИ;</a:t>
-            </a:r>
-          </a:p>
-          <a:p>
-            <a:pPr lvl="0"/>
-            <a:r>
-              <a:rPr lang="ru-RU" dirty="0" smtClean="0"/>
-              <a:t>Технологический маршрут;</a:t>
-            </a:r>
-          </a:p>
-          <a:p>
-            <a:pPr lvl="0"/>
-            <a:r>
-              <a:rPr lang="ru-RU" dirty="0" smtClean="0"/>
-              <a:t>Расчет заработной платы (по изделию/цеху/рабочему);</a:t>
-            </a:r>
-          </a:p>
-          <a:p>
-            <a:pPr lvl="0"/>
-            <a:r>
-              <a:rPr lang="ru-RU" dirty="0" smtClean="0"/>
-              <a:t>Отчет потребности в материалах;</a:t>
-            </a:r>
-          </a:p>
-          <a:p>
-            <a:pPr lvl="0"/>
-            <a:r>
-              <a:rPr lang="ru-RU" dirty="0" smtClean="0"/>
-              <a:t>Расчет трудозатрат и т.д.</a:t>
-            </a:r>
-          </a:p>
-          <a:p>
+              <a:t>) — набор готовых классов, процедур, функций, структур и констант, предоставляемых приложением (библиотекой, сервисом) для использования во внешних программных продуктах.</a:t>
+            </a:r>
             <a:endParaRPr lang="ru-RU" dirty="0"/>
           </a:p>
         </p:txBody>
@@ -10676,6 +11265,16 @@
   <p:clrMapOvr>
     <a:masterClrMapping/>
   </p:clrMapOvr>
+  <p:transition>
+    <p:wipe dir="d"/>
+  </p:transition>
+  <p:timing>
+    <p:tnLst>
+      <p:par>
+        <p:cTn id="1" dur="indefinite" restart="never" nodeType="tmRoot"/>
+      </p:par>
+    </p:tnLst>
+  </p:timing>
 </p:sld>
 </file>
 
@@ -10713,7 +11312,7 @@
           <a:p>
             <a:r>
               <a:rPr lang="ru-RU" dirty="0" smtClean="0"/>
-              <a:t>Передача данных в другие системы</a:t>
+              <a:t>Выводы	</a:t>
             </a:r>
             <a:endParaRPr lang="ru-RU" dirty="0"/>
           </a:p>
@@ -10726,62 +11325,40 @@
             <a:spLocks noGrp="1"/>
           </p:cNvSpPr>
           <p:nvPr>
-            <p:ph sz="quarter" idx="1"/>
+            <p:ph idx="1"/>
           </p:nvPr>
         </p:nvSpPr>
-        <p:spPr/>
+        <p:spPr>
+          <a:xfrm>
+            <a:off x="1259632" y="1447800"/>
+            <a:ext cx="7674056" cy="5149552"/>
+          </a:xfrm>
+        </p:spPr>
         <p:txBody>
-          <a:bodyPr/>
+          <a:bodyPr>
+            <a:normAutofit fontScale="77500" lnSpcReduction="20000"/>
+          </a:bodyPr>
           <a:lstStyle/>
           <a:p>
-            <a:pPr>
-              <a:buNone/>
-            </a:pPr>
             <a:r>
               <a:rPr lang="ru-RU" dirty="0" smtClean="0"/>
-              <a:t>		API</a:t>
-            </a:r>
+              <a:t>Выявлены основные направления совершенствования информационного обеспечения для систем управления жизненным циклом на примере реализации наиболее часто используемого функционала. </a:t>
+            </a:r>
+          </a:p>
+          <a:p>
             <a:r>
               <a:rPr lang="ru-RU" dirty="0" smtClean="0"/>
-              <a:t> (интерфейс программирования приложений, интерфейс прикладного программирования) (англ. </a:t>
-            </a:r>
-            <a:r>
-              <a:rPr lang="ru-RU" dirty="0" err="1" smtClean="0"/>
-              <a:t>application</a:t>
-            </a:r>
+              <a:t>Основными критериями для создания информационного обеспечения являются потребность исполнителей бизнес-процессов в информации и целесообразность добавления новых возможностей. </a:t>
+            </a:r>
+          </a:p>
+          <a:p>
             <a:r>
               <a:rPr lang="ru-RU" dirty="0" smtClean="0"/>
-              <a:t> </a:t>
-            </a:r>
-            <a:r>
-              <a:rPr lang="ru-RU" dirty="0" err="1" smtClean="0"/>
-              <a:t>programming</a:t>
-            </a:r>
-            <a:r>
-              <a:rPr lang="ru-RU" dirty="0" smtClean="0"/>
-              <a:t> </a:t>
-            </a:r>
-            <a:r>
-              <a:rPr lang="ru-RU" dirty="0" err="1" smtClean="0"/>
-              <a:t>interface</a:t>
-            </a:r>
-            <a:r>
-              <a:rPr lang="ru-RU" dirty="0" smtClean="0"/>
-              <a:t>)</a:t>
-            </a:r>
-            <a:r>
-              <a:rPr lang="ru-RU" dirty="0" smtClean="0"/>
-              <a:t> </a:t>
-            </a:r>
-            <a:r>
-              <a:rPr lang="ru-RU" dirty="0" smtClean="0"/>
-              <a:t>— </a:t>
-            </a:r>
-            <a:r>
-              <a:rPr lang="ru-RU" dirty="0" smtClean="0"/>
-              <a:t>набор готовых классов, процедур, функций, структур и констант, предоставляемых приложением (библиотекой, сервисом) для использования во внешних программных продуктах.</a:t>
-            </a:r>
-            <a:endParaRPr lang="ru-RU" dirty="0"/>
+              <a:t>Для решения каждой задачи есть свой инструмент, и попытки добавить в СУЖЦ функции, выходящие далеко за рамки управления жизненным циклом, могут привести к излишним финансовым затратам.</a:t>
+            </a:r>
+          </a:p>
+          <a:p>
+            <a:endParaRPr lang="ru-RU" dirty="0" smtClean="0"/>
           </a:p>
         </p:txBody>
       </p:sp>
@@ -10790,13 +11367,23 @@
   <p:clrMapOvr>
     <a:masterClrMapping/>
   </p:clrMapOvr>
+  <p:transition>
+    <p:wipe dir="d"/>
+  </p:transition>
+  <p:timing>
+    <p:tnLst>
+      <p:par>
+        <p:cTn id="1" dur="indefinite" restart="never" nodeType="tmRoot"/>
+      </p:par>
+    </p:tnLst>
+  </p:timing>
 </p:sld>
 </file>
 
 <file path=ppt/theme/theme1.xml><?xml version="1.0" encoding="utf-8"?>
-<a:theme xmlns:a="http://schemas.openxmlformats.org/drawingml/2006/main" name="Начальная">
+<a:theme xmlns:a="http://schemas.openxmlformats.org/drawingml/2006/main" name="Солнцестояние">
   <a:themeElements>
-    <a:clrScheme name="Начальная">
+    <a:clrScheme name="Солнцестояние">
       <a:dk1>
         <a:sysClr val="windowText" lastClr="000000"/>
       </a:dk1>
@@ -10804,84 +11391,48 @@
         <a:sysClr val="window" lastClr="FFFFFF"/>
       </a:lt1>
       <a:dk2>
-        <a:srgbClr val="464653"/>
+        <a:srgbClr val="4F271C"/>
       </a:dk2>
       <a:lt2>
-        <a:srgbClr val="DDE9EC"/>
+        <a:srgbClr val="E7DEC9"/>
       </a:lt2>
       <a:accent1>
-        <a:srgbClr val="727CA3"/>
+        <a:srgbClr val="3891A7"/>
       </a:accent1>
       <a:accent2>
-        <a:srgbClr val="9FB8CD"/>
+        <a:srgbClr val="FEB80A"/>
       </a:accent2>
       <a:accent3>
-        <a:srgbClr val="D2DA7A"/>
+        <a:srgbClr val="C32D2E"/>
       </a:accent3>
       <a:accent4>
-        <a:srgbClr val="FADA7A"/>
+        <a:srgbClr val="84AA33"/>
       </a:accent4>
       <a:accent5>
-        <a:srgbClr val="B88472"/>
+        <a:srgbClr val="964305"/>
       </a:accent5>
       <a:accent6>
-        <a:srgbClr val="8E736A"/>
+        <a:srgbClr val="475A8D"/>
       </a:accent6>
       <a:hlink>
-        <a:srgbClr val="B292CA"/>
+        <a:srgbClr val="8DC765"/>
       </a:hlink>
       <a:folHlink>
-        <a:srgbClr val="6B5680"/>
+        <a:srgbClr val="AA8A14"/>
       </a:folHlink>
     </a:clrScheme>
-    <a:fontScheme name="Начальная">
+    <a:fontScheme name="Солнцестояние">
       <a:majorFont>
-        <a:latin typeface="Bookman Old Style"/>
-        <a:ea typeface=""/>
-        <a:cs typeface=""/>
-        <a:font script="Grek" typeface="Cambria"/>
-        <a:font script="Cyrl" typeface="Cambria"/>
-        <a:font script="Jpan" typeface="HG明朝E"/>
-        <a:font script="Hang" typeface="돋움"/>
-        <a:font script="Hans" typeface="宋体"/>
-        <a:font script="Hant" typeface="標楷體"/>
-        <a:font script="Arab" typeface="Times New Roman"/>
-        <a:font script="Hebr" typeface="Times New Roman"/>
-        <a:font script="Thai" typeface="Browallia New"/>
-        <a:font script="Ethi" typeface="Nyala"/>
-        <a:font script="Beng" typeface="Vrinda"/>
-        <a:font script="Gujr" typeface="Shruti"/>
-        <a:font script="Khmr" typeface="MoolBoran"/>
-        <a:font script="Knda" typeface="Tunga"/>
-        <a:font script="Guru" typeface="Raavi"/>
-        <a:font script="Cans" typeface="Euphemia"/>
-        <a:font script="Cher" typeface="Plantagenet Cherokee"/>
-        <a:font script="Yiii" typeface="Microsoft Yi Baiti"/>
-        <a:font script="Tibt" typeface="Microsoft Himalaya"/>
-        <a:font script="Thaa" typeface="MV Boli"/>
-        <a:font script="Deva" typeface="Mangal"/>
-        <a:font script="Telu" typeface="Gautami"/>
-        <a:font script="Taml" typeface="Latha"/>
-        <a:font script="Syrc" typeface="Estrangelo Edessa"/>
-        <a:font script="Orya" typeface="Kalinga"/>
-        <a:font script="Mlym" typeface="Kartika"/>
-        <a:font script="Laoo" typeface="DokChampa"/>
-        <a:font script="Sinh" typeface="Iskoola Pota"/>
-        <a:font script="Mong" typeface="Mongolian Baiti"/>
-        <a:font script="Viet" typeface="Times New Roman"/>
-        <a:font script="Uigh" typeface="Microsoft Uighur"/>
-      </a:majorFont>
-      <a:minorFont>
         <a:latin typeface="Gill Sans MT"/>
         <a:ea typeface=""/>
         <a:cs typeface=""/>
-        <a:font script="Grek" typeface="Calibri"/>
-        <a:font script="Cyrl" typeface="Calibri"/>
-        <a:font script="Jpan" typeface="ＭＳ Ｐゴシック"/>
-        <a:font script="Hang" typeface="맑은 고딕"/>
-        <a:font script="Hans" typeface="华文新魏"/>
-        <a:font script="Hant" typeface="新細明體"/>
-        <a:font script="Arab" typeface="Arial"/>
+        <a:font script="Grek" typeface="Corbel"/>
+        <a:font script="Cyrl" typeface="Corbel"/>
+        <a:font script="Jpan" typeface="HGｺﾞｼｯｸE"/>
+        <a:font script="Hang" typeface="휴먼매직체"/>
+        <a:font script="Hans" typeface="华文中宋"/>
+        <a:font script="Hant" typeface="微軟正黑體"/>
+        <a:font script="Arab" typeface="Majalla UI"/>
         <a:font script="Hebr" typeface="Arial"/>
         <a:font script="Thai" typeface="Cordia New"/>
         <a:font script="Ethi" typeface="Nyala"/>
@@ -10904,11 +11455,47 @@
         <a:font script="Laoo" typeface="DokChampa"/>
         <a:font script="Sinh" typeface="Iskoola Pota"/>
         <a:font script="Mong" typeface="Mongolian Baiti"/>
-        <a:font script="Viet" typeface="Arial"/>
+        <a:font script="Viet" typeface="Tahoma"/>
+        <a:font script="Uigh" typeface="Microsoft Uighur"/>
+      </a:majorFont>
+      <a:minorFont>
+        <a:latin typeface="Gill Sans MT"/>
+        <a:ea typeface=""/>
+        <a:cs typeface=""/>
+        <a:font script="Grek" typeface="Corbel"/>
+        <a:font script="Cyrl" typeface="Corbel"/>
+        <a:font script="Jpan" typeface="HGｺﾞｼｯｸE"/>
+        <a:font script="Hang" typeface="HY엽서L"/>
+        <a:font script="Hans" typeface="华文中宋"/>
+        <a:font script="Hant" typeface="微軟正黑體"/>
+        <a:font script="Arab" typeface="Majalla UI"/>
+        <a:font script="Hebr" typeface="Arial"/>
+        <a:font script="Thai" typeface="Cordia New"/>
+        <a:font script="Ethi" typeface="Nyala"/>
+        <a:font script="Beng" typeface="Vrinda"/>
+        <a:font script="Gujr" typeface="Shruti"/>
+        <a:font script="Khmr" typeface="DaunPenh"/>
+        <a:font script="Knda" typeface="Tunga"/>
+        <a:font script="Guru" typeface="Raavi"/>
+        <a:font script="Cans" typeface="Euphemia"/>
+        <a:font script="Cher" typeface="Plantagenet Cherokee"/>
+        <a:font script="Yiii" typeface="Microsoft Yi Baiti"/>
+        <a:font script="Tibt" typeface="Microsoft Himalaya"/>
+        <a:font script="Thaa" typeface="MV Boli"/>
+        <a:font script="Deva" typeface="Mangal"/>
+        <a:font script="Telu" typeface="Gautami"/>
+        <a:font script="Taml" typeface="Latha"/>
+        <a:font script="Syrc" typeface="Estrangelo Edessa"/>
+        <a:font script="Orya" typeface="Kalinga"/>
+        <a:font script="Mlym" typeface="Kartika"/>
+        <a:font script="Laoo" typeface="DokChampa"/>
+        <a:font script="Sinh" typeface="Iskoola Pota"/>
+        <a:font script="Mong" typeface="Mongolian Baiti"/>
+        <a:font script="Viet" typeface="Tahoma"/>
         <a:font script="Uigh" typeface="Microsoft Uighur"/>
       </a:minorFont>
     </a:fontScheme>
-    <a:fmtScheme name="Начальная">
+    <a:fmtScheme name="Солнцестояние">
       <a:fillStyleLst>
         <a:solidFill>
           <a:schemeClr val="phClr"/>
@@ -10917,81 +11504,72 @@
           <a:gsLst>
             <a:gs pos="0">
               <a:schemeClr val="phClr">
-                <a:tint val="45000"/>
-                <a:satMod val="200000"/>
+                <a:tint val="35000"/>
+                <a:satMod val="253000"/>
               </a:schemeClr>
             </a:gs>
-            <a:gs pos="30000">
+            <a:gs pos="50000">
               <a:schemeClr val="phClr">
-                <a:tint val="61000"/>
-                <a:satMod val="200000"/>
+                <a:tint val="42000"/>
+                <a:satMod val="255000"/>
               </a:schemeClr>
             </a:gs>
-            <a:gs pos="45000">
+            <a:gs pos="97000">
               <a:schemeClr val="phClr">
-                <a:tint val="66000"/>
-                <a:satMod val="200000"/>
-              </a:schemeClr>
-            </a:gs>
-            <a:gs pos="55000">
-              <a:schemeClr val="phClr">
-                <a:tint val="66000"/>
-                <a:satMod val="200000"/>
-              </a:schemeClr>
-            </a:gs>
-            <a:gs pos="73000">
-              <a:schemeClr val="phClr">
-                <a:tint val="61000"/>
-                <a:satMod val="200000"/>
+                <a:tint val="53000"/>
+                <a:satMod val="260000"/>
               </a:schemeClr>
             </a:gs>
             <a:gs pos="100000">
               <a:schemeClr val="phClr">
-                <a:tint val="45000"/>
-                <a:satMod val="200000"/>
+                <a:tint val="56000"/>
+                <a:satMod val="275000"/>
               </a:schemeClr>
             </a:gs>
           </a:gsLst>
-          <a:lin ang="950000" scaled="1"/>
+          <a:path path="circle">
+            <a:fillToRect l="50000" t="50000" r="50000" b="50000"/>
+          </a:path>
         </a:gradFill>
         <a:gradFill rotWithShape="1">
           <a:gsLst>
             <a:gs pos="0">
               <a:schemeClr val="phClr">
-                <a:shade val="63000"/>
+                <a:tint val="92000"/>
+                <a:satMod val="170000"/>
               </a:schemeClr>
             </a:gs>
-            <a:gs pos="30000">
+            <a:gs pos="15000">
               <a:schemeClr val="phClr">
-                <a:shade val="90000"/>
-                <a:satMod val="110000"/>
+                <a:tint val="92000"/>
+                <a:shade val="99000"/>
+                <a:satMod val="170000"/>
               </a:schemeClr>
             </a:gs>
-            <a:gs pos="45000">
+            <a:gs pos="62000">
               <a:schemeClr val="phClr">
-                <a:shade val="100000"/>
-                <a:satMod val="118000"/>
+                <a:tint val="96000"/>
+                <a:shade val="80000"/>
+                <a:satMod val="170000"/>
               </a:schemeClr>
             </a:gs>
-            <a:gs pos="55000">
+            <a:gs pos="97000">
               <a:schemeClr val="phClr">
-                <a:shade val="100000"/>
-                <a:satMod val="118000"/>
-              </a:schemeClr>
-            </a:gs>
-            <a:gs pos="73000">
-              <a:schemeClr val="phClr">
-                <a:shade val="90000"/>
-                <a:satMod val="110000"/>
+                <a:tint val="98000"/>
+                <a:shade val="63000"/>
+                <a:satMod val="170000"/>
               </a:schemeClr>
             </a:gs>
             <a:gs pos="100000">
               <a:schemeClr val="phClr">
-                <a:shade val="63000"/>
+                <a:shade val="62000"/>
+                <a:satMod val="170000"/>
               </a:schemeClr>
             </a:gs>
           </a:gsLst>
-          <a:lin ang="950000" scaled="1"/>
+          <a:path path="circle">
+            <a:fillToRect l="50000" t="50000" r="50000" b="50000"/>
+          </a:path>
         </a:gradFill>
       </a:fillStyleLst>
       <a:lnStyleLst>
@@ -11001,7 +11579,7 @@
           </a:solidFill>
           <a:prstDash val="solid"/>
         </a:ln>
-        <a:ln w="19050" cap="flat" cmpd="sng" algn="ctr">
+        <a:ln w="25400" cap="flat" cmpd="sng" algn="ctr">
           <a:solidFill>
             <a:schemeClr val="phClr"/>
           </a:solidFill>
@@ -11017,18 +11595,18 @@
       <a:effectStyleLst>
         <a:effectStyle>
           <a:effectLst>
-            <a:outerShdw blurRad="38100" dist="25400" dir="5400000" rotWithShape="0">
+            <a:outerShdw blurRad="63500" dist="25400" dir="5400000" rotWithShape="0">
               <a:srgbClr val="000000">
-                <a:alpha val="40000"/>
+                <a:alpha val="43137"/>
               </a:srgbClr>
             </a:outerShdw>
           </a:effectLst>
         </a:effectStyle>
         <a:effectStyle>
           <a:effectLst>
-            <a:outerShdw blurRad="50800" dist="43000" dir="5400000" rotWithShape="0">
+            <a:outerShdw blurRad="63500" dist="25400" dir="5400000" rotWithShape="0">
               <a:srgbClr val="000000">
-                <a:alpha val="40000"/>
+                <a:alpha val="43137"/>
               </a:srgbClr>
             </a:outerShdw>
           </a:effectLst>
@@ -11036,27 +11614,24 @@
             <a:camera prst="orthographicFront" fov="0">
               <a:rot lat="0" lon="0" rev="0"/>
             </a:camera>
-            <a:lightRig rig="balanced" dir="t">
-              <a:rot lat="0" lon="0" rev="0"/>
+            <a:lightRig rig="brightRoom" dir="tl">
+              <a:rot lat="0" lon="0" rev="8700000"/>
             </a:lightRig>
           </a:scene3d>
-          <a:sp3d prstMaterial="matte">
+          <a:sp3d contourW="12700">
             <a:bevelT w="0" h="0"/>
             <a:contourClr>
               <a:schemeClr val="phClr">
-                <a:tint val="100000"/>
-                <a:shade val="100000"/>
-                <a:hueMod val="100000"/>
-                <a:satMod val="100000"/>
+                <a:shade val="80000"/>
               </a:schemeClr>
             </a:contourClr>
           </a:sp3d>
         </a:effectStyle>
         <a:effectStyle>
           <a:effectLst>
-            <a:outerShdw blurRad="50800" dist="25400" dir="5400000" rotWithShape="0">
+            <a:outerShdw blurRad="63500" dist="25400" dir="5400000" rotWithShape="0">
               <a:srgbClr val="000000">
-                <a:alpha val="50000"/>
+                <a:alpha val="43137"/>
               </a:srgbClr>
             </a:outerShdw>
           </a:effectLst>
@@ -11064,12 +11639,12 @@
             <a:camera prst="orthographicFront" fov="0">
               <a:rot lat="0" lon="0" rev="0"/>
             </a:camera>
-            <a:lightRig rig="soft" dir="t">
-              <a:rot lat="0" lon="0" rev="2700000"/>
+            <a:lightRig rig="brightRoom" dir="tl">
+              <a:rot lat="0" lon="0" rev="5400000"/>
             </a:lightRig>
           </a:scene3d>
-          <a:sp3d prstMaterial="matte">
-            <a:bevelT w="50800" h="50800"/>
+          <a:sp3d contourW="12700">
+            <a:bevelT w="25400" h="50800" prst="angle"/>
             <a:contourClr>
               <a:schemeClr val="phClr"/>
             </a:contourClr>
@@ -11084,38 +11659,41 @@
           <a:gsLst>
             <a:gs pos="0">
               <a:schemeClr val="phClr">
-                <a:shade val="60000"/>
-                <a:satMod val="300000"/>
+                <a:tint val="60000"/>
+                <a:satMod val="355000"/>
               </a:schemeClr>
             </a:gs>
-            <a:gs pos="30000">
+            <a:gs pos="40000">
               <a:schemeClr val="phClr">
-                <a:shade val="80000"/>
-                <a:satMod val="230000"/>
+                <a:tint val="85000"/>
+                <a:satMod val="320000"/>
               </a:schemeClr>
             </a:gs>
             <a:gs pos="100000">
               <a:schemeClr val="phClr">
-                <a:tint val="97000"/>
-                <a:satMod val="220000"/>
+                <a:shade val="55000"/>
+                <a:satMod val="300000"/>
               </a:schemeClr>
             </a:gs>
           </a:gsLst>
-          <a:lin ang="16200000" scaled="1"/>
+          <a:path path="circle">
+            <a:fillToRect l="-24500" t="-20000" r="124500" b="120000"/>
+          </a:path>
         </a:gradFill>
         <a:blipFill>
           <a:blip xmlns:r="http://schemas.openxmlformats.org/officeDocument/2006/relationships" r:embed="rId1">
             <a:duotone>
               <a:schemeClr val="phClr">
-                <a:shade val="6000"/>
-                <a:satMod val="120000"/>
+                <a:shade val="9000"/>
+                <a:satMod val="300000"/>
               </a:schemeClr>
               <a:schemeClr val="phClr">
                 <a:tint val="90000"/>
+                <a:satMod val="225000"/>
               </a:schemeClr>
             </a:duotone>
           </a:blip>
-          <a:tile tx="0" ty="0" sx="35000" sy="40000" flip="x" algn="tl"/>
+          <a:tile tx="0" ty="0" sx="90000" sy="90000" flip="xy" algn="tl"/>
         </a:blipFill>
       </a:bgFillStyleLst>
     </a:fmtScheme>
